--- a/Slides 2020/4. Using Open Source SW.pptx
+++ b/Slides 2020/4. Using Open Source SW.pptx
@@ -5,32 +5,31 @@
     <p:sldMasterId id="2147483660" r:id="rId1"/>
   </p:sldMasterIdLst>
   <p:notesMasterIdLst>
-    <p:notesMasterId r:id="rId25"/>
+    <p:notesMasterId r:id="rId24"/>
   </p:notesMasterIdLst>
   <p:sldIdLst>
     <p:sldId id="370" r:id="rId2"/>
-    <p:sldId id="372" r:id="rId3"/>
-    <p:sldId id="432" r:id="rId4"/>
-    <p:sldId id="459" r:id="rId5"/>
-    <p:sldId id="398" r:id="rId6"/>
-    <p:sldId id="401" r:id="rId7"/>
-    <p:sldId id="465" r:id="rId8"/>
-    <p:sldId id="466" r:id="rId9"/>
-    <p:sldId id="464" r:id="rId10"/>
-    <p:sldId id="460" r:id="rId11"/>
-    <p:sldId id="458" r:id="rId12"/>
-    <p:sldId id="461" r:id="rId13"/>
-    <p:sldId id="462" r:id="rId14"/>
-    <p:sldId id="449" r:id="rId15"/>
-    <p:sldId id="450" r:id="rId16"/>
-    <p:sldId id="451" r:id="rId17"/>
-    <p:sldId id="452" r:id="rId18"/>
-    <p:sldId id="457" r:id="rId19"/>
-    <p:sldId id="463" r:id="rId20"/>
-    <p:sldId id="453" r:id="rId21"/>
-    <p:sldId id="454" r:id="rId22"/>
-    <p:sldId id="455" r:id="rId23"/>
-    <p:sldId id="425" r:id="rId24"/>
+    <p:sldId id="432" r:id="rId3"/>
+    <p:sldId id="459" r:id="rId4"/>
+    <p:sldId id="398" r:id="rId5"/>
+    <p:sldId id="401" r:id="rId6"/>
+    <p:sldId id="465" r:id="rId7"/>
+    <p:sldId id="466" r:id="rId8"/>
+    <p:sldId id="464" r:id="rId9"/>
+    <p:sldId id="460" r:id="rId10"/>
+    <p:sldId id="458" r:id="rId11"/>
+    <p:sldId id="461" r:id="rId12"/>
+    <p:sldId id="462" r:id="rId13"/>
+    <p:sldId id="449" r:id="rId14"/>
+    <p:sldId id="450" r:id="rId15"/>
+    <p:sldId id="451" r:id="rId16"/>
+    <p:sldId id="452" r:id="rId17"/>
+    <p:sldId id="457" r:id="rId18"/>
+    <p:sldId id="463" r:id="rId19"/>
+    <p:sldId id="453" r:id="rId20"/>
+    <p:sldId id="454" r:id="rId21"/>
+    <p:sldId id="455" r:id="rId22"/>
+    <p:sldId id="425" r:id="rId23"/>
   </p:sldIdLst>
   <p:sldSz cx="9144000" cy="6858000" type="screen4x3"/>
   <p:notesSz cx="6858000" cy="9144000"/>
@@ -219,7 +218,7 @@
           <a:p>
             <a:fld id="{3A51E6CB-1B67-49CD-819C-CBD1F8F15839}" type="datetimeFigureOut">
               <a:rPr lang="ko-KR" altLang="en-US" smtClean="0"/>
-              <a:t>2019-09-22</a:t>
+              <a:t>2020-09-16</a:t>
             </a:fld>
             <a:endParaRPr lang="ko-KR" altLang="en-US"/>
           </a:p>
@@ -701,7 +700,7 @@
           <a:p>
             <a:fld id="{1EA80F27-E9B9-4A8E-9A59-01CCB3F43850}" type="datetime1">
               <a:rPr lang="ko-KR" altLang="en-US" smtClean="0"/>
-              <a:t>2019-09-22</a:t>
+              <a:t>2020-09-16</a:t>
             </a:fld>
             <a:endParaRPr lang="ko-KR" altLang="en-US"/>
           </a:p>
@@ -917,7 +916,7 @@
           <a:p>
             <a:fld id="{7E5363F8-22A8-407F-82B0-EFC1D1C22895}" type="datetime1">
               <a:rPr lang="ko-KR" altLang="en-US" smtClean="0"/>
-              <a:t>2019-09-22</a:t>
+              <a:t>2020-09-16</a:t>
             </a:fld>
             <a:endParaRPr lang="ko-KR" altLang="en-US"/>
           </a:p>
@@ -1097,7 +1096,7 @@
           <a:p>
             <a:fld id="{8187739B-8E74-4F06-BBD0-F6D670C1F7A1}" type="datetime1">
               <a:rPr lang="ko-KR" altLang="en-US" smtClean="0"/>
-              <a:t>2019-09-22</a:t>
+              <a:t>2020-09-16</a:t>
             </a:fld>
             <a:endParaRPr lang="ko-KR" altLang="en-US"/>
           </a:p>
@@ -1534,7 +1533,7 @@
           <a:p>
             <a:fld id="{170798F3-F6A9-4876-8D5A-30BE2843F4A2}" type="datetime1">
               <a:rPr lang="ko-KR" altLang="en-US" smtClean="0"/>
-              <a:t>2019-09-22</a:t>
+              <a:t>2020-09-16</a:t>
             </a:fld>
             <a:endParaRPr lang="ko-KR" altLang="en-US"/>
           </a:p>
@@ -1716,7 +1715,7 @@
           <a:p>
             <a:fld id="{947C39E4-F1C0-46F5-93CB-857C8C3AEB8D}" type="datetime1">
               <a:rPr lang="ko-KR" altLang="en-US" smtClean="0"/>
-              <a:t>2019-09-22</a:t>
+              <a:t>2020-09-16</a:t>
             </a:fld>
             <a:endParaRPr lang="ko-KR" altLang="en-US"/>
           </a:p>
@@ -1960,7 +1959,7 @@
           <a:p>
             <a:fld id="{7818271D-E6C7-4286-B2FD-D9AA53F1E428}" type="datetime1">
               <a:rPr lang="ko-KR" altLang="en-US" smtClean="0"/>
-              <a:t>2019-09-22</a:t>
+              <a:t>2020-09-16</a:t>
             </a:fld>
             <a:endParaRPr lang="ko-KR" altLang="en-US"/>
           </a:p>
@@ -2192,7 +2191,7 @@
           <a:p>
             <a:fld id="{8CE3C26B-F624-420D-BF9D-391E2E695B27}" type="datetime1">
               <a:rPr lang="ko-KR" altLang="en-US" smtClean="0"/>
-              <a:t>2019-09-22</a:t>
+              <a:t>2020-09-16</a:t>
             </a:fld>
             <a:endParaRPr lang="ko-KR" altLang="en-US"/>
           </a:p>
@@ -2559,7 +2558,7 @@
           <a:p>
             <a:fld id="{A1FC83CE-7AD5-4A20-9998-54C7F9F05545}" type="datetime1">
               <a:rPr lang="ko-KR" altLang="en-US" smtClean="0"/>
-              <a:t>2019-09-22</a:t>
+              <a:t>2020-09-16</a:t>
             </a:fld>
             <a:endParaRPr lang="ko-KR" altLang="en-US"/>
           </a:p>
@@ -2677,7 +2676,7 @@
           <a:p>
             <a:fld id="{3A3E22EA-EB96-4ADF-ABA9-A693E5F7BB1E}" type="datetime1">
               <a:rPr lang="ko-KR" altLang="en-US" smtClean="0"/>
-              <a:t>2019-09-22</a:t>
+              <a:t>2020-09-16</a:t>
             </a:fld>
             <a:endParaRPr lang="ko-KR" altLang="en-US"/>
           </a:p>
@@ -2772,7 +2771,7 @@
           <a:p>
             <a:fld id="{0D5BD961-86A8-440A-8C4E-52B6CA6FECED}" type="datetime1">
               <a:rPr lang="ko-KR" altLang="en-US" smtClean="0"/>
-              <a:t>2019-09-22</a:t>
+              <a:t>2020-09-16</a:t>
             </a:fld>
             <a:endParaRPr lang="ko-KR" altLang="en-US"/>
           </a:p>
@@ -3049,7 +3048,7 @@
           <a:p>
             <a:fld id="{CD151CC0-1347-483B-8708-01772054FA68}" type="datetime1">
               <a:rPr lang="ko-KR" altLang="en-US" smtClean="0"/>
-              <a:t>2019-09-22</a:t>
+              <a:t>2020-09-16</a:t>
             </a:fld>
             <a:endParaRPr lang="ko-KR" altLang="en-US"/>
           </a:p>
@@ -3306,7 +3305,7 @@
           <a:p>
             <a:fld id="{57185993-49E6-4096-BF26-930E741DA796}" type="datetime1">
               <a:rPr lang="ko-KR" altLang="en-US" smtClean="0"/>
-              <a:t>2019-09-22</a:t>
+              <a:t>2020-09-16</a:t>
             </a:fld>
             <a:endParaRPr lang="ko-KR" altLang="en-US"/>
           </a:p>
@@ -3522,7 +3521,7 @@
           <a:p>
             <a:fld id="{170798F3-F6A9-4876-8D5A-30BE2843F4A2}" type="datetime1">
               <a:rPr lang="ko-KR" altLang="en-US" smtClean="0"/>
-              <a:t>2019-09-22</a:t>
+              <a:t>2020-09-16</a:t>
             </a:fld>
             <a:endParaRPr lang="ko-KR" altLang="en-US"/>
           </a:p>
@@ -4158,7 +4157,7 @@
                   <a:prstClr val="black"/>
                 </a:solidFill>
               </a:rPr>
-              <a:t>Chonbuk</a:t>
+              <a:t>Jeonbuk</a:t>
             </a:r>
             <a:r>
               <a:rPr lang="en-US" altLang="ko-KR" sz="2000" dirty="0">
@@ -4233,10 +4232,10 @@
       </p:grpSpPr>
       <p:sp>
         <p:nvSpPr>
-          <p:cNvPr id="2" name="제목 1">
+          <p:cNvPr id="5" name="제목 4">
             <a:extLst>
               <a:ext uri="{FF2B5EF4-FFF2-40B4-BE49-F238E27FC236}">
-                <a16:creationId xmlns:a16="http://schemas.microsoft.com/office/drawing/2014/main" id="{59C3126F-57CF-4FD3-B30D-A75167A96AD4}"/>
+                <a16:creationId xmlns:a16="http://schemas.microsoft.com/office/drawing/2014/main" id="{A5056656-DA7D-470F-9E11-AA15C0863931}"/>
               </a:ext>
             </a:extLst>
           </p:cNvPr>
@@ -4253,18 +4252,18 @@
           <a:lstStyle/>
           <a:p>
             <a:r>
-              <a:rPr lang="ko-KR" altLang="en-US" dirty="0"/>
-              <a:t>수업에서 실습할 내용</a:t>
-            </a:r>
-          </a:p>
-        </p:txBody>
-      </p:sp>
-      <p:sp>
-        <p:nvSpPr>
-          <p:cNvPr id="3" name="내용 개체 틀 2">
+              <a:rPr lang="en-US" altLang="ko-KR" dirty="0"/>
+              <a:t>What can we do?</a:t>
+            </a:r>
+          </a:p>
+        </p:txBody>
+      </p:sp>
+      <p:sp>
+        <p:nvSpPr>
+          <p:cNvPr id="6" name="텍스트 개체 틀 5">
             <a:extLst>
               <a:ext uri="{FF2B5EF4-FFF2-40B4-BE49-F238E27FC236}">
-                <a16:creationId xmlns:a16="http://schemas.microsoft.com/office/drawing/2014/main" id="{09A4B9FC-EB3E-451D-8B75-EA97CCD0D71A}"/>
+                <a16:creationId xmlns:a16="http://schemas.microsoft.com/office/drawing/2014/main" id="{92DD2413-1CF2-4E02-B94A-2191A7722B8E}"/>
               </a:ext>
             </a:extLst>
           </p:cNvPr>
@@ -4272,83 +4271,15 @@
             <a:spLocks noGrp="1"/>
           </p:cNvSpPr>
           <p:nvPr>
-            <p:ph idx="1"/>
-          </p:nvPr>
-        </p:nvSpPr>
-        <p:spPr/>
-        <p:txBody>
-          <a:bodyPr/>
-          <a:lstStyle/>
-          <a:p>
-            <a:r>
-              <a:rPr lang="en-US" altLang="ko-KR" dirty="0"/>
-              <a:t>OSS </a:t>
-            </a:r>
-            <a:r>
-              <a:rPr lang="ko-KR" altLang="en-US" dirty="0"/>
-              <a:t>관련</a:t>
-            </a:r>
-            <a:endParaRPr lang="en-US" altLang="ko-KR" dirty="0"/>
-          </a:p>
-          <a:p>
-            <a:pPr lvl="1"/>
-            <a:r>
-              <a:rPr lang="en-US" altLang="ko-KR" dirty="0"/>
-              <a:t>Git &amp; GitHub</a:t>
-            </a:r>
-          </a:p>
-          <a:p>
-            <a:pPr lvl="1"/>
-            <a:r>
-              <a:rPr lang="en-US" altLang="ko-KR" dirty="0"/>
-              <a:t>Community &amp; Participation</a:t>
-            </a:r>
-          </a:p>
-          <a:p>
-            <a:r>
-              <a:rPr lang="ko-KR" altLang="en-US" dirty="0"/>
-              <a:t>개발 관련</a:t>
-            </a:r>
-            <a:endParaRPr lang="en-US" altLang="ko-KR" dirty="0"/>
-          </a:p>
-          <a:p>
-            <a:pPr lvl="1"/>
-            <a:r>
-              <a:rPr lang="en-US" altLang="ko-KR" dirty="0"/>
-              <a:t>Code analysis</a:t>
-            </a:r>
-          </a:p>
-          <a:p>
-            <a:pPr lvl="1"/>
-            <a:r>
-              <a:rPr lang="en-US" altLang="ko-KR" dirty="0"/>
-              <a:t>Code review with GitHub</a:t>
-            </a:r>
-          </a:p>
-          <a:p>
-            <a:pPr lvl="1"/>
-            <a:endParaRPr lang="en-US" altLang="ko-KR" dirty="0"/>
-          </a:p>
-          <a:p>
-            <a:r>
-              <a:rPr lang="ko-KR" altLang="en-US" dirty="0"/>
-              <a:t>빠진 내용</a:t>
-            </a:r>
-            <a:endParaRPr lang="en-US" altLang="ko-KR" dirty="0"/>
-          </a:p>
-          <a:p>
-            <a:pPr lvl="1"/>
-            <a:r>
-              <a:rPr lang="en-US" altLang="ko-KR" dirty="0"/>
-              <a:t>Issue/Bug tracking</a:t>
-            </a:r>
-          </a:p>
-          <a:p>
-            <a:pPr lvl="1"/>
-            <a:r>
-              <a:rPr lang="en-US" altLang="ko-KR" dirty="0"/>
-              <a:t>CI/CD, QA</a:t>
-            </a:r>
+            <p:ph type="body" idx="1"/>
+          </p:nvPr>
+        </p:nvSpPr>
+        <p:spPr/>
+        <p:txBody>
+          <a:bodyPr/>
+          <a:lstStyle/>
+          <a:p>
+            <a:endParaRPr lang="ko-KR" altLang="en-US" dirty="0"/>
           </a:p>
         </p:txBody>
       </p:sp>
@@ -4357,7 +4288,7 @@
           <p:cNvPr id="4" name="슬라이드 번호 개체 틀 3">
             <a:extLst>
               <a:ext uri="{FF2B5EF4-FFF2-40B4-BE49-F238E27FC236}">
-                <a16:creationId xmlns:a16="http://schemas.microsoft.com/office/drawing/2014/main" id="{5BBA0532-4C08-42C8-98F1-0569B9F34636}"/>
+                <a16:creationId xmlns:a16="http://schemas.microsoft.com/office/drawing/2014/main" id="{7EFE3AB7-A7ED-4FBD-8DA5-562EBB3C1987}"/>
               </a:ext>
             </a:extLst>
           </p:cNvPr>
@@ -4375,7 +4306,6 @@
           <a:p>
             <a:fld id="{64F0D409-D3F6-4EEC-8C77-1F5E89989FFB}" type="slidenum">
               <a:rPr lang="ko-KR" altLang="en-US" smtClean="0"/>
-              <a:pPr/>
               <a:t>10</a:t>
             </a:fld>
             <a:endParaRPr lang="ko-KR" altLang="en-US"/>
@@ -4385,7 +4315,7 @@
     </p:spTree>
     <p:extLst>
       <p:ext uri="{BB962C8B-B14F-4D97-AF65-F5344CB8AC3E}">
-        <p14:creationId xmlns:p14="http://schemas.microsoft.com/office/powerpoint/2010/main" val="1627854004"/>
+        <p14:creationId xmlns:p14="http://schemas.microsoft.com/office/powerpoint/2010/main" val="2976626605"/>
       </p:ext>
     </p:extLst>
   </p:cSld>
@@ -4417,7 +4347,7 @@
           <p:cNvPr id="5" name="제목 4">
             <a:extLst>
               <a:ext uri="{FF2B5EF4-FFF2-40B4-BE49-F238E27FC236}">
-                <a16:creationId xmlns:a16="http://schemas.microsoft.com/office/drawing/2014/main" id="{A5056656-DA7D-470F-9E11-AA15C0863931}"/>
+                <a16:creationId xmlns:a16="http://schemas.microsoft.com/office/drawing/2014/main" id="{8E023ED8-EC65-4B57-9903-AA2504C75B71}"/>
               </a:ext>
             </a:extLst>
           </p:cNvPr>
@@ -4434,18 +4364,18 @@
           <a:lstStyle/>
           <a:p>
             <a:r>
-              <a:rPr lang="en-US" altLang="ko-KR" dirty="0"/>
-              <a:t>What can we do?</a:t>
-            </a:r>
-          </a:p>
-        </p:txBody>
-      </p:sp>
-      <p:sp>
-        <p:nvSpPr>
-          <p:cNvPr id="6" name="텍스트 개체 틀 5">
+              <a:rPr lang="ko-KR" altLang="en-US" dirty="0"/>
+              <a:t>프로젝트 진행 순서</a:t>
+            </a:r>
+          </a:p>
+        </p:txBody>
+      </p:sp>
+      <p:sp>
+        <p:nvSpPr>
+          <p:cNvPr id="6" name="내용 개체 틀 5">
             <a:extLst>
               <a:ext uri="{FF2B5EF4-FFF2-40B4-BE49-F238E27FC236}">
-                <a16:creationId xmlns:a16="http://schemas.microsoft.com/office/drawing/2014/main" id="{92DD2413-1CF2-4E02-B94A-2191A7722B8E}"/>
+                <a16:creationId xmlns:a16="http://schemas.microsoft.com/office/drawing/2014/main" id="{FE7CBBE5-8A73-4DA6-A6BC-931D06A24713}"/>
               </a:ext>
             </a:extLst>
           </p:cNvPr>
@@ -4453,15 +4383,87 @@
             <a:spLocks noGrp="1"/>
           </p:cNvSpPr>
           <p:nvPr>
-            <p:ph type="body" idx="1"/>
-          </p:nvPr>
-        </p:nvSpPr>
-        <p:spPr/>
-        <p:txBody>
-          <a:bodyPr/>
-          <a:lstStyle/>
-          <a:p>
-            <a:endParaRPr lang="ko-KR" altLang="en-US" dirty="0"/>
+            <p:ph idx="1"/>
+          </p:nvPr>
+        </p:nvSpPr>
+        <p:spPr/>
+        <p:txBody>
+          <a:bodyPr/>
+          <a:lstStyle/>
+          <a:p>
+            <a:pPr marL="457200" indent="-457200">
+              <a:buFont typeface="+mj-lt"/>
+              <a:buAutoNum type="arabicPeriod"/>
+            </a:pPr>
+            <a:r>
+              <a:rPr lang="en-US" altLang="ko-KR" dirty="0"/>
+              <a:t>OSS</a:t>
+            </a:r>
+            <a:r>
+              <a:rPr lang="ko-KR" altLang="en-US" dirty="0"/>
+              <a:t> 프로젝트 선정</a:t>
+            </a:r>
+            <a:endParaRPr lang="en-US" altLang="ko-KR" dirty="0"/>
+          </a:p>
+          <a:p>
+            <a:pPr marL="457200" indent="-457200">
+              <a:buFont typeface="+mj-lt"/>
+              <a:buAutoNum type="arabicPeriod"/>
+            </a:pPr>
+            <a:r>
+              <a:rPr lang="ko-KR" altLang="en-US" dirty="0"/>
+              <a:t>개발 및 테스트 환경 구성</a:t>
+            </a:r>
+            <a:endParaRPr lang="en-US" altLang="ko-KR" dirty="0"/>
+          </a:p>
+          <a:p>
+            <a:pPr marL="457200" indent="-457200">
+              <a:buFont typeface="+mj-lt"/>
+              <a:buAutoNum type="arabicPeriod"/>
+            </a:pPr>
+            <a:r>
+              <a:rPr lang="ko-KR" altLang="en-US" dirty="0"/>
+              <a:t>코드 분석</a:t>
+            </a:r>
+            <a:endParaRPr lang="en-US" altLang="ko-KR" dirty="0"/>
+          </a:p>
+          <a:p>
+            <a:pPr marL="457200" indent="-457200">
+              <a:buFont typeface="+mj-lt"/>
+              <a:buAutoNum type="arabicPeriod"/>
+            </a:pPr>
+            <a:r>
+              <a:rPr lang="ko-KR" altLang="en-US" dirty="0"/>
+              <a:t>개발 </a:t>
+            </a:r>
+            <a:r>
+              <a:rPr lang="en-US" altLang="ko-KR" dirty="0"/>
+              <a:t>(or others)</a:t>
+            </a:r>
+          </a:p>
+          <a:p>
+            <a:pPr marL="457200" indent="-457200">
+              <a:buFont typeface="+mj-lt"/>
+              <a:buAutoNum type="arabicPeriod"/>
+            </a:pPr>
+            <a:r>
+              <a:rPr lang="en-US" altLang="ko-KR" dirty="0"/>
+              <a:t>Pull request!</a:t>
+            </a:r>
+          </a:p>
+          <a:p>
+            <a:pPr marL="457200" indent="-457200">
+              <a:buFont typeface="+mj-lt"/>
+              <a:buAutoNum type="arabicPeriod"/>
+            </a:pPr>
+            <a:r>
+              <a:rPr lang="en-US" altLang="ko-KR" dirty="0"/>
+              <a:t>Merged! </a:t>
+            </a:r>
+            <a:r>
+              <a:rPr lang="en-US" altLang="ko-KR" sz="1600" dirty="0"/>
+              <a:t>(hopefully…)</a:t>
+            </a:r>
           </a:p>
         </p:txBody>
       </p:sp>
@@ -4470,7 +4472,7 @@
           <p:cNvPr id="4" name="슬라이드 번호 개체 틀 3">
             <a:extLst>
               <a:ext uri="{FF2B5EF4-FFF2-40B4-BE49-F238E27FC236}">
-                <a16:creationId xmlns:a16="http://schemas.microsoft.com/office/drawing/2014/main" id="{7EFE3AB7-A7ED-4FBD-8DA5-562EBB3C1987}"/>
+                <a16:creationId xmlns:a16="http://schemas.microsoft.com/office/drawing/2014/main" id="{8AAC9E9A-726D-46F2-8D9B-7D666E6B3E82}"/>
               </a:ext>
             </a:extLst>
           </p:cNvPr>
@@ -4497,7 +4499,7 @@
     </p:spTree>
     <p:extLst>
       <p:ext uri="{BB962C8B-B14F-4D97-AF65-F5344CB8AC3E}">
-        <p14:creationId xmlns:p14="http://schemas.microsoft.com/office/powerpoint/2010/main" val="2976626605"/>
+        <p14:creationId xmlns:p14="http://schemas.microsoft.com/office/powerpoint/2010/main" val="1604918022"/>
       </p:ext>
     </p:extLst>
   </p:cSld>
@@ -4526,10 +4528,10 @@
       </p:grpSpPr>
       <p:sp>
         <p:nvSpPr>
-          <p:cNvPr id="5" name="제목 4">
+          <p:cNvPr id="2" name="제목 1">
             <a:extLst>
               <a:ext uri="{FF2B5EF4-FFF2-40B4-BE49-F238E27FC236}">
-                <a16:creationId xmlns:a16="http://schemas.microsoft.com/office/drawing/2014/main" id="{8E023ED8-EC65-4B57-9903-AA2504C75B71}"/>
+                <a16:creationId xmlns:a16="http://schemas.microsoft.com/office/drawing/2014/main" id="{F5FBFBC3-DAB8-4F54-8C98-880A7E9801AD}"/>
               </a:ext>
             </a:extLst>
           </p:cNvPr>
@@ -4547,17 +4549,17 @@
           <a:p>
             <a:r>
               <a:rPr lang="ko-KR" altLang="en-US" dirty="0"/>
-              <a:t>프로젝트 진행 순서</a:t>
-            </a:r>
-          </a:p>
-        </p:txBody>
-      </p:sp>
-      <p:sp>
-        <p:nvSpPr>
-          <p:cNvPr id="6" name="내용 개체 틀 5">
+              <a:t>대상 프로젝트</a:t>
+            </a:r>
+          </a:p>
+        </p:txBody>
+      </p:sp>
+      <p:sp>
+        <p:nvSpPr>
+          <p:cNvPr id="3" name="내용 개체 틀 2">
             <a:extLst>
               <a:ext uri="{FF2B5EF4-FFF2-40B4-BE49-F238E27FC236}">
-                <a16:creationId xmlns:a16="http://schemas.microsoft.com/office/drawing/2014/main" id="{FE7CBBE5-8A73-4DA6-A6BC-931D06A24713}"/>
+                <a16:creationId xmlns:a16="http://schemas.microsoft.com/office/drawing/2014/main" id="{A88E50BE-15F0-4FCE-B950-7923B44A5116}"/>
               </a:ext>
             </a:extLst>
           </p:cNvPr>
@@ -4573,79 +4575,130 @@
           <a:bodyPr/>
           <a:lstStyle/>
           <a:p>
-            <a:pPr marL="457200" indent="-457200">
-              <a:buFont typeface="+mj-lt"/>
-              <a:buAutoNum type="arabicPeriod"/>
-            </a:pPr>
             <a:r>
               <a:rPr lang="en-US" altLang="ko-KR" dirty="0"/>
-              <a:t>OSS</a:t>
+              <a:t>GitHub</a:t>
             </a:r>
             <a:r>
               <a:rPr lang="ko-KR" altLang="en-US" dirty="0"/>
-              <a:t> 프로젝트 선정</a:t>
+              <a:t> 또는 타 </a:t>
+            </a:r>
+            <a:r>
+              <a:rPr lang="en-US" altLang="ko-KR" dirty="0"/>
+              <a:t>Git</a:t>
+            </a:r>
+            <a:r>
+              <a:rPr lang="ko-KR" altLang="en-US" dirty="0"/>
+              <a:t> </a:t>
+            </a:r>
+            <a:r>
+              <a:rPr lang="en-US" altLang="ko-KR" dirty="0"/>
+              <a:t>repository</a:t>
+            </a:r>
+            <a:r>
+              <a:rPr lang="ko-KR" altLang="en-US" dirty="0"/>
+              <a:t> 에 공개된 프로젝트</a:t>
             </a:r>
             <a:endParaRPr lang="en-US" altLang="ko-KR" dirty="0"/>
           </a:p>
           <a:p>
-            <a:pPr marL="457200" indent="-457200">
-              <a:buFont typeface="+mj-lt"/>
-              <a:buAutoNum type="arabicPeriod"/>
-            </a:pPr>
+            <a:pPr lvl="1"/>
             <a:r>
               <a:rPr lang="ko-KR" altLang="en-US" dirty="0"/>
-              <a:t>개발 및 테스트 환경 구성</a:t>
+              <a:t>약간이라도 경험이 있는 프로젝트가 좋음</a:t>
             </a:r>
             <a:endParaRPr lang="en-US" altLang="ko-KR" dirty="0"/>
           </a:p>
           <a:p>
-            <a:pPr marL="457200" indent="-457200">
-              <a:buFont typeface="+mj-lt"/>
-              <a:buAutoNum type="arabicPeriod"/>
-            </a:pPr>
+            <a:pPr lvl="1"/>
             <a:r>
               <a:rPr lang="ko-KR" altLang="en-US" dirty="0"/>
-              <a:t>코드 분석</a:t>
+              <a:t>혹은 사용자가 많거나</a:t>
+            </a:r>
+            <a:r>
+              <a:rPr lang="en-US" altLang="ko-KR" dirty="0"/>
+              <a:t>, </a:t>
+            </a:r>
+            <a:r>
+              <a:rPr lang="ko-KR" altLang="en-US" dirty="0"/>
+              <a:t>새롭고 유망한 분야의 프로젝트</a:t>
             </a:r>
             <a:endParaRPr lang="en-US" altLang="ko-KR" dirty="0"/>
           </a:p>
           <a:p>
-            <a:pPr marL="457200" indent="-457200">
-              <a:buFont typeface="+mj-lt"/>
-              <a:buAutoNum type="arabicPeriod"/>
-            </a:pPr>
+            <a:pPr lvl="1"/>
+            <a:endParaRPr lang="en-US" altLang="ko-KR" dirty="0"/>
+          </a:p>
+          <a:p>
             <a:r>
               <a:rPr lang="ko-KR" altLang="en-US" dirty="0"/>
-              <a:t>개발 </a:t>
+              <a:t>공개되지 않은 프로젝트</a:t>
+            </a:r>
+            <a:endParaRPr lang="en-US" altLang="ko-KR" dirty="0"/>
+          </a:p>
+          <a:p>
+            <a:pPr lvl="1"/>
+            <a:r>
+              <a:rPr lang="ko-KR" altLang="en-US" dirty="0"/>
+              <a:t>개별 미팅 후</a:t>
             </a:r>
             <a:r>
               <a:rPr lang="en-US" altLang="ko-KR" dirty="0"/>
-              <a:t>(or others)</a:t>
-            </a:r>
-          </a:p>
-          <a:p>
-            <a:pPr marL="457200" indent="-457200">
-              <a:buFont typeface="+mj-lt"/>
-              <a:buAutoNum type="arabicPeriod"/>
-            </a:pPr>
+              <a:t>, </a:t>
+            </a:r>
+            <a:r>
+              <a:rPr lang="ko-KR" altLang="en-US" dirty="0"/>
+              <a:t>허가를 받고 진행하며</a:t>
+            </a:r>
             <a:r>
               <a:rPr lang="en-US" altLang="ko-KR" dirty="0"/>
-              <a:t>Pull request!</a:t>
-            </a:r>
-          </a:p>
-          <a:p>
-            <a:pPr marL="457200" indent="-457200">
-              <a:buFont typeface="+mj-lt"/>
-              <a:buAutoNum type="arabicPeriod"/>
-            </a:pPr>
+              <a:t>, </a:t>
+            </a:r>
+            <a:r>
+              <a:rPr lang="ko-KR" altLang="en-US" dirty="0"/>
+              <a:t>학기 중</a:t>
+            </a:r>
             <a:r>
               <a:rPr lang="en-US" altLang="ko-KR" dirty="0"/>
-              <a:t>Merged! </a:t>
-            </a:r>
-            <a:r>
-              <a:rPr lang="en-US" altLang="ko-KR" sz="1600" dirty="0"/>
-              <a:t>(hopefully…)</a:t>
-            </a:r>
+              <a:t> GitHub</a:t>
+            </a:r>
+            <a:r>
+              <a:rPr lang="ko-KR" altLang="en-US" dirty="0"/>
+              <a:t> 공개를 전제함</a:t>
+            </a:r>
+            <a:endParaRPr lang="en-US" altLang="ko-KR" dirty="0"/>
+          </a:p>
+          <a:p>
+            <a:pPr lvl="1"/>
+            <a:r>
+              <a:rPr lang="ko-KR" altLang="en-US" dirty="0"/>
+              <a:t>예</a:t>
+            </a:r>
+            <a:r>
+              <a:rPr lang="en-US" altLang="ko-KR" dirty="0"/>
+              <a:t>) </a:t>
+            </a:r>
+            <a:r>
+              <a:rPr lang="ko-KR" altLang="en-US" dirty="0"/>
+              <a:t>학과 및 동아리 서비스 개발</a:t>
+            </a:r>
+            <a:endParaRPr lang="en-US" altLang="ko-KR" dirty="0"/>
+          </a:p>
+          <a:p>
+            <a:endParaRPr lang="en-US" altLang="ko-KR" dirty="0"/>
+          </a:p>
+          <a:p>
+            <a:endParaRPr lang="en-US" altLang="ko-KR" dirty="0"/>
+          </a:p>
+          <a:p>
+            <a:pPr lvl="1"/>
+            <a:endParaRPr lang="en-US" altLang="ko-KR" dirty="0"/>
+          </a:p>
+          <a:p>
+            <a:endParaRPr lang="en-US" altLang="ko-KR" dirty="0"/>
+          </a:p>
+          <a:p>
+            <a:endParaRPr lang="ko-KR" altLang="en-US" dirty="0"/>
           </a:p>
         </p:txBody>
       </p:sp>
@@ -4654,7 +4707,7 @@
           <p:cNvPr id="4" name="슬라이드 번호 개체 틀 3">
             <a:extLst>
               <a:ext uri="{FF2B5EF4-FFF2-40B4-BE49-F238E27FC236}">
-                <a16:creationId xmlns:a16="http://schemas.microsoft.com/office/drawing/2014/main" id="{8AAC9E9A-726D-46F2-8D9B-7D666E6B3E82}"/>
+                <a16:creationId xmlns:a16="http://schemas.microsoft.com/office/drawing/2014/main" id="{C743F3B4-CD77-4FA5-A319-5A36675447C8}"/>
               </a:ext>
             </a:extLst>
           </p:cNvPr>
@@ -4681,7 +4734,7 @@
     </p:spTree>
     <p:extLst>
       <p:ext uri="{BB962C8B-B14F-4D97-AF65-F5344CB8AC3E}">
-        <p14:creationId xmlns:p14="http://schemas.microsoft.com/office/powerpoint/2010/main" val="1604918022"/>
+        <p14:creationId xmlns:p14="http://schemas.microsoft.com/office/powerpoint/2010/main" val="2460612919"/>
       </p:ext>
     </p:extLst>
   </p:cSld>
@@ -4713,7 +4766,7 @@
           <p:cNvPr id="2" name="제목 1">
             <a:extLst>
               <a:ext uri="{FF2B5EF4-FFF2-40B4-BE49-F238E27FC236}">
-                <a16:creationId xmlns:a16="http://schemas.microsoft.com/office/drawing/2014/main" id="{F5FBFBC3-DAB8-4F54-8C98-880A7E9801AD}"/>
+                <a16:creationId xmlns:a16="http://schemas.microsoft.com/office/drawing/2014/main" id="{91CA5BA3-FCBD-4CBB-B3F1-C60905EB12AD}"/>
               </a:ext>
             </a:extLst>
           </p:cNvPr>
@@ -4730,174 +4783,51 @@
           <a:lstStyle/>
           <a:p>
             <a:r>
-              <a:rPr lang="ko-KR" altLang="en-US" dirty="0"/>
-              <a:t>대상 프로젝트</a:t>
-            </a:r>
-          </a:p>
-        </p:txBody>
-      </p:sp>
-      <p:sp>
-        <p:nvSpPr>
-          <p:cNvPr id="3" name="내용 개체 틀 2">
+              <a:rPr lang="en-US" altLang="ko-KR" dirty="0"/>
+              <a:t>What can we do for an OSS project?</a:t>
+            </a:r>
+            <a:endParaRPr lang="ko-KR" altLang="en-US" dirty="0"/>
+          </a:p>
+        </p:txBody>
+      </p:sp>
+      <p:pic>
+        <p:nvPicPr>
+          <p:cNvPr id="5" name="내용 개체 틀 4">
             <a:extLst>
               <a:ext uri="{FF2B5EF4-FFF2-40B4-BE49-F238E27FC236}">
-                <a16:creationId xmlns:a16="http://schemas.microsoft.com/office/drawing/2014/main" id="{A88E50BE-15F0-4FCE-B950-7923B44A5116}"/>
+                <a16:creationId xmlns:a16="http://schemas.microsoft.com/office/drawing/2014/main" id="{8008F0E5-BE6A-42C4-A009-67D1DC008B18}"/>
               </a:ext>
             </a:extLst>
           </p:cNvPr>
-          <p:cNvSpPr>
-            <a:spLocks noGrp="1"/>
-          </p:cNvSpPr>
+          <p:cNvPicPr>
+            <a:picLocks noGrp="1" noChangeAspect="1"/>
+          </p:cNvPicPr>
           <p:nvPr>
             <p:ph idx="1"/>
           </p:nvPr>
-        </p:nvSpPr>
-        <p:spPr/>
-        <p:txBody>
-          <a:bodyPr/>
-          <a:lstStyle/>
-          <a:p>
-            <a:r>
-              <a:rPr lang="en-US" altLang="ko-KR" dirty="0"/>
-              <a:t>GitHub</a:t>
-            </a:r>
-            <a:r>
-              <a:rPr lang="ko-KR" altLang="en-US" dirty="0"/>
-              <a:t> 또는 타 </a:t>
-            </a:r>
-            <a:r>
-              <a:rPr lang="en-US" altLang="ko-KR" dirty="0"/>
-              <a:t>Git</a:t>
-            </a:r>
-            <a:r>
-              <a:rPr lang="ko-KR" altLang="en-US" dirty="0"/>
-              <a:t> </a:t>
-            </a:r>
-            <a:r>
-              <a:rPr lang="en-US" altLang="ko-KR" dirty="0"/>
-              <a:t>repository</a:t>
-            </a:r>
-            <a:r>
-              <a:rPr lang="ko-KR" altLang="en-US" dirty="0"/>
-              <a:t> 에 공개된 프로젝트</a:t>
-            </a:r>
-            <a:endParaRPr lang="en-US" altLang="ko-KR" dirty="0"/>
-          </a:p>
-          <a:p>
-            <a:pPr lvl="1"/>
-            <a:r>
-              <a:rPr lang="ko-KR" altLang="en-US" dirty="0"/>
-              <a:t>약간이라도 경험이 있는 프로젝트가 좋음</a:t>
-            </a:r>
-            <a:endParaRPr lang="en-US" altLang="ko-KR" dirty="0"/>
-          </a:p>
-          <a:p>
-            <a:pPr lvl="1"/>
-            <a:r>
-              <a:rPr lang="ko-KR" altLang="en-US" dirty="0"/>
-              <a:t>혹은 사용자가 많거나</a:t>
-            </a:r>
-            <a:r>
-              <a:rPr lang="en-US" altLang="ko-KR" dirty="0"/>
-              <a:t>, </a:t>
-            </a:r>
-            <a:r>
-              <a:rPr lang="ko-KR" altLang="en-US" dirty="0"/>
-              <a:t>새롭고 유망한 분야의 프로젝트</a:t>
-            </a:r>
-            <a:endParaRPr lang="en-US" altLang="ko-KR" dirty="0"/>
-          </a:p>
-          <a:p>
-            <a:pPr lvl="1"/>
-            <a:endParaRPr lang="en-US" altLang="ko-KR" dirty="0"/>
-          </a:p>
-          <a:p>
-            <a:r>
-              <a:rPr lang="ko-KR" altLang="en-US" dirty="0"/>
-              <a:t>공개되지 않은 프로젝트</a:t>
-            </a:r>
-            <a:endParaRPr lang="en-US" altLang="ko-KR" dirty="0"/>
-          </a:p>
-          <a:p>
-            <a:pPr lvl="1"/>
-            <a:r>
-              <a:rPr lang="ko-KR" altLang="en-US" dirty="0"/>
-              <a:t>개별 미팅 후</a:t>
-            </a:r>
-            <a:r>
-              <a:rPr lang="en-US" altLang="ko-KR" dirty="0"/>
-              <a:t>, </a:t>
-            </a:r>
-            <a:r>
-              <a:rPr lang="ko-KR" altLang="en-US" dirty="0"/>
-              <a:t>허가를 받고 진행하며</a:t>
-            </a:r>
-            <a:r>
-              <a:rPr lang="en-US" altLang="ko-KR" dirty="0"/>
-              <a:t>, </a:t>
-            </a:r>
-            <a:r>
-              <a:rPr lang="ko-KR" altLang="en-US" dirty="0"/>
-              <a:t>학기 중</a:t>
-            </a:r>
-            <a:r>
-              <a:rPr lang="en-US" altLang="ko-KR" dirty="0"/>
-              <a:t> GitHub</a:t>
-            </a:r>
-            <a:r>
-              <a:rPr lang="ko-KR" altLang="en-US" dirty="0"/>
-              <a:t> 공개를 전제함</a:t>
-            </a:r>
-            <a:endParaRPr lang="en-US" altLang="ko-KR" dirty="0"/>
-          </a:p>
-          <a:p>
-            <a:pPr lvl="1"/>
-            <a:r>
-              <a:rPr lang="ko-KR" altLang="en-US" dirty="0"/>
-              <a:t>예</a:t>
-            </a:r>
-            <a:r>
-              <a:rPr lang="en-US" altLang="ko-KR" dirty="0"/>
-              <a:t>) </a:t>
-            </a:r>
-            <a:r>
-              <a:rPr lang="ko-KR" altLang="en-US" dirty="0"/>
-              <a:t>학과 및 동아리 서비스 개발</a:t>
-            </a:r>
-            <a:r>
-              <a:rPr lang="en-US" altLang="ko-KR" dirty="0"/>
-              <a:t>: Litmus, J-Cloud </a:t>
-            </a:r>
-            <a:r>
-              <a:rPr lang="ko-KR" altLang="en-US" dirty="0"/>
-              <a:t>등</a:t>
-            </a:r>
-            <a:endParaRPr lang="en-US" altLang="ko-KR" dirty="0"/>
-          </a:p>
-          <a:p>
-            <a:endParaRPr lang="en-US" altLang="ko-KR" dirty="0"/>
-          </a:p>
-          <a:p>
-            <a:endParaRPr lang="en-US" altLang="ko-KR" dirty="0"/>
-          </a:p>
-          <a:p>
-            <a:pPr lvl="1"/>
-            <a:endParaRPr lang="en-US" altLang="ko-KR" dirty="0"/>
-          </a:p>
-          <a:p>
-            <a:endParaRPr lang="en-US" altLang="ko-KR" dirty="0"/>
-          </a:p>
-          <a:p>
-            <a:endParaRPr lang="ko-KR" altLang="en-US" dirty="0"/>
-          </a:p>
-        </p:txBody>
-      </p:sp>
+        </p:nvPicPr>
+        <p:blipFill>
+          <a:blip r:embed="rId2"/>
+          <a:stretch>
+            <a:fillRect/>
+          </a:stretch>
+        </p:blipFill>
+        <p:spPr>
+          <a:xfrm>
+            <a:off x="1914526" y="1071287"/>
+            <a:ext cx="5314950" cy="5244064"/>
+          </a:xfrm>
+          <a:prstGeom prst="rect">
+            <a:avLst/>
+          </a:prstGeom>
+        </p:spPr>
+      </p:pic>
       <p:sp>
         <p:nvSpPr>
           <p:cNvPr id="4" name="슬라이드 번호 개체 틀 3">
             <a:extLst>
               <a:ext uri="{FF2B5EF4-FFF2-40B4-BE49-F238E27FC236}">
-                <a16:creationId xmlns:a16="http://schemas.microsoft.com/office/drawing/2014/main" id="{C743F3B4-CD77-4FA5-A319-5A36675447C8}"/>
+                <a16:creationId xmlns:a16="http://schemas.microsoft.com/office/drawing/2014/main" id="{B42441A0-89ED-41DD-AFA0-5EC3388F9ED4}"/>
               </a:ext>
             </a:extLst>
           </p:cNvPr>
@@ -4924,7 +4854,7 @@
     </p:spTree>
     <p:extLst>
       <p:ext uri="{BB962C8B-B14F-4D97-AF65-F5344CB8AC3E}">
-        <p14:creationId xmlns:p14="http://schemas.microsoft.com/office/powerpoint/2010/main" val="2460612919"/>
+        <p14:creationId xmlns:p14="http://schemas.microsoft.com/office/powerpoint/2010/main" val="3321062478"/>
       </p:ext>
     </p:extLst>
   </p:cSld>
@@ -4956,7 +4886,7 @@
           <p:cNvPr id="2" name="제목 1">
             <a:extLst>
               <a:ext uri="{FF2B5EF4-FFF2-40B4-BE49-F238E27FC236}">
-                <a16:creationId xmlns:a16="http://schemas.microsoft.com/office/drawing/2014/main" id="{91CA5BA3-FCBD-4CBB-B3F1-C60905EB12AD}"/>
+                <a16:creationId xmlns:a16="http://schemas.microsoft.com/office/drawing/2014/main" id="{64B1B3FF-CF0D-41A7-8037-5F2FDAFAE1FB}"/>
               </a:ext>
             </a:extLst>
           </p:cNvPr>
@@ -4973,8 +4903,28 @@
           <a:lstStyle/>
           <a:p>
             <a:r>
+              <a:rPr lang="ko-KR" altLang="en-US" dirty="0"/>
+              <a:t>기능 추가</a:t>
+            </a:r>
+            <a:r>
               <a:rPr lang="en-US" altLang="ko-KR" dirty="0"/>
-              <a:t>What can we do for an OSS project?</a:t>
+              <a:t>/</a:t>
+            </a:r>
+            <a:r>
+              <a:rPr lang="ko-KR" altLang="en-US" dirty="0"/>
+              <a:t>개선</a:t>
+            </a:r>
+            <a:r>
+              <a:rPr lang="en-US" altLang="ko-KR" dirty="0"/>
+              <a:t>: </a:t>
+            </a:r>
+            <a:r>
+              <a:rPr lang="ko-KR" altLang="en-US" dirty="0"/>
+              <a:t>난이도 </a:t>
+            </a:r>
+            <a:r>
+              <a:rPr lang="en-US" altLang="ko-KR" dirty="0"/>
+              <a:t>A,B</a:t>
             </a:r>
             <a:endParaRPr lang="ko-KR" altLang="en-US" dirty="0"/>
           </a:p>
@@ -4985,7 +4935,7 @@
           <p:cNvPr id="5" name="내용 개체 틀 4">
             <a:extLst>
               <a:ext uri="{FF2B5EF4-FFF2-40B4-BE49-F238E27FC236}">
-                <a16:creationId xmlns:a16="http://schemas.microsoft.com/office/drawing/2014/main" id="{8008F0E5-BE6A-42C4-A009-67D1DC008B18}"/>
+                <a16:creationId xmlns:a16="http://schemas.microsoft.com/office/drawing/2014/main" id="{E032F699-D6E5-4963-A055-E76B3443FBA0}"/>
               </a:ext>
             </a:extLst>
           </p:cNvPr>
@@ -5004,8 +4954,8 @@
         </p:blipFill>
         <p:spPr>
           <a:xfrm>
-            <a:off x="1914526" y="1071287"/>
-            <a:ext cx="5314950" cy="5244064"/>
+            <a:off x="1" y="1153489"/>
+            <a:ext cx="9144000" cy="5079660"/>
           </a:xfrm>
           <a:prstGeom prst="rect">
             <a:avLst/>
@@ -5017,7 +4967,7 @@
           <p:cNvPr id="4" name="슬라이드 번호 개체 틀 3">
             <a:extLst>
               <a:ext uri="{FF2B5EF4-FFF2-40B4-BE49-F238E27FC236}">
-                <a16:creationId xmlns:a16="http://schemas.microsoft.com/office/drawing/2014/main" id="{B42441A0-89ED-41DD-AFA0-5EC3388F9ED4}"/>
+                <a16:creationId xmlns:a16="http://schemas.microsoft.com/office/drawing/2014/main" id="{E0DA1908-8511-4BC6-BDBB-A9C0558D315A}"/>
               </a:ext>
             </a:extLst>
           </p:cNvPr>
@@ -5044,7 +4994,7 @@
     </p:spTree>
     <p:extLst>
       <p:ext uri="{BB962C8B-B14F-4D97-AF65-F5344CB8AC3E}">
-        <p14:creationId xmlns:p14="http://schemas.microsoft.com/office/powerpoint/2010/main" val="3321062478"/>
+        <p14:creationId xmlns:p14="http://schemas.microsoft.com/office/powerpoint/2010/main" val="1472682800"/>
       </p:ext>
     </p:extLst>
   </p:cSld>
@@ -5076,7 +5026,7 @@
           <p:cNvPr id="2" name="제목 1">
             <a:extLst>
               <a:ext uri="{FF2B5EF4-FFF2-40B4-BE49-F238E27FC236}">
-                <a16:creationId xmlns:a16="http://schemas.microsoft.com/office/drawing/2014/main" id="{64B1B3FF-CF0D-41A7-8037-5F2FDAFAE1FB}"/>
+                <a16:creationId xmlns:a16="http://schemas.microsoft.com/office/drawing/2014/main" id="{0C17E5F7-6FB9-4676-9B6E-B8C58E65BFD2}"/>
               </a:ext>
             </a:extLst>
           </p:cNvPr>
@@ -5094,15 +5044,7 @@
           <a:p>
             <a:r>
               <a:rPr lang="ko-KR" altLang="en-US" dirty="0"/>
-              <a:t>기능 추가</a:t>
-            </a:r>
-            <a:r>
-              <a:rPr lang="en-US" altLang="ko-KR" dirty="0"/>
-              <a:t>/</a:t>
-            </a:r>
-            <a:r>
-              <a:rPr lang="ko-KR" altLang="en-US" dirty="0"/>
-              <a:t>개선</a:t>
+              <a:t>이슈 해결</a:t>
             </a:r>
             <a:r>
               <a:rPr lang="en-US" altLang="ko-KR" dirty="0"/>
@@ -5114,7 +5056,7 @@
             </a:r>
             <a:r>
               <a:rPr lang="en-US" altLang="ko-KR" dirty="0"/>
-              <a:t>A,B</a:t>
+              <a:t>A, B</a:t>
             </a:r>
             <a:endParaRPr lang="ko-KR" altLang="en-US" dirty="0"/>
           </a:p>
@@ -5125,7 +5067,7 @@
           <p:cNvPr id="5" name="내용 개체 틀 4">
             <a:extLst>
               <a:ext uri="{FF2B5EF4-FFF2-40B4-BE49-F238E27FC236}">
-                <a16:creationId xmlns:a16="http://schemas.microsoft.com/office/drawing/2014/main" id="{E032F699-D6E5-4963-A055-E76B3443FBA0}"/>
+                <a16:creationId xmlns:a16="http://schemas.microsoft.com/office/drawing/2014/main" id="{8D8E9F93-8E97-4F6B-9308-843D40CE7505}"/>
               </a:ext>
             </a:extLst>
           </p:cNvPr>
@@ -5144,8 +5086,8 @@
         </p:blipFill>
         <p:spPr>
           <a:xfrm>
-            <a:off x="1" y="1153489"/>
-            <a:ext cx="9144000" cy="5079660"/>
+            <a:off x="1" y="1044604"/>
+            <a:ext cx="9144000" cy="5526030"/>
           </a:xfrm>
           <a:prstGeom prst="rect">
             <a:avLst/>
@@ -5157,7 +5099,7 @@
           <p:cNvPr id="4" name="슬라이드 번호 개체 틀 3">
             <a:extLst>
               <a:ext uri="{FF2B5EF4-FFF2-40B4-BE49-F238E27FC236}">
-                <a16:creationId xmlns:a16="http://schemas.microsoft.com/office/drawing/2014/main" id="{E0DA1908-8511-4BC6-BDBB-A9C0558D315A}"/>
+                <a16:creationId xmlns:a16="http://schemas.microsoft.com/office/drawing/2014/main" id="{AC2EE6F1-EC64-4EF3-8A15-A24B4E354E03}"/>
               </a:ext>
             </a:extLst>
           </p:cNvPr>
@@ -5184,7 +5126,7 @@
     </p:spTree>
     <p:extLst>
       <p:ext uri="{BB962C8B-B14F-4D97-AF65-F5344CB8AC3E}">
-        <p14:creationId xmlns:p14="http://schemas.microsoft.com/office/powerpoint/2010/main" val="1472682800"/>
+        <p14:creationId xmlns:p14="http://schemas.microsoft.com/office/powerpoint/2010/main" val="3313661992"/>
       </p:ext>
     </p:extLst>
   </p:cSld>
@@ -5216,7 +5158,7 @@
           <p:cNvPr id="2" name="제목 1">
             <a:extLst>
               <a:ext uri="{FF2B5EF4-FFF2-40B4-BE49-F238E27FC236}">
-                <a16:creationId xmlns:a16="http://schemas.microsoft.com/office/drawing/2014/main" id="{0C17E5F7-6FB9-4676-9B6E-B8C58E65BFD2}"/>
+                <a16:creationId xmlns:a16="http://schemas.microsoft.com/office/drawing/2014/main" id="{668D7AE6-DEB5-4BA3-A3C9-B15ED01456A3}"/>
               </a:ext>
             </a:extLst>
           </p:cNvPr>
@@ -5234,7 +5176,7 @@
           <a:p>
             <a:r>
               <a:rPr lang="ko-KR" altLang="en-US" dirty="0"/>
-              <a:t>이슈 해결</a:t>
+              <a:t>번역</a:t>
             </a:r>
             <a:r>
               <a:rPr lang="en-US" altLang="ko-KR" dirty="0"/>
@@ -5246,7 +5188,7 @@
             </a:r>
             <a:r>
               <a:rPr lang="en-US" altLang="ko-KR" dirty="0"/>
-              <a:t>A, B</a:t>
+              <a:t>C</a:t>
             </a:r>
             <a:endParaRPr lang="ko-KR" altLang="en-US" dirty="0"/>
           </a:p>
@@ -5257,7 +5199,7 @@
           <p:cNvPr id="5" name="내용 개체 틀 4">
             <a:extLst>
               <a:ext uri="{FF2B5EF4-FFF2-40B4-BE49-F238E27FC236}">
-                <a16:creationId xmlns:a16="http://schemas.microsoft.com/office/drawing/2014/main" id="{8D8E9F93-8E97-4F6B-9308-843D40CE7505}"/>
+                <a16:creationId xmlns:a16="http://schemas.microsoft.com/office/drawing/2014/main" id="{90AB5AEC-DE79-461D-88EE-F009272FBC0F}"/>
               </a:ext>
             </a:extLst>
           </p:cNvPr>
@@ -5276,8 +5218,8 @@
         </p:blipFill>
         <p:spPr>
           <a:xfrm>
-            <a:off x="1" y="1044604"/>
-            <a:ext cx="9144000" cy="5526030"/>
+            <a:off x="-9204" y="1320181"/>
+            <a:ext cx="9162410" cy="4746276"/>
           </a:xfrm>
           <a:prstGeom prst="rect">
             <a:avLst/>
@@ -5289,7 +5231,7 @@
           <p:cNvPr id="4" name="슬라이드 번호 개체 틀 3">
             <a:extLst>
               <a:ext uri="{FF2B5EF4-FFF2-40B4-BE49-F238E27FC236}">
-                <a16:creationId xmlns:a16="http://schemas.microsoft.com/office/drawing/2014/main" id="{AC2EE6F1-EC64-4EF3-8A15-A24B4E354E03}"/>
+                <a16:creationId xmlns:a16="http://schemas.microsoft.com/office/drawing/2014/main" id="{99A3316D-8EDE-498E-8661-5B6BA6FB037A}"/>
               </a:ext>
             </a:extLst>
           </p:cNvPr>
@@ -5316,7 +5258,7 @@
     </p:spTree>
     <p:extLst>
       <p:ext uri="{BB962C8B-B14F-4D97-AF65-F5344CB8AC3E}">
-        <p14:creationId xmlns:p14="http://schemas.microsoft.com/office/powerpoint/2010/main" val="3313661992"/>
+        <p14:creationId xmlns:p14="http://schemas.microsoft.com/office/powerpoint/2010/main" val="1891190171"/>
       </p:ext>
     </p:extLst>
   </p:cSld>
@@ -5345,138 +5287,6 @@
       </p:grpSpPr>
       <p:sp>
         <p:nvSpPr>
-          <p:cNvPr id="2" name="제목 1">
-            <a:extLst>
-              <a:ext uri="{FF2B5EF4-FFF2-40B4-BE49-F238E27FC236}">
-                <a16:creationId xmlns:a16="http://schemas.microsoft.com/office/drawing/2014/main" id="{668D7AE6-DEB5-4BA3-A3C9-B15ED01456A3}"/>
-              </a:ext>
-            </a:extLst>
-          </p:cNvPr>
-          <p:cNvSpPr>
-            <a:spLocks noGrp="1"/>
-          </p:cNvSpPr>
-          <p:nvPr>
-            <p:ph type="title"/>
-          </p:nvPr>
-        </p:nvSpPr>
-        <p:spPr/>
-        <p:txBody>
-          <a:bodyPr/>
-          <a:lstStyle/>
-          <a:p>
-            <a:r>
-              <a:rPr lang="ko-KR" altLang="en-US" dirty="0"/>
-              <a:t>번역</a:t>
-            </a:r>
-            <a:r>
-              <a:rPr lang="en-US" altLang="ko-KR" dirty="0"/>
-              <a:t>: </a:t>
-            </a:r>
-            <a:r>
-              <a:rPr lang="ko-KR" altLang="en-US" dirty="0"/>
-              <a:t>난이도 </a:t>
-            </a:r>
-            <a:r>
-              <a:rPr lang="en-US" altLang="ko-KR" dirty="0"/>
-              <a:t>C</a:t>
-            </a:r>
-            <a:endParaRPr lang="ko-KR" altLang="en-US" dirty="0"/>
-          </a:p>
-        </p:txBody>
-      </p:sp>
-      <p:pic>
-        <p:nvPicPr>
-          <p:cNvPr id="5" name="내용 개체 틀 4">
-            <a:extLst>
-              <a:ext uri="{FF2B5EF4-FFF2-40B4-BE49-F238E27FC236}">
-                <a16:creationId xmlns:a16="http://schemas.microsoft.com/office/drawing/2014/main" id="{90AB5AEC-DE79-461D-88EE-F009272FBC0F}"/>
-              </a:ext>
-            </a:extLst>
-          </p:cNvPr>
-          <p:cNvPicPr>
-            <a:picLocks noGrp="1" noChangeAspect="1"/>
-          </p:cNvPicPr>
-          <p:nvPr>
-            <p:ph idx="1"/>
-          </p:nvPr>
-        </p:nvPicPr>
-        <p:blipFill>
-          <a:blip r:embed="rId2"/>
-          <a:stretch>
-            <a:fillRect/>
-          </a:stretch>
-        </p:blipFill>
-        <p:spPr>
-          <a:xfrm>
-            <a:off x="-9204" y="1320181"/>
-            <a:ext cx="9162410" cy="4746276"/>
-          </a:xfrm>
-          <a:prstGeom prst="rect">
-            <a:avLst/>
-          </a:prstGeom>
-        </p:spPr>
-      </p:pic>
-      <p:sp>
-        <p:nvSpPr>
-          <p:cNvPr id="4" name="슬라이드 번호 개체 틀 3">
-            <a:extLst>
-              <a:ext uri="{FF2B5EF4-FFF2-40B4-BE49-F238E27FC236}">
-                <a16:creationId xmlns:a16="http://schemas.microsoft.com/office/drawing/2014/main" id="{99A3316D-8EDE-498E-8661-5B6BA6FB037A}"/>
-              </a:ext>
-            </a:extLst>
-          </p:cNvPr>
-          <p:cNvSpPr>
-            <a:spLocks noGrp="1"/>
-          </p:cNvSpPr>
-          <p:nvPr>
-            <p:ph type="sldNum" sz="quarter" idx="12"/>
-          </p:nvPr>
-        </p:nvSpPr>
-        <p:spPr/>
-        <p:txBody>
-          <a:bodyPr/>
-          <a:lstStyle/>
-          <a:p>
-            <a:fld id="{64F0D409-D3F6-4EEC-8C77-1F5E89989FFB}" type="slidenum">
-              <a:rPr lang="ko-KR" altLang="en-US" smtClean="0"/>
-              <a:t>17</a:t>
-            </a:fld>
-            <a:endParaRPr lang="ko-KR" altLang="en-US"/>
-          </a:p>
-        </p:txBody>
-      </p:sp>
-    </p:spTree>
-    <p:extLst>
-      <p:ext uri="{BB962C8B-B14F-4D97-AF65-F5344CB8AC3E}">
-        <p14:creationId xmlns:p14="http://schemas.microsoft.com/office/powerpoint/2010/main" val="1891190171"/>
-      </p:ext>
-    </p:extLst>
-  </p:cSld>
-  <p:clrMapOvr>
-    <a:masterClrMapping/>
-  </p:clrMapOvr>
-</p:sld>
-</file>
-
-<file path=ppt/slides/slide18.xml><?xml version="1.0" encoding="utf-8"?>
-<p:sld xmlns:a="http://schemas.openxmlformats.org/drawingml/2006/main" xmlns:r="http://schemas.openxmlformats.org/officeDocument/2006/relationships" xmlns:p="http://schemas.openxmlformats.org/presentationml/2006/main">
-  <p:cSld>
-    <p:spTree>
-      <p:nvGrpSpPr>
-        <p:cNvPr id="1" name=""/>
-        <p:cNvGrpSpPr/>
-        <p:nvPr/>
-      </p:nvGrpSpPr>
-      <p:grpSpPr>
-        <a:xfrm>
-          <a:off x="0" y="0"/>
-          <a:ext cx="0" cy="0"/>
-          <a:chOff x="0" y="0"/>
-          <a:chExt cx="0" cy="0"/>
-        </a:xfrm>
-      </p:grpSpPr>
-      <p:sp>
-        <p:nvSpPr>
           <p:cNvPr id="4" name="슬라이드 번호 개체 틀 3">
             <a:extLst>
               <a:ext uri="{FF2B5EF4-FFF2-40B4-BE49-F238E27FC236}">
@@ -5498,7 +5308,7 @@
           <a:p>
             <a:fld id="{64F0D409-D3F6-4EEC-8C77-1F5E89989FFB}" type="slidenum">
               <a:rPr lang="ko-KR" altLang="en-US" smtClean="0"/>
-              <a:t>18</a:t>
+              <a:t>17</a:t>
             </a:fld>
             <a:endParaRPr lang="ko-KR" altLang="en-US"/>
           </a:p>
@@ -5560,6 +5370,205 @@
 </p:sld>
 </file>
 
+<file path=ppt/slides/slide18.xml><?xml version="1.0" encoding="utf-8"?>
+<p:sld xmlns:a="http://schemas.openxmlformats.org/drawingml/2006/main" xmlns:r="http://schemas.openxmlformats.org/officeDocument/2006/relationships" xmlns:p="http://schemas.openxmlformats.org/presentationml/2006/main">
+  <p:cSld>
+    <p:spTree>
+      <p:nvGrpSpPr>
+        <p:cNvPr id="1" name=""/>
+        <p:cNvGrpSpPr/>
+        <p:nvPr/>
+      </p:nvGrpSpPr>
+      <p:grpSpPr>
+        <a:xfrm>
+          <a:off x="0" y="0"/>
+          <a:ext cx="0" cy="0"/>
+          <a:chOff x="0" y="0"/>
+          <a:chExt cx="0" cy="0"/>
+        </a:xfrm>
+      </p:grpSpPr>
+      <p:sp>
+        <p:nvSpPr>
+          <p:cNvPr id="2" name="제목 1">
+            <a:extLst>
+              <a:ext uri="{FF2B5EF4-FFF2-40B4-BE49-F238E27FC236}">
+                <a16:creationId xmlns:a16="http://schemas.microsoft.com/office/drawing/2014/main" id="{8D747493-9C56-4C45-8846-C429FCB175CE}"/>
+              </a:ext>
+            </a:extLst>
+          </p:cNvPr>
+          <p:cNvSpPr>
+            <a:spLocks noGrp="1"/>
+          </p:cNvSpPr>
+          <p:nvPr>
+            <p:ph type="title"/>
+          </p:nvPr>
+        </p:nvSpPr>
+        <p:spPr/>
+        <p:txBody>
+          <a:bodyPr/>
+          <a:lstStyle/>
+          <a:p>
+            <a:r>
+              <a:rPr lang="ko-KR" altLang="en-US" dirty="0"/>
+              <a:t>또다른 방법</a:t>
+            </a:r>
+            <a:r>
+              <a:rPr lang="en-US" altLang="ko-KR" dirty="0"/>
+              <a:t>: </a:t>
+            </a:r>
+            <a:r>
+              <a:rPr lang="ko-KR" altLang="en-US" dirty="0"/>
+              <a:t>새로운 프로젝트 구축</a:t>
+            </a:r>
+          </a:p>
+        </p:txBody>
+      </p:sp>
+      <p:sp>
+        <p:nvSpPr>
+          <p:cNvPr id="3" name="내용 개체 틀 2">
+            <a:extLst>
+              <a:ext uri="{FF2B5EF4-FFF2-40B4-BE49-F238E27FC236}">
+                <a16:creationId xmlns:a16="http://schemas.microsoft.com/office/drawing/2014/main" id="{43AE21C9-5485-4E09-8032-AC4EF08498BD}"/>
+              </a:ext>
+            </a:extLst>
+          </p:cNvPr>
+          <p:cNvSpPr>
+            <a:spLocks noGrp="1"/>
+          </p:cNvSpPr>
+          <p:nvPr>
+            <p:ph idx="1"/>
+          </p:nvPr>
+        </p:nvSpPr>
+        <p:spPr/>
+        <p:txBody>
+          <a:bodyPr/>
+          <a:lstStyle/>
+          <a:p>
+            <a:r>
+              <a:rPr lang="en-US" altLang="ko-KR" dirty="0"/>
+              <a:t>GitHub </a:t>
+            </a:r>
+            <a:r>
+              <a:rPr lang="ko-KR" altLang="en-US" dirty="0"/>
+              <a:t>기반의 새로운 </a:t>
+            </a:r>
+            <a:r>
+              <a:rPr lang="en-US" altLang="ko-KR" dirty="0"/>
+              <a:t>OSS </a:t>
+            </a:r>
+            <a:r>
+              <a:rPr lang="ko-KR" altLang="en-US" dirty="0"/>
+              <a:t>프로젝트 구축</a:t>
+            </a:r>
+            <a:endParaRPr lang="en-US" altLang="ko-KR" dirty="0"/>
+          </a:p>
+          <a:p>
+            <a:r>
+              <a:rPr lang="ko-KR" altLang="en-US" dirty="0"/>
+              <a:t>소개 페이지</a:t>
+            </a:r>
+            <a:r>
+              <a:rPr lang="en-US" altLang="ko-KR" dirty="0"/>
+              <a:t>, </a:t>
+            </a:r>
+            <a:r>
+              <a:rPr lang="ko-KR" altLang="en-US" dirty="0"/>
+              <a:t>기존 코드의 문서화</a:t>
+            </a:r>
+            <a:r>
+              <a:rPr lang="en-US" altLang="ko-KR" dirty="0"/>
+              <a:t>, </a:t>
+            </a:r>
+            <a:r>
+              <a:rPr lang="ko-KR" altLang="en-US" dirty="0"/>
+              <a:t>이슈 정리 등</a:t>
+            </a:r>
+            <a:endParaRPr lang="en-US" altLang="ko-KR" dirty="0"/>
+          </a:p>
+          <a:p>
+            <a:r>
+              <a:rPr lang="ko-KR" altLang="en-US" dirty="0"/>
+              <a:t>커뮤니티 운영 </a:t>
+            </a:r>
+            <a:r>
+              <a:rPr lang="en-US" altLang="ko-KR" dirty="0"/>
+              <a:t>(GitHub page, messenger </a:t>
+            </a:r>
+            <a:r>
+              <a:rPr lang="ko-KR" altLang="en-US" dirty="0"/>
+              <a:t>등</a:t>
+            </a:r>
+            <a:r>
+              <a:rPr lang="en-US" altLang="ko-KR" dirty="0"/>
+              <a:t>)</a:t>
+            </a:r>
+          </a:p>
+          <a:p>
+            <a:r>
+              <a:rPr lang="en-US" altLang="ko-KR" dirty="0"/>
+              <a:t>Gerrit, Jenkins </a:t>
+            </a:r>
+            <a:r>
+              <a:rPr lang="ko-KR" altLang="en-US" dirty="0"/>
+              <a:t>를 활용한 </a:t>
+            </a:r>
+            <a:r>
+              <a:rPr lang="en-US" altLang="ko-KR" dirty="0"/>
+              <a:t>code review, CI/CD </a:t>
+            </a:r>
+            <a:r>
+              <a:rPr lang="ko-KR" altLang="en-US" dirty="0"/>
+              <a:t>구축 및 운영</a:t>
+            </a:r>
+            <a:endParaRPr lang="en-US" altLang="ko-KR" dirty="0"/>
+          </a:p>
+          <a:p>
+            <a:endParaRPr lang="en-US" altLang="ko-KR" dirty="0"/>
+          </a:p>
+        </p:txBody>
+      </p:sp>
+      <p:sp>
+        <p:nvSpPr>
+          <p:cNvPr id="4" name="슬라이드 번호 개체 틀 3">
+            <a:extLst>
+              <a:ext uri="{FF2B5EF4-FFF2-40B4-BE49-F238E27FC236}">
+                <a16:creationId xmlns:a16="http://schemas.microsoft.com/office/drawing/2014/main" id="{1C481C20-4617-4EBC-9EA5-CAE3264AD399}"/>
+              </a:ext>
+            </a:extLst>
+          </p:cNvPr>
+          <p:cNvSpPr>
+            <a:spLocks noGrp="1"/>
+          </p:cNvSpPr>
+          <p:nvPr>
+            <p:ph type="sldNum" sz="quarter" idx="12"/>
+          </p:nvPr>
+        </p:nvSpPr>
+        <p:spPr/>
+        <p:txBody>
+          <a:bodyPr/>
+          <a:lstStyle/>
+          <a:p>
+            <a:fld id="{64F0D409-D3F6-4EEC-8C77-1F5E89989FFB}" type="slidenum">
+              <a:rPr lang="ko-KR" altLang="en-US" smtClean="0"/>
+              <a:t>18</a:t>
+            </a:fld>
+            <a:endParaRPr lang="ko-KR" altLang="en-US"/>
+          </a:p>
+        </p:txBody>
+      </p:sp>
+    </p:spTree>
+    <p:extLst>
+      <p:ext uri="{BB962C8B-B14F-4D97-AF65-F5344CB8AC3E}">
+        <p14:creationId xmlns:p14="http://schemas.microsoft.com/office/powerpoint/2010/main" val="385343970"/>
+      </p:ext>
+    </p:extLst>
+  </p:cSld>
+  <p:clrMapOvr>
+    <a:masterClrMapping/>
+  </p:clrMapOvr>
+</p:sld>
+</file>
+
 <file path=ppt/slides/slide19.xml><?xml version="1.0" encoding="utf-8"?>
 <p:sld xmlns:a="http://schemas.openxmlformats.org/drawingml/2006/main" xmlns:r="http://schemas.openxmlformats.org/officeDocument/2006/relationships" xmlns:p="http://schemas.openxmlformats.org/presentationml/2006/main">
   <p:cSld>
@@ -5582,1982 +5591,6 @@
           <p:cNvPr id="2" name="제목 1">
             <a:extLst>
               <a:ext uri="{FF2B5EF4-FFF2-40B4-BE49-F238E27FC236}">
-                <a16:creationId xmlns:a16="http://schemas.microsoft.com/office/drawing/2014/main" id="{8D747493-9C56-4C45-8846-C429FCB175CE}"/>
-              </a:ext>
-            </a:extLst>
-          </p:cNvPr>
-          <p:cNvSpPr>
-            <a:spLocks noGrp="1"/>
-          </p:cNvSpPr>
-          <p:nvPr>
-            <p:ph type="title"/>
-          </p:nvPr>
-        </p:nvSpPr>
-        <p:spPr/>
-        <p:txBody>
-          <a:bodyPr/>
-          <a:lstStyle/>
-          <a:p>
-            <a:r>
-              <a:rPr lang="ko-KR" altLang="en-US" dirty="0"/>
-              <a:t>또다른 방법</a:t>
-            </a:r>
-            <a:r>
-              <a:rPr lang="en-US" altLang="ko-KR" dirty="0"/>
-              <a:t>: </a:t>
-            </a:r>
-            <a:r>
-              <a:rPr lang="ko-KR" altLang="en-US" dirty="0"/>
-              <a:t>새로운 프로젝트 구축</a:t>
-            </a:r>
-          </a:p>
-        </p:txBody>
-      </p:sp>
-      <p:sp>
-        <p:nvSpPr>
-          <p:cNvPr id="3" name="내용 개체 틀 2">
-            <a:extLst>
-              <a:ext uri="{FF2B5EF4-FFF2-40B4-BE49-F238E27FC236}">
-                <a16:creationId xmlns:a16="http://schemas.microsoft.com/office/drawing/2014/main" id="{43AE21C9-5485-4E09-8032-AC4EF08498BD}"/>
-              </a:ext>
-            </a:extLst>
-          </p:cNvPr>
-          <p:cNvSpPr>
-            <a:spLocks noGrp="1"/>
-          </p:cNvSpPr>
-          <p:nvPr>
-            <p:ph idx="1"/>
-          </p:nvPr>
-        </p:nvSpPr>
-        <p:spPr/>
-        <p:txBody>
-          <a:bodyPr/>
-          <a:lstStyle/>
-          <a:p>
-            <a:r>
-              <a:rPr lang="en-US" altLang="ko-KR" dirty="0"/>
-              <a:t>GitHub </a:t>
-            </a:r>
-            <a:r>
-              <a:rPr lang="ko-KR" altLang="en-US" dirty="0"/>
-              <a:t>기반의 새로운 </a:t>
-            </a:r>
-            <a:r>
-              <a:rPr lang="en-US" altLang="ko-KR" dirty="0"/>
-              <a:t>OSS </a:t>
-            </a:r>
-            <a:r>
-              <a:rPr lang="ko-KR" altLang="en-US" dirty="0"/>
-              <a:t>프로젝트 구축</a:t>
-            </a:r>
-            <a:endParaRPr lang="en-US" altLang="ko-KR" dirty="0"/>
-          </a:p>
-          <a:p>
-            <a:r>
-              <a:rPr lang="ko-KR" altLang="en-US" dirty="0"/>
-              <a:t>소개 페이지</a:t>
-            </a:r>
-            <a:r>
-              <a:rPr lang="en-US" altLang="ko-KR" dirty="0"/>
-              <a:t>, </a:t>
-            </a:r>
-            <a:r>
-              <a:rPr lang="ko-KR" altLang="en-US" dirty="0"/>
-              <a:t>기존 코드의 문서화</a:t>
-            </a:r>
-            <a:r>
-              <a:rPr lang="en-US" altLang="ko-KR" dirty="0"/>
-              <a:t>, </a:t>
-            </a:r>
-            <a:r>
-              <a:rPr lang="ko-KR" altLang="en-US" dirty="0"/>
-              <a:t>이슈 정리 등</a:t>
-            </a:r>
-            <a:endParaRPr lang="en-US" altLang="ko-KR" dirty="0"/>
-          </a:p>
-          <a:p>
-            <a:r>
-              <a:rPr lang="ko-KR" altLang="en-US" dirty="0"/>
-              <a:t>커뮤니티 운영 </a:t>
-            </a:r>
-            <a:r>
-              <a:rPr lang="en-US" altLang="ko-KR" dirty="0"/>
-              <a:t>(GitHub page, messenger </a:t>
-            </a:r>
-            <a:r>
-              <a:rPr lang="ko-KR" altLang="en-US" dirty="0"/>
-              <a:t>등</a:t>
-            </a:r>
-            <a:r>
-              <a:rPr lang="en-US" altLang="ko-KR" dirty="0"/>
-              <a:t>)</a:t>
-            </a:r>
-          </a:p>
-          <a:p>
-            <a:r>
-              <a:rPr lang="en-US" altLang="ko-KR" dirty="0"/>
-              <a:t>Gerrit, Jenkins </a:t>
-            </a:r>
-            <a:r>
-              <a:rPr lang="ko-KR" altLang="en-US" dirty="0"/>
-              <a:t>를 활용한 </a:t>
-            </a:r>
-            <a:r>
-              <a:rPr lang="en-US" altLang="ko-KR" dirty="0"/>
-              <a:t>code review, CI/CD </a:t>
-            </a:r>
-            <a:r>
-              <a:rPr lang="ko-KR" altLang="en-US" dirty="0"/>
-              <a:t>구축 및 운영</a:t>
-            </a:r>
-            <a:endParaRPr lang="en-US" altLang="ko-KR" dirty="0"/>
-          </a:p>
-          <a:p>
-            <a:endParaRPr lang="en-US" altLang="ko-KR" dirty="0"/>
-          </a:p>
-        </p:txBody>
-      </p:sp>
-      <p:sp>
-        <p:nvSpPr>
-          <p:cNvPr id="4" name="슬라이드 번호 개체 틀 3">
-            <a:extLst>
-              <a:ext uri="{FF2B5EF4-FFF2-40B4-BE49-F238E27FC236}">
-                <a16:creationId xmlns:a16="http://schemas.microsoft.com/office/drawing/2014/main" id="{1C481C20-4617-4EBC-9EA5-CAE3264AD399}"/>
-              </a:ext>
-            </a:extLst>
-          </p:cNvPr>
-          <p:cNvSpPr>
-            <a:spLocks noGrp="1"/>
-          </p:cNvSpPr>
-          <p:nvPr>
-            <p:ph type="sldNum" sz="quarter" idx="12"/>
-          </p:nvPr>
-        </p:nvSpPr>
-        <p:spPr/>
-        <p:txBody>
-          <a:bodyPr/>
-          <a:lstStyle/>
-          <a:p>
-            <a:fld id="{64F0D409-D3F6-4EEC-8C77-1F5E89989FFB}" type="slidenum">
-              <a:rPr lang="ko-KR" altLang="en-US" smtClean="0"/>
-              <a:t>19</a:t>
-            </a:fld>
-            <a:endParaRPr lang="ko-KR" altLang="en-US"/>
-          </a:p>
-        </p:txBody>
-      </p:sp>
-    </p:spTree>
-    <p:extLst>
-      <p:ext uri="{BB962C8B-B14F-4D97-AF65-F5344CB8AC3E}">
-        <p14:creationId xmlns:p14="http://schemas.microsoft.com/office/powerpoint/2010/main" val="385343970"/>
-      </p:ext>
-    </p:extLst>
-  </p:cSld>
-  <p:clrMapOvr>
-    <a:masterClrMapping/>
-  </p:clrMapOvr>
-</p:sld>
-</file>
-
-<file path=ppt/slides/slide2.xml><?xml version="1.0" encoding="utf-8"?>
-<p:sld xmlns:a="http://schemas.openxmlformats.org/drawingml/2006/main" xmlns:r="http://schemas.openxmlformats.org/officeDocument/2006/relationships" xmlns:p="http://schemas.openxmlformats.org/presentationml/2006/main">
-  <p:cSld>
-    <p:spTree>
-      <p:nvGrpSpPr>
-        <p:cNvPr id="1" name=""/>
-        <p:cNvGrpSpPr/>
-        <p:nvPr/>
-      </p:nvGrpSpPr>
-      <p:grpSpPr>
-        <a:xfrm>
-          <a:off x="0" y="0"/>
-          <a:ext cx="0" cy="0"/>
-          <a:chOff x="0" y="0"/>
-          <a:chExt cx="0" cy="0"/>
-        </a:xfrm>
-      </p:grpSpPr>
-      <p:sp>
-        <p:nvSpPr>
-          <p:cNvPr id="2" name="제목 1"/>
-          <p:cNvSpPr>
-            <a:spLocks noGrp="1"/>
-          </p:cNvSpPr>
-          <p:nvPr>
-            <p:ph type="title"/>
-          </p:nvPr>
-        </p:nvSpPr>
-        <p:spPr/>
-        <p:txBody>
-          <a:bodyPr/>
-          <a:lstStyle/>
-          <a:p>
-            <a:r>
-              <a:rPr lang="ko-KR" altLang="en-US" dirty="0"/>
-              <a:t>강의 일정</a:t>
-            </a:r>
-          </a:p>
-        </p:txBody>
-      </p:sp>
-      <p:graphicFrame>
-        <p:nvGraphicFramePr>
-          <p:cNvPr id="4" name="내용 개체 틀 3"/>
-          <p:cNvGraphicFramePr>
-            <a:graphicFrameLocks noGrp="1"/>
-          </p:cNvGraphicFramePr>
-          <p:nvPr>
-            <p:ph idx="1"/>
-          </p:nvPr>
-        </p:nvGraphicFramePr>
-        <p:xfrm>
-          <a:off x="387405" y="1078658"/>
-          <a:ext cx="8353426" cy="5155093"/>
-        </p:xfrm>
-        <a:graphic>
-          <a:graphicData uri="http://schemas.openxmlformats.org/drawingml/2006/table">
-            <a:tbl>
-              <a:tblPr firstRow="1" bandRow="1">
-                <a:tableStyleId>{5C22544A-7EE6-4342-B048-85BDC9FD1C3A}</a:tableStyleId>
-              </a:tblPr>
-              <a:tblGrid>
-                <a:gridCol w="1137948">
-                  <a:extLst>
-                    <a:ext uri="{9D8B030D-6E8A-4147-A177-3AD203B41FA5}">
-                      <a16:colId xmlns:a16="http://schemas.microsoft.com/office/drawing/2014/main" val="4079619587"/>
-                    </a:ext>
-                  </a:extLst>
-                </a:gridCol>
-                <a:gridCol w="3607739">
-                  <a:extLst>
-                    <a:ext uri="{9D8B030D-6E8A-4147-A177-3AD203B41FA5}">
-                      <a16:colId xmlns:a16="http://schemas.microsoft.com/office/drawing/2014/main" val="2625429840"/>
-                    </a:ext>
-                  </a:extLst>
-                </a:gridCol>
-                <a:gridCol w="3607739">
-                  <a:extLst>
-                    <a:ext uri="{9D8B030D-6E8A-4147-A177-3AD203B41FA5}">
-                      <a16:colId xmlns:a16="http://schemas.microsoft.com/office/drawing/2014/main" val="1599299322"/>
-                    </a:ext>
-                  </a:extLst>
-                </a:gridCol>
-              </a:tblGrid>
-              <a:tr h="361775">
-                <a:tc>
-                  <a:txBody>
-                    <a:bodyPr/>
-                    <a:lstStyle/>
-                    <a:p>
-                      <a:pPr algn="ctr" latinLnBrk="1"/>
-                      <a:r>
-                        <a:rPr lang="ko-KR" altLang="en-US" sz="1400" dirty="0"/>
-                        <a:t>주차</a:t>
-                      </a:r>
-                    </a:p>
-                  </a:txBody>
-                  <a:tcPr anchor="ctr"/>
-                </a:tc>
-                <a:tc>
-                  <a:txBody>
-                    <a:bodyPr/>
-                    <a:lstStyle/>
-                    <a:p>
-                      <a:pPr algn="ctr" latinLnBrk="1"/>
-                      <a:r>
-                        <a:rPr lang="ko-KR" altLang="en-US" sz="1400" dirty="0"/>
-                        <a:t>월 </a:t>
-                      </a:r>
-                      <a:r>
-                        <a:rPr lang="en-US" altLang="ko-KR" sz="1400" dirty="0"/>
-                        <a:t>(100</a:t>
-                      </a:r>
-                      <a:r>
-                        <a:rPr lang="ko-KR" altLang="en-US" sz="1400" dirty="0"/>
-                        <a:t>분</a:t>
-                      </a:r>
-                      <a:r>
-                        <a:rPr lang="en-US" altLang="ko-KR" sz="1400" dirty="0"/>
-                        <a:t>)</a:t>
-                      </a:r>
-                      <a:endParaRPr lang="ko-KR" altLang="en-US" sz="1400" dirty="0"/>
-                    </a:p>
-                  </a:txBody>
-                  <a:tcPr anchor="ctr"/>
-                </a:tc>
-                <a:tc>
-                  <a:txBody>
-                    <a:bodyPr/>
-                    <a:lstStyle/>
-                    <a:p>
-                      <a:pPr algn="ctr" latinLnBrk="1"/>
-                      <a:r>
-                        <a:rPr lang="ko-KR" altLang="en-US" sz="1400" dirty="0"/>
-                        <a:t>수 </a:t>
-                      </a:r>
-                      <a:r>
-                        <a:rPr lang="en-US" altLang="ko-KR" sz="1400" dirty="0"/>
-                        <a:t>(50</a:t>
-                      </a:r>
-                      <a:r>
-                        <a:rPr lang="ko-KR" altLang="en-US" sz="1400" dirty="0"/>
-                        <a:t>분</a:t>
-                      </a:r>
-                      <a:r>
-                        <a:rPr lang="en-US" altLang="ko-KR" sz="1400" dirty="0"/>
-                        <a:t>)</a:t>
-                      </a:r>
-                      <a:endParaRPr lang="ko-KR" altLang="en-US" sz="1400" dirty="0"/>
-                    </a:p>
-                  </a:txBody>
-                  <a:tcPr anchor="ctr"/>
-                </a:tc>
-                <a:extLst>
-                  <a:ext uri="{0D108BD9-81ED-4DB2-BD59-A6C34878D82A}">
-                    <a16:rowId xmlns:a16="http://schemas.microsoft.com/office/drawing/2014/main" val="276385721"/>
-                  </a:ext>
-                </a:extLst>
-              </a:tr>
-              <a:tr h="316051">
-                <a:tc>
-                  <a:txBody>
-                    <a:bodyPr/>
-                    <a:lstStyle/>
-                    <a:p>
-                      <a:pPr algn="r" fontAlgn="ctr"/>
-                      <a:r>
-                        <a:rPr lang="en-US" altLang="ko-KR" sz="1100" b="0" i="0" u="none" strike="noStrike" dirty="0">
-                          <a:solidFill>
-                            <a:srgbClr val="000000"/>
-                          </a:solidFill>
-                          <a:effectLst/>
-                          <a:latin typeface="맑은 고딕" panose="020B0503020000020004" pitchFamily="50" charset="-127"/>
-                          <a:ea typeface="맑은 고딕" panose="020B0503020000020004" pitchFamily="50" charset="-127"/>
-                        </a:rPr>
-                        <a:t>1 (9/1)</a:t>
-                      </a:r>
-                    </a:p>
-                  </a:txBody>
-                  <a:tcPr marL="9525" marR="9525" marT="9525" marB="0" anchor="ctr"/>
-                </a:tc>
-                <a:tc>
-                  <a:txBody>
-                    <a:bodyPr/>
-                    <a:lstStyle/>
-                    <a:p>
-                      <a:pPr algn="ctr" fontAlgn="ctr"/>
-                      <a:r>
-                        <a:rPr lang="en-US" sz="1100" b="0" i="0" u="none" strike="noStrike" dirty="0">
-                          <a:solidFill>
-                            <a:srgbClr val="000000"/>
-                          </a:solidFill>
-                          <a:effectLst/>
-                          <a:latin typeface="맑은 고딕" panose="020B0503020000020004" pitchFamily="50" charset="-127"/>
-                          <a:ea typeface="맑은 고딕" panose="020B0503020000020004" pitchFamily="50" charset="-127"/>
-                        </a:rPr>
-                        <a:t>Introduction</a:t>
-                      </a:r>
-                    </a:p>
-                  </a:txBody>
-                  <a:tcPr marL="9525" marR="9525" marT="9525" marB="0" anchor="ctr"/>
-                </a:tc>
-                <a:tc>
-                  <a:txBody>
-                    <a:bodyPr/>
-                    <a:lstStyle/>
-                    <a:p>
-                      <a:pPr algn="ctr" fontAlgn="ctr"/>
-                      <a:r>
-                        <a:rPr lang="en-US" altLang="ko-KR" sz="1100" b="0" i="0" u="none" strike="noStrike" dirty="0">
-                          <a:solidFill>
-                            <a:srgbClr val="000000"/>
-                          </a:solidFill>
-                          <a:effectLst/>
-                          <a:latin typeface="맑은 고딕" panose="020B0503020000020004" pitchFamily="50" charset="-127"/>
-                          <a:ea typeface="맑은 고딕" panose="020B0503020000020004" pitchFamily="50" charset="-127"/>
-                        </a:rPr>
-                        <a:t>OSS</a:t>
-                      </a:r>
-                      <a:r>
-                        <a:rPr lang="ko-KR" altLang="en-US" sz="1100" b="0" i="0" u="none" strike="noStrike" dirty="0">
-                          <a:solidFill>
-                            <a:srgbClr val="000000"/>
-                          </a:solidFill>
-                          <a:effectLst/>
-                          <a:latin typeface="맑은 고딕" panose="020B0503020000020004" pitchFamily="50" charset="-127"/>
-                          <a:ea typeface="맑은 고딕" panose="020B0503020000020004" pitchFamily="50" charset="-127"/>
-                        </a:rPr>
-                        <a:t> 역사 </a:t>
-                      </a:r>
-                      <a:r>
-                        <a:rPr lang="en-US" altLang="ko-KR" sz="1100" b="0" i="0" u="none" strike="noStrike" dirty="0">
-                          <a:solidFill>
-                            <a:srgbClr val="000000"/>
-                          </a:solidFill>
-                          <a:effectLst/>
-                          <a:latin typeface="맑은 고딕" panose="020B0503020000020004" pitchFamily="50" charset="-127"/>
-                          <a:ea typeface="맑은 고딕" panose="020B0503020000020004" pitchFamily="50" charset="-127"/>
-                        </a:rPr>
-                        <a:t>1</a:t>
-                      </a:r>
-                    </a:p>
-                  </a:txBody>
-                  <a:tcPr marL="9525" marR="9525" marT="9525" marB="0" anchor="ctr"/>
-                </a:tc>
-                <a:extLst>
-                  <a:ext uri="{0D108BD9-81ED-4DB2-BD59-A6C34878D82A}">
-                    <a16:rowId xmlns:a16="http://schemas.microsoft.com/office/drawing/2014/main" val="475938863"/>
-                  </a:ext>
-                </a:extLst>
-              </a:tr>
-              <a:tr h="316051">
-                <a:tc>
-                  <a:txBody>
-                    <a:bodyPr/>
-                    <a:lstStyle/>
-                    <a:p>
-                      <a:pPr algn="r" fontAlgn="ctr"/>
-                      <a:r>
-                        <a:rPr lang="en-US" altLang="ko-KR" sz="1100" b="0" i="0" u="none" strike="noStrike" dirty="0">
-                          <a:solidFill>
-                            <a:srgbClr val="000000"/>
-                          </a:solidFill>
-                          <a:effectLst/>
-                          <a:latin typeface="맑은 고딕" panose="020B0503020000020004" pitchFamily="50" charset="-127"/>
-                          <a:ea typeface="맑은 고딕" panose="020B0503020000020004" pitchFamily="50" charset="-127"/>
-                        </a:rPr>
-                        <a:t>2</a:t>
-                      </a:r>
-                    </a:p>
-                  </a:txBody>
-                  <a:tcPr marL="9525" marR="9525" marT="9525" marB="0" anchor="ctr"/>
-                </a:tc>
-                <a:tc>
-                  <a:txBody>
-                    <a:bodyPr/>
-                    <a:lstStyle/>
-                    <a:p>
-                      <a:pPr algn="ctr" fontAlgn="ctr"/>
-                      <a:r>
-                        <a:rPr lang="en-US" altLang="ko-KR" sz="1100" b="0" i="0" u="none" strike="noStrike" dirty="0">
-                          <a:solidFill>
-                            <a:srgbClr val="000000"/>
-                          </a:solidFill>
-                          <a:effectLst/>
-                          <a:latin typeface="맑은 고딕" panose="020B0503020000020004" pitchFamily="50" charset="-127"/>
-                          <a:ea typeface="+mn-ea"/>
-                        </a:rPr>
-                        <a:t>OSS</a:t>
-                      </a:r>
-                      <a:r>
-                        <a:rPr lang="ko-KR" altLang="en-US" sz="1100" b="0" i="0" u="none" strike="noStrike" dirty="0">
-                          <a:solidFill>
-                            <a:srgbClr val="000000"/>
-                          </a:solidFill>
-                          <a:effectLst/>
-                          <a:latin typeface="맑은 고딕" panose="020B0503020000020004" pitchFamily="50" charset="-127"/>
-                          <a:ea typeface="+mn-ea"/>
-                        </a:rPr>
-                        <a:t> 역사 </a:t>
-                      </a:r>
-                      <a:r>
-                        <a:rPr lang="en-US" altLang="ko-KR" sz="1100" b="0" i="0" u="none" strike="noStrike" dirty="0">
-                          <a:solidFill>
-                            <a:srgbClr val="000000"/>
-                          </a:solidFill>
-                          <a:effectLst/>
-                          <a:latin typeface="맑은 고딕" panose="020B0503020000020004" pitchFamily="50" charset="-127"/>
-                          <a:ea typeface="+mn-ea"/>
-                        </a:rPr>
-                        <a:t>2 / OSS</a:t>
-                      </a:r>
-                      <a:r>
-                        <a:rPr lang="ko-KR" altLang="en-US" sz="1100" b="0" i="0" u="none" strike="noStrike" dirty="0">
-                          <a:solidFill>
-                            <a:srgbClr val="000000"/>
-                          </a:solidFill>
-                          <a:effectLst/>
-                          <a:latin typeface="맑은 고딕" panose="020B0503020000020004" pitchFamily="50" charset="-127"/>
-                          <a:ea typeface="+mn-ea"/>
-                        </a:rPr>
-                        <a:t> 개요 </a:t>
-                      </a:r>
-                      <a:r>
-                        <a:rPr lang="en-US" altLang="ko-KR" sz="1100" b="0" i="0" u="none" strike="noStrike" dirty="0">
-                          <a:solidFill>
-                            <a:srgbClr val="000000"/>
-                          </a:solidFill>
-                          <a:effectLst/>
-                          <a:latin typeface="맑은 고딕" panose="020B0503020000020004" pitchFamily="50" charset="-127"/>
-                          <a:ea typeface="+mn-ea"/>
-                        </a:rPr>
-                        <a:t>1</a:t>
-                      </a:r>
-                    </a:p>
-                  </a:txBody>
-                  <a:tcPr marL="9525" marR="9525" marT="9525" marB="0" anchor="ctr"/>
-                </a:tc>
-                <a:tc>
-                  <a:txBody>
-                    <a:bodyPr/>
-                    <a:lstStyle/>
-                    <a:p>
-                      <a:pPr algn="ctr" fontAlgn="ctr"/>
-                      <a:r>
-                        <a:rPr lang="ko-KR" altLang="en-US" sz="1100" b="0" i="0" u="none" strike="noStrike" dirty="0">
-                          <a:solidFill>
-                            <a:srgbClr val="FF0000"/>
-                          </a:solidFill>
-                          <a:effectLst/>
-                          <a:latin typeface="맑은 고딕" panose="020B0503020000020004" pitchFamily="50" charset="-127"/>
-                          <a:ea typeface="+mn-ea"/>
-                        </a:rPr>
-                        <a:t>추석</a:t>
-                      </a:r>
-                    </a:p>
-                  </a:txBody>
-                  <a:tcPr marL="9525" marR="9525" marT="9525" marB="0" anchor="ctr"/>
-                </a:tc>
-                <a:extLst>
-                  <a:ext uri="{0D108BD9-81ED-4DB2-BD59-A6C34878D82A}">
-                    <a16:rowId xmlns:a16="http://schemas.microsoft.com/office/drawing/2014/main" val="2700577287"/>
-                  </a:ext>
-                </a:extLst>
-              </a:tr>
-              <a:tr h="316051">
-                <a:tc>
-                  <a:txBody>
-                    <a:bodyPr/>
-                    <a:lstStyle/>
-                    <a:p>
-                      <a:pPr algn="r" fontAlgn="ctr"/>
-                      <a:r>
-                        <a:rPr lang="en-US" altLang="ko-KR" sz="1100" b="0" i="0" u="none" strike="noStrike" dirty="0">
-                          <a:solidFill>
-                            <a:srgbClr val="000000"/>
-                          </a:solidFill>
-                          <a:effectLst/>
-                          <a:latin typeface="맑은 고딕" panose="020B0503020000020004" pitchFamily="50" charset="-127"/>
-                          <a:ea typeface="맑은 고딕" panose="020B0503020000020004" pitchFamily="50" charset="-127"/>
-                        </a:rPr>
-                        <a:t>3</a:t>
-                      </a:r>
-                    </a:p>
-                  </a:txBody>
-                  <a:tcPr marL="9525" marR="9525" marT="9525" marB="0" anchor="ctr"/>
-                </a:tc>
-                <a:tc>
-                  <a:txBody>
-                    <a:bodyPr/>
-                    <a:lstStyle/>
-                    <a:p>
-                      <a:pPr algn="ctr" fontAlgn="ctr"/>
-                      <a:r>
-                        <a:rPr lang="en-US" altLang="ko-KR" sz="1100" b="0" i="0" u="none" strike="noStrike" dirty="0">
-                          <a:solidFill>
-                            <a:srgbClr val="000000"/>
-                          </a:solidFill>
-                          <a:effectLst/>
-                          <a:latin typeface="맑은 고딕" panose="020B0503020000020004" pitchFamily="50" charset="-127"/>
-                          <a:ea typeface="맑은 고딕" panose="020B0503020000020004" pitchFamily="50" charset="-127"/>
-                        </a:rPr>
-                        <a:t>OSS </a:t>
-                      </a:r>
-                      <a:r>
-                        <a:rPr lang="ko-KR" altLang="en-US" sz="1100" b="0" i="0" u="none" strike="noStrike" dirty="0">
-                          <a:solidFill>
-                            <a:srgbClr val="000000"/>
-                          </a:solidFill>
-                          <a:effectLst/>
-                          <a:latin typeface="맑은 고딕" panose="020B0503020000020004" pitchFamily="50" charset="-127"/>
-                          <a:ea typeface="맑은 고딕" panose="020B0503020000020004" pitchFamily="50" charset="-127"/>
-                        </a:rPr>
-                        <a:t>개요 </a:t>
-                      </a:r>
-                      <a:r>
-                        <a:rPr lang="en-US" altLang="ko-KR" sz="1100" b="0" i="0" u="none" strike="noStrike" dirty="0">
-                          <a:solidFill>
-                            <a:srgbClr val="000000"/>
-                          </a:solidFill>
-                          <a:effectLst/>
-                          <a:latin typeface="맑은 고딕" panose="020B0503020000020004" pitchFamily="50" charset="-127"/>
-                          <a:ea typeface="맑은 고딕" panose="020B0503020000020004" pitchFamily="50" charset="-127"/>
-                        </a:rPr>
-                        <a:t>2 / OSS </a:t>
-                      </a:r>
-                      <a:r>
-                        <a:rPr lang="ko-KR" altLang="en-US" sz="1100" b="0" i="0" u="none" strike="noStrike" dirty="0">
-                          <a:solidFill>
-                            <a:srgbClr val="000000"/>
-                          </a:solidFill>
-                          <a:effectLst/>
-                          <a:latin typeface="맑은 고딕" panose="020B0503020000020004" pitchFamily="50" charset="-127"/>
-                          <a:ea typeface="맑은 고딕" panose="020B0503020000020004" pitchFamily="50" charset="-127"/>
-                        </a:rPr>
-                        <a:t>라이선스 </a:t>
-                      </a:r>
-                      <a:r>
-                        <a:rPr lang="en-US" altLang="ko-KR" sz="1100" b="0" i="0" u="none" strike="noStrike" dirty="0">
-                          <a:solidFill>
-                            <a:srgbClr val="000000"/>
-                          </a:solidFill>
-                          <a:effectLst/>
-                          <a:latin typeface="맑은 고딕" panose="020B0503020000020004" pitchFamily="50" charset="-127"/>
-                          <a:ea typeface="맑은 고딕" panose="020B0503020000020004" pitchFamily="50" charset="-127"/>
-                        </a:rPr>
-                        <a:t>1</a:t>
-                      </a:r>
-                    </a:p>
-                  </a:txBody>
-                  <a:tcPr marL="9525" marR="9525" marT="9525" marB="0" anchor="ctr"/>
-                </a:tc>
-                <a:tc>
-                  <a:txBody>
-                    <a:bodyPr/>
-                    <a:lstStyle/>
-                    <a:p>
-                      <a:pPr algn="ctr" fontAlgn="ctr"/>
-                      <a:r>
-                        <a:rPr lang="en-US" altLang="ko-KR" sz="1100" b="0" i="0" u="none" strike="noStrike" dirty="0">
-                          <a:solidFill>
-                            <a:srgbClr val="000000"/>
-                          </a:solidFill>
-                          <a:effectLst/>
-                          <a:latin typeface="맑은 고딕" panose="020B0503020000020004" pitchFamily="50" charset="-127"/>
-                          <a:ea typeface="맑은 고딕" panose="020B0503020000020004" pitchFamily="50" charset="-127"/>
-                        </a:rPr>
-                        <a:t>OSS </a:t>
-                      </a:r>
-                      <a:r>
-                        <a:rPr lang="ko-KR" altLang="en-US" sz="1100" b="0" i="0" u="none" strike="noStrike" dirty="0">
-                          <a:solidFill>
-                            <a:srgbClr val="000000"/>
-                          </a:solidFill>
-                          <a:effectLst/>
-                          <a:latin typeface="맑은 고딕" panose="020B0503020000020004" pitchFamily="50" charset="-127"/>
-                          <a:ea typeface="맑은 고딕" panose="020B0503020000020004" pitchFamily="50" charset="-127"/>
-                        </a:rPr>
-                        <a:t>라이선스 </a:t>
-                      </a:r>
-                      <a:r>
-                        <a:rPr lang="en-US" altLang="ko-KR" sz="1100" b="0" i="0" u="none" strike="noStrike" dirty="0">
-                          <a:solidFill>
-                            <a:srgbClr val="000000"/>
-                          </a:solidFill>
-                          <a:effectLst/>
-                          <a:latin typeface="맑은 고딕" panose="020B0503020000020004" pitchFamily="50" charset="-127"/>
-                          <a:ea typeface="맑은 고딕" panose="020B0503020000020004" pitchFamily="50" charset="-127"/>
-                        </a:rPr>
-                        <a:t>2</a:t>
-                      </a:r>
-                      <a:endParaRPr lang="ko-KR" altLang="en-US" sz="1100" b="0" i="0" u="none" strike="noStrike" dirty="0">
-                        <a:solidFill>
-                          <a:srgbClr val="000000"/>
-                        </a:solidFill>
-                        <a:effectLst/>
-                        <a:latin typeface="맑은 고딕" panose="020B0503020000020004" pitchFamily="50" charset="-127"/>
-                        <a:ea typeface="맑은 고딕" panose="020B0503020000020004" pitchFamily="50" charset="-127"/>
-                      </a:endParaRPr>
-                    </a:p>
-                  </a:txBody>
-                  <a:tcPr marL="9525" marR="9525" marT="9525" marB="0" anchor="ctr"/>
-                </a:tc>
-                <a:extLst>
-                  <a:ext uri="{0D108BD9-81ED-4DB2-BD59-A6C34878D82A}">
-                    <a16:rowId xmlns:a16="http://schemas.microsoft.com/office/drawing/2014/main" val="4062224445"/>
-                  </a:ext>
-                </a:extLst>
-              </a:tr>
-              <a:tr h="316051">
-                <a:tc>
-                  <a:txBody>
-                    <a:bodyPr/>
-                    <a:lstStyle/>
-                    <a:p>
-                      <a:pPr algn="r" fontAlgn="ctr"/>
-                      <a:r>
-                        <a:rPr lang="en-US" altLang="ko-KR" sz="1100" b="0" i="0" u="none" strike="noStrike" dirty="0">
-                          <a:solidFill>
-                            <a:srgbClr val="000000"/>
-                          </a:solidFill>
-                          <a:effectLst/>
-                          <a:latin typeface="맑은 고딕" panose="020B0503020000020004" pitchFamily="50" charset="-127"/>
-                          <a:ea typeface="맑은 고딕" panose="020B0503020000020004" pitchFamily="50" charset="-127"/>
-                        </a:rPr>
-                        <a:t>4</a:t>
-                      </a:r>
-                    </a:p>
-                  </a:txBody>
-                  <a:tcPr marL="9525" marR="9525" marT="9525" marB="0" anchor="ctr"/>
-                </a:tc>
-                <a:tc>
-                  <a:txBody>
-                    <a:bodyPr/>
-                    <a:lstStyle/>
-                    <a:p>
-                      <a:pPr algn="ctr" fontAlgn="ctr"/>
-                      <a:r>
-                        <a:rPr lang="en-US" altLang="ko-KR" sz="1100" b="0" i="0" u="none" strike="noStrike" dirty="0">
-                          <a:solidFill>
-                            <a:srgbClr val="000000"/>
-                          </a:solidFill>
-                          <a:effectLst/>
-                          <a:latin typeface="맑은 고딕" panose="020B0503020000020004" pitchFamily="50" charset="-127"/>
-                          <a:ea typeface="맑은 고딕" panose="020B0503020000020004" pitchFamily="50" charset="-127"/>
-                        </a:rPr>
-                        <a:t>OSS </a:t>
-                      </a:r>
-                      <a:r>
-                        <a:rPr lang="ko-KR" altLang="en-US" sz="1100" b="0" i="0" u="none" strike="noStrike" dirty="0">
-                          <a:solidFill>
-                            <a:srgbClr val="000000"/>
-                          </a:solidFill>
-                          <a:effectLst/>
-                          <a:latin typeface="맑은 고딕" panose="020B0503020000020004" pitchFamily="50" charset="-127"/>
-                          <a:ea typeface="맑은 고딕" panose="020B0503020000020004" pitchFamily="50" charset="-127"/>
-                        </a:rPr>
-                        <a:t>활용 방법 </a:t>
-                      </a:r>
-                      <a:r>
-                        <a:rPr lang="en-US" altLang="ko-KR" sz="1100" b="0" i="0" u="none" strike="noStrike" dirty="0">
-                          <a:solidFill>
-                            <a:srgbClr val="000000"/>
-                          </a:solidFill>
-                          <a:effectLst/>
-                          <a:latin typeface="맑은 고딕" panose="020B0503020000020004" pitchFamily="50" charset="-127"/>
-                          <a:ea typeface="맑은 고딕" panose="020B0503020000020004" pitchFamily="50" charset="-127"/>
-                        </a:rPr>
-                        <a:t>/ </a:t>
-                      </a:r>
-                      <a:r>
-                        <a:rPr lang="ko-KR" altLang="en-US" sz="1100" b="0" i="0" u="none" strike="noStrike" dirty="0">
-                          <a:solidFill>
-                            <a:srgbClr val="000000"/>
-                          </a:solidFill>
-                          <a:effectLst/>
-                          <a:latin typeface="맑은 고딕" panose="020B0503020000020004" pitchFamily="50" charset="-127"/>
-                          <a:ea typeface="맑은 고딕" panose="020B0503020000020004" pitchFamily="50" charset="-127"/>
-                        </a:rPr>
-                        <a:t>버전 관리 도구 </a:t>
-                      </a:r>
-                      <a:r>
-                        <a:rPr lang="en-US" altLang="ko-KR" sz="1100" b="0" i="0" u="none" strike="noStrike" dirty="0">
-                          <a:solidFill>
-                            <a:srgbClr val="000000"/>
-                          </a:solidFill>
-                          <a:effectLst/>
-                          <a:latin typeface="맑은 고딕" panose="020B0503020000020004" pitchFamily="50" charset="-127"/>
-                          <a:ea typeface="맑은 고딕" panose="020B0503020000020004" pitchFamily="50" charset="-127"/>
-                        </a:rPr>
-                        <a:t>Git</a:t>
-                      </a:r>
-                      <a:r>
-                        <a:rPr lang="ko-KR" altLang="en-US" sz="1100" b="0" i="0" u="none" strike="noStrike" dirty="0">
-                          <a:solidFill>
-                            <a:srgbClr val="000000"/>
-                          </a:solidFill>
-                          <a:effectLst/>
-                          <a:latin typeface="맑은 고딕" panose="020B0503020000020004" pitchFamily="50" charset="-127"/>
-                          <a:ea typeface="맑은 고딕" panose="020B0503020000020004" pitchFamily="50" charset="-127"/>
-                        </a:rPr>
-                        <a:t> </a:t>
-                      </a:r>
-                      <a:r>
-                        <a:rPr lang="en-US" altLang="ko-KR" sz="1100" b="0" i="0" u="none" strike="noStrike" dirty="0">
-                          <a:solidFill>
-                            <a:srgbClr val="000000"/>
-                          </a:solidFill>
-                          <a:effectLst/>
-                          <a:latin typeface="맑은 고딕" panose="020B0503020000020004" pitchFamily="50" charset="-127"/>
-                          <a:ea typeface="맑은 고딕" panose="020B0503020000020004" pitchFamily="50" charset="-127"/>
-                        </a:rPr>
-                        <a:t>1</a:t>
-                      </a:r>
-                    </a:p>
-                  </a:txBody>
-                  <a:tcPr marL="9525" marR="9525" marT="9525" marB="0" anchor="ctr"/>
-                </a:tc>
-                <a:tc>
-                  <a:txBody>
-                    <a:bodyPr/>
-                    <a:lstStyle/>
-                    <a:p>
-                      <a:pPr algn="ctr" fontAlgn="ctr"/>
-                      <a:r>
-                        <a:rPr lang="ko-KR" altLang="en-US" sz="1100" b="0" i="0" u="none" strike="noStrike" dirty="0">
-                          <a:solidFill>
-                            <a:srgbClr val="000000"/>
-                          </a:solidFill>
-                          <a:effectLst/>
-                          <a:latin typeface="맑은 고딕" panose="020B0503020000020004" pitchFamily="50" charset="-127"/>
-                          <a:ea typeface="+mn-ea"/>
-                        </a:rPr>
-                        <a:t>버전 관리 도구 </a:t>
-                      </a:r>
-                      <a:r>
-                        <a:rPr lang="en-US" altLang="ko-KR" sz="1100" b="0" i="0" u="none" strike="noStrike" dirty="0">
-                          <a:solidFill>
-                            <a:srgbClr val="000000"/>
-                          </a:solidFill>
-                          <a:effectLst/>
-                          <a:latin typeface="맑은 고딕" panose="020B0503020000020004" pitchFamily="50" charset="-127"/>
-                          <a:ea typeface="+mn-ea"/>
-                        </a:rPr>
-                        <a:t>Git 2</a:t>
-                      </a:r>
-                    </a:p>
-                  </a:txBody>
-                  <a:tcPr marL="9525" marR="9525" marT="9525" marB="0" anchor="ctr"/>
-                </a:tc>
-                <a:extLst>
-                  <a:ext uri="{0D108BD9-81ED-4DB2-BD59-A6C34878D82A}">
-                    <a16:rowId xmlns:a16="http://schemas.microsoft.com/office/drawing/2014/main" val="2748419094"/>
-                  </a:ext>
-                </a:extLst>
-              </a:tr>
-              <a:tr h="316051">
-                <a:tc>
-                  <a:txBody>
-                    <a:bodyPr/>
-                    <a:lstStyle/>
-                    <a:p>
-                      <a:pPr algn="r" fontAlgn="ctr"/>
-                      <a:r>
-                        <a:rPr lang="en-US" altLang="ko-KR" sz="1100" b="0" i="0" u="none" strike="noStrike" dirty="0">
-                          <a:solidFill>
-                            <a:srgbClr val="000000"/>
-                          </a:solidFill>
-                          <a:effectLst/>
-                          <a:latin typeface="맑은 고딕" panose="020B0503020000020004" pitchFamily="50" charset="-127"/>
-                          <a:ea typeface="맑은 고딕" panose="020B0503020000020004" pitchFamily="50" charset="-127"/>
-                        </a:rPr>
-                        <a:t>5 (9/30)</a:t>
-                      </a:r>
-                    </a:p>
-                  </a:txBody>
-                  <a:tcPr marL="9525" marR="9525" marT="9525" marB="0" anchor="ctr"/>
-                </a:tc>
-                <a:tc>
-                  <a:txBody>
-                    <a:bodyPr/>
-                    <a:lstStyle/>
-                    <a:p>
-                      <a:pPr algn="ctr" fontAlgn="ctr"/>
-                      <a:r>
-                        <a:rPr lang="ko-KR" altLang="en-US" sz="1100" b="0" i="0" u="none" strike="noStrike" dirty="0">
-                          <a:solidFill>
-                            <a:srgbClr val="000000"/>
-                          </a:solidFill>
-                          <a:effectLst/>
-                          <a:latin typeface="맑은 고딕" panose="020B0503020000020004" pitchFamily="50" charset="-127"/>
-                          <a:ea typeface="+mn-ea"/>
-                        </a:rPr>
-                        <a:t>버전 관리 도구 </a:t>
-                      </a:r>
-                      <a:r>
-                        <a:rPr lang="en-US" altLang="ko-KR" sz="1100" b="0" i="0" u="none" strike="noStrike" dirty="0">
-                          <a:solidFill>
-                            <a:srgbClr val="000000"/>
-                          </a:solidFill>
-                          <a:effectLst/>
-                          <a:latin typeface="맑은 고딕" panose="020B0503020000020004" pitchFamily="50" charset="-127"/>
-                          <a:ea typeface="+mn-ea"/>
-                        </a:rPr>
-                        <a:t>Git</a:t>
-                      </a:r>
-                      <a:r>
-                        <a:rPr lang="ko-KR" altLang="en-US" sz="1100" b="0" i="0" u="none" strike="noStrike" dirty="0">
-                          <a:solidFill>
-                            <a:srgbClr val="000000"/>
-                          </a:solidFill>
-                          <a:effectLst/>
-                          <a:latin typeface="맑은 고딕" panose="020B0503020000020004" pitchFamily="50" charset="-127"/>
-                          <a:ea typeface="+mn-ea"/>
-                        </a:rPr>
-                        <a:t> </a:t>
-                      </a:r>
-                      <a:r>
-                        <a:rPr lang="en-US" altLang="ko-KR" sz="1100" b="0" i="0" u="none" strike="noStrike" dirty="0">
-                          <a:solidFill>
-                            <a:srgbClr val="000000"/>
-                          </a:solidFill>
-                          <a:effectLst/>
-                          <a:latin typeface="맑은 고딕" panose="020B0503020000020004" pitchFamily="50" charset="-127"/>
-                          <a:ea typeface="+mn-ea"/>
-                        </a:rPr>
-                        <a:t>3</a:t>
-                      </a:r>
-                    </a:p>
-                  </a:txBody>
-                  <a:tcPr marL="9525" marR="9525" marT="9525" marB="0" anchor="ctr"/>
-                </a:tc>
-                <a:tc>
-                  <a:txBody>
-                    <a:bodyPr/>
-                    <a:lstStyle/>
-                    <a:p>
-                      <a:pPr algn="ctr" fontAlgn="ctr"/>
-                      <a:r>
-                        <a:rPr lang="ko-KR" altLang="en-US" sz="1100" b="0" i="0" u="none" strike="noStrike" dirty="0">
-                          <a:solidFill>
-                            <a:srgbClr val="000000"/>
-                          </a:solidFill>
-                          <a:effectLst/>
-                          <a:latin typeface="맑은 고딕" panose="020B0503020000020004" pitchFamily="50" charset="-127"/>
-                          <a:ea typeface="+mn-ea"/>
-                        </a:rPr>
-                        <a:t>버전 관리 도구 </a:t>
-                      </a:r>
-                      <a:r>
-                        <a:rPr lang="en-US" altLang="ko-KR" sz="1100" b="0" i="0" u="none" strike="noStrike" dirty="0">
-                          <a:solidFill>
-                            <a:srgbClr val="000000"/>
-                          </a:solidFill>
-                          <a:effectLst/>
-                          <a:latin typeface="맑은 고딕" panose="020B0503020000020004" pitchFamily="50" charset="-127"/>
-                          <a:ea typeface="+mn-ea"/>
-                        </a:rPr>
-                        <a:t>Git 4</a:t>
-                      </a:r>
-                    </a:p>
-                  </a:txBody>
-                  <a:tcPr marL="9525" marR="9525" marT="9525" marB="0" anchor="ctr"/>
-                </a:tc>
-                <a:extLst>
-                  <a:ext uri="{0D108BD9-81ED-4DB2-BD59-A6C34878D82A}">
-                    <a16:rowId xmlns:a16="http://schemas.microsoft.com/office/drawing/2014/main" val="814556900"/>
-                  </a:ext>
-                </a:extLst>
-              </a:tr>
-              <a:tr h="316051">
-                <a:tc>
-                  <a:txBody>
-                    <a:bodyPr/>
-                    <a:lstStyle/>
-                    <a:p>
-                      <a:pPr algn="r" fontAlgn="ctr"/>
-                      <a:r>
-                        <a:rPr lang="en-US" altLang="ko-KR" sz="1100" b="0" i="0" u="none" strike="noStrike" dirty="0">
-                          <a:solidFill>
-                            <a:srgbClr val="000000"/>
-                          </a:solidFill>
-                          <a:effectLst/>
-                          <a:latin typeface="맑은 고딕" panose="020B0503020000020004" pitchFamily="50" charset="-127"/>
-                          <a:ea typeface="맑은 고딕" panose="020B0503020000020004" pitchFamily="50" charset="-127"/>
-                        </a:rPr>
-                        <a:t>6</a:t>
-                      </a:r>
-                    </a:p>
-                  </a:txBody>
-                  <a:tcPr marL="9525" marR="9525" marT="9525" marB="0" anchor="ctr"/>
-                </a:tc>
-                <a:tc>
-                  <a:txBody>
-                    <a:bodyPr/>
-                    <a:lstStyle/>
-                    <a:p>
-                      <a:pPr algn="ctr" fontAlgn="ctr"/>
-                      <a:r>
-                        <a:rPr lang="en-US" altLang="ko-KR" sz="1100" b="0" i="0" u="none" strike="noStrike" dirty="0">
-                          <a:solidFill>
-                            <a:srgbClr val="000000"/>
-                          </a:solidFill>
-                          <a:effectLst/>
-                          <a:latin typeface="맑은 고딕" panose="020B0503020000020004" pitchFamily="50" charset="-127"/>
-                          <a:ea typeface="+mn-ea"/>
-                        </a:rPr>
-                        <a:t>GitHub 1</a:t>
-                      </a:r>
-                    </a:p>
-                  </a:txBody>
-                  <a:tcPr marL="9525" marR="9525" marT="9525" marB="0" anchor="ctr"/>
-                </a:tc>
-                <a:tc>
-                  <a:txBody>
-                    <a:bodyPr/>
-                    <a:lstStyle/>
-                    <a:p>
-                      <a:pPr algn="ctr" fontAlgn="ctr"/>
-                      <a:r>
-                        <a:rPr lang="ko-KR" altLang="en-US" sz="1100" b="0" i="0" u="none" strike="noStrike" dirty="0">
-                          <a:solidFill>
-                            <a:srgbClr val="FF0000"/>
-                          </a:solidFill>
-                          <a:effectLst/>
-                          <a:latin typeface="맑은 고딕" panose="020B0503020000020004" pitchFamily="50" charset="-127"/>
-                          <a:ea typeface="맑은 고딕" panose="020B0503020000020004" pitchFamily="50" charset="-127"/>
-                        </a:rPr>
-                        <a:t>한글날</a:t>
-                      </a:r>
-                      <a:endParaRPr lang="en-US" altLang="ko-KR" sz="1100" b="0" i="0" u="none" strike="noStrike" dirty="0">
-                        <a:solidFill>
-                          <a:srgbClr val="FF0000"/>
-                        </a:solidFill>
-                        <a:effectLst/>
-                        <a:latin typeface="맑은 고딕" panose="020B0503020000020004" pitchFamily="50" charset="-127"/>
-                        <a:ea typeface="맑은 고딕" panose="020B0503020000020004" pitchFamily="50" charset="-127"/>
-                      </a:endParaRPr>
-                    </a:p>
-                  </a:txBody>
-                  <a:tcPr marL="9525" marR="9525" marT="9525" marB="0" anchor="ctr"/>
-                </a:tc>
-                <a:extLst>
-                  <a:ext uri="{0D108BD9-81ED-4DB2-BD59-A6C34878D82A}">
-                    <a16:rowId xmlns:a16="http://schemas.microsoft.com/office/drawing/2014/main" val="2908590043"/>
-                  </a:ext>
-                </a:extLst>
-              </a:tr>
-              <a:tr h="316051">
-                <a:tc>
-                  <a:txBody>
-                    <a:bodyPr/>
-                    <a:lstStyle/>
-                    <a:p>
-                      <a:pPr algn="r" fontAlgn="ctr"/>
-                      <a:r>
-                        <a:rPr lang="en-US" altLang="ko-KR" sz="1100" b="0" i="0" u="none" strike="noStrike" dirty="0">
-                          <a:solidFill>
-                            <a:srgbClr val="000000"/>
-                          </a:solidFill>
-                          <a:effectLst/>
-                          <a:latin typeface="맑은 고딕" panose="020B0503020000020004" pitchFamily="50" charset="-127"/>
-                          <a:ea typeface="맑은 고딕" panose="020B0503020000020004" pitchFamily="50" charset="-127"/>
-                        </a:rPr>
-                        <a:t>7</a:t>
-                      </a:r>
-                    </a:p>
-                  </a:txBody>
-                  <a:tcPr marL="9525" marR="9525" marT="9525" marB="0" anchor="ctr"/>
-                </a:tc>
-                <a:tc>
-                  <a:txBody>
-                    <a:bodyPr/>
-                    <a:lstStyle/>
-                    <a:p>
-                      <a:pPr algn="ctr" fontAlgn="ctr"/>
-                      <a:r>
-                        <a:rPr lang="en-US" altLang="ko-KR" sz="1100" b="0" i="0" u="none" strike="noStrike" dirty="0">
-                          <a:solidFill>
-                            <a:srgbClr val="000000"/>
-                          </a:solidFill>
-                          <a:effectLst/>
-                          <a:latin typeface="맑은 고딕" panose="020B0503020000020004" pitchFamily="50" charset="-127"/>
-                          <a:ea typeface="+mn-ea"/>
-                        </a:rPr>
-                        <a:t>GitHub 2</a:t>
-                      </a:r>
-                    </a:p>
-                  </a:txBody>
-                  <a:tcPr marL="9525" marR="9525" marT="9525" marB="0" anchor="ctr"/>
-                </a:tc>
-                <a:tc>
-                  <a:txBody>
-                    <a:bodyPr/>
-                    <a:lstStyle/>
-                    <a:p>
-                      <a:pPr algn="ctr" fontAlgn="ctr"/>
-                      <a:r>
-                        <a:rPr lang="ko-KR" altLang="en-US" sz="1100" b="0" i="0" u="none" strike="noStrike" dirty="0">
-                          <a:solidFill>
-                            <a:srgbClr val="000000"/>
-                          </a:solidFill>
-                          <a:effectLst/>
-                          <a:latin typeface="맑은 고딕" panose="020B0503020000020004" pitchFamily="50" charset="-127"/>
-                          <a:ea typeface="맑은 고딕" panose="020B0503020000020004" pitchFamily="50" charset="-127"/>
-                        </a:rPr>
-                        <a:t>개인 프로젝트 </a:t>
-                      </a:r>
-                      <a:r>
-                        <a:rPr lang="en-US" altLang="ko-KR" sz="1100" b="0" i="0" u="none" strike="noStrike" dirty="0">
-                          <a:solidFill>
-                            <a:srgbClr val="000000"/>
-                          </a:solidFill>
-                          <a:effectLst/>
-                          <a:latin typeface="맑은 고딕" panose="020B0503020000020004" pitchFamily="50" charset="-127"/>
-                          <a:ea typeface="맑은 고딕" panose="020B0503020000020004" pitchFamily="50" charset="-127"/>
-                        </a:rPr>
-                        <a:t>1: </a:t>
-                      </a:r>
-                      <a:r>
-                        <a:rPr lang="ko-KR" altLang="en-US" sz="1100" b="0" i="0" u="none" strike="noStrike" dirty="0">
-                          <a:solidFill>
-                            <a:srgbClr val="000000"/>
-                          </a:solidFill>
-                          <a:effectLst/>
-                          <a:latin typeface="맑은 고딕" panose="020B0503020000020004" pitchFamily="50" charset="-127"/>
-                          <a:ea typeface="맑은 고딕" panose="020B0503020000020004" pitchFamily="50" charset="-127"/>
-                        </a:rPr>
-                        <a:t>프로젝트 선정 및 계획</a:t>
-                      </a:r>
-                      <a:endParaRPr lang="en-US" altLang="ko-KR" sz="1100" b="0" i="0" u="none" strike="noStrike" dirty="0">
-                        <a:solidFill>
-                          <a:srgbClr val="000000"/>
-                        </a:solidFill>
-                        <a:effectLst/>
-                        <a:latin typeface="맑은 고딕" panose="020B0503020000020004" pitchFamily="50" charset="-127"/>
-                        <a:ea typeface="맑은 고딕" panose="020B0503020000020004" pitchFamily="50" charset="-127"/>
-                      </a:endParaRPr>
-                    </a:p>
-                  </a:txBody>
-                  <a:tcPr marL="9525" marR="9525" marT="9525" marB="0" anchor="ctr">
-                    <a:solidFill>
-                      <a:schemeClr val="accent4"/>
-                    </a:solidFill>
-                  </a:tcPr>
-                </a:tc>
-                <a:extLst>
-                  <a:ext uri="{0D108BD9-81ED-4DB2-BD59-A6C34878D82A}">
-                    <a16:rowId xmlns:a16="http://schemas.microsoft.com/office/drawing/2014/main" val="4222617544"/>
-                  </a:ext>
-                </a:extLst>
-              </a:tr>
-              <a:tr h="316051">
-                <a:tc>
-                  <a:txBody>
-                    <a:bodyPr/>
-                    <a:lstStyle/>
-                    <a:p>
-                      <a:pPr algn="r" fontAlgn="ctr"/>
-                      <a:r>
-                        <a:rPr lang="en-US" altLang="ko-KR" sz="1100" b="0" i="0" u="none" strike="noStrike" dirty="0">
-                          <a:solidFill>
-                            <a:srgbClr val="000000"/>
-                          </a:solidFill>
-                          <a:effectLst/>
-                          <a:latin typeface="맑은 고딕" panose="020B0503020000020004" pitchFamily="50" charset="-127"/>
-                          <a:ea typeface="맑은 고딕" panose="020B0503020000020004" pitchFamily="50" charset="-127"/>
-                        </a:rPr>
-                        <a:t>8 (10/21)</a:t>
-                      </a:r>
-                    </a:p>
-                  </a:txBody>
-                  <a:tcPr marL="9525" marR="9525" marT="9525" marB="0" anchor="ctr"/>
-                </a:tc>
-                <a:tc>
-                  <a:txBody>
-                    <a:bodyPr/>
-                    <a:lstStyle/>
-                    <a:p>
-                      <a:pPr algn="ctr" fontAlgn="ctr"/>
-                      <a:r>
-                        <a:rPr lang="ko-KR" altLang="en-US" sz="1100" b="0" i="0" u="none" strike="noStrike" dirty="0">
-                          <a:solidFill>
-                            <a:srgbClr val="FF0000"/>
-                          </a:solidFill>
-                          <a:effectLst/>
-                          <a:latin typeface="맑은 고딕" panose="020B0503020000020004" pitchFamily="50" charset="-127"/>
-                          <a:ea typeface="맑은 고딕" panose="020B0503020000020004" pitchFamily="50" charset="-127"/>
-                        </a:rPr>
-                        <a:t>중간고사</a:t>
-                      </a:r>
-                    </a:p>
-                  </a:txBody>
-                  <a:tcPr marL="9525" marR="9525" marT="9525" marB="0" anchor="ctr"/>
-                </a:tc>
-                <a:tc>
-                  <a:txBody>
-                    <a:bodyPr/>
-                    <a:lstStyle/>
-                    <a:p>
-                      <a:pPr algn="ctr" fontAlgn="ctr"/>
-                      <a:r>
-                        <a:rPr lang="ko-KR" altLang="en-US" sz="1100" b="0" i="0" u="none" strike="noStrike" dirty="0">
-                          <a:solidFill>
-                            <a:srgbClr val="FF0000"/>
-                          </a:solidFill>
-                          <a:effectLst/>
-                          <a:latin typeface="맑은 고딕" panose="020B0503020000020004" pitchFamily="50" charset="-127"/>
-                          <a:ea typeface="맑은 고딕" panose="020B0503020000020004" pitchFamily="50" charset="-127"/>
-                        </a:rPr>
-                        <a:t>중간고사</a:t>
-                      </a:r>
-                    </a:p>
-                  </a:txBody>
-                  <a:tcPr marL="9525" marR="9525" marT="9525" marB="0" anchor="ctr"/>
-                </a:tc>
-                <a:extLst>
-                  <a:ext uri="{0D108BD9-81ED-4DB2-BD59-A6C34878D82A}">
-                    <a16:rowId xmlns:a16="http://schemas.microsoft.com/office/drawing/2014/main" val="2117078907"/>
-                  </a:ext>
-                </a:extLst>
-              </a:tr>
-              <a:tr h="316051">
-                <a:tc>
-                  <a:txBody>
-                    <a:bodyPr/>
-                    <a:lstStyle/>
-                    <a:p>
-                      <a:pPr algn="r" fontAlgn="ctr"/>
-                      <a:r>
-                        <a:rPr lang="en-US" altLang="ko-KR" sz="1100" b="0" i="0" u="none" strike="noStrike" dirty="0">
-                          <a:solidFill>
-                            <a:srgbClr val="000000"/>
-                          </a:solidFill>
-                          <a:effectLst/>
-                          <a:latin typeface="맑은 고딕" panose="020B0503020000020004" pitchFamily="50" charset="-127"/>
-                          <a:ea typeface="맑은 고딕" panose="020B0503020000020004" pitchFamily="50" charset="-127"/>
-                        </a:rPr>
-                        <a:t>9</a:t>
-                      </a:r>
-                    </a:p>
-                  </a:txBody>
-                  <a:tcPr marL="9525" marR="9525" marT="9525" marB="0" anchor="ctr"/>
-                </a:tc>
-                <a:tc>
-                  <a:txBody>
-                    <a:bodyPr/>
-                    <a:lstStyle/>
-                    <a:p>
-                      <a:pPr algn="ctr" fontAlgn="ctr"/>
-                      <a:r>
-                        <a:rPr lang="ko-KR" altLang="en-US" sz="1100" b="0" i="0" u="none" strike="noStrike" dirty="0">
-                          <a:solidFill>
-                            <a:srgbClr val="000000"/>
-                          </a:solidFill>
-                          <a:effectLst/>
-                          <a:latin typeface="맑은 고딕" panose="020B0503020000020004" pitchFamily="50" charset="-127"/>
-                          <a:ea typeface="맑은 고딕" panose="020B0503020000020004" pitchFamily="50" charset="-127"/>
-                        </a:rPr>
-                        <a:t>코드 분석 </a:t>
-                      </a:r>
-                      <a:r>
-                        <a:rPr lang="en-US" altLang="ko-KR" sz="1100" b="0" i="0" u="none" strike="noStrike" dirty="0">
-                          <a:solidFill>
-                            <a:srgbClr val="000000"/>
-                          </a:solidFill>
-                          <a:effectLst/>
-                          <a:latin typeface="맑은 고딕" panose="020B0503020000020004" pitchFamily="50" charset="-127"/>
-                          <a:ea typeface="맑은 고딕" panose="020B0503020000020004" pitchFamily="50" charset="-127"/>
-                        </a:rPr>
-                        <a:t>1</a:t>
-                      </a:r>
-                    </a:p>
-                  </a:txBody>
-                  <a:tcPr marL="9525" marR="9525" marT="9525" marB="0" anchor="ctr"/>
-                </a:tc>
-                <a:tc>
-                  <a:txBody>
-                    <a:bodyPr/>
-                    <a:lstStyle/>
-                    <a:p>
-                      <a:pPr algn="ctr" fontAlgn="ctr"/>
-                      <a:r>
-                        <a:rPr lang="ko-KR" altLang="en-US" sz="1100" b="0" i="0" u="none" strike="noStrike" dirty="0">
-                          <a:solidFill>
-                            <a:srgbClr val="000000"/>
-                          </a:solidFill>
-                          <a:effectLst/>
-                          <a:latin typeface="맑은 고딕" panose="020B0503020000020004" pitchFamily="50" charset="-127"/>
-                          <a:ea typeface="+mn-ea"/>
-                        </a:rPr>
-                        <a:t>코드 분석 </a:t>
-                      </a:r>
-                      <a:r>
-                        <a:rPr lang="en-US" altLang="ko-KR" sz="1100" b="0" i="0" u="none" strike="noStrike" dirty="0">
-                          <a:solidFill>
-                            <a:srgbClr val="000000"/>
-                          </a:solidFill>
-                          <a:effectLst/>
-                          <a:latin typeface="맑은 고딕" panose="020B0503020000020004" pitchFamily="50" charset="-127"/>
-                          <a:ea typeface="+mn-ea"/>
-                        </a:rPr>
-                        <a:t>2</a:t>
-                      </a:r>
-                    </a:p>
-                  </a:txBody>
-                  <a:tcPr marL="9525" marR="9525" marT="9525" marB="0" anchor="ctr"/>
-                </a:tc>
-                <a:extLst>
-                  <a:ext uri="{0D108BD9-81ED-4DB2-BD59-A6C34878D82A}">
-                    <a16:rowId xmlns:a16="http://schemas.microsoft.com/office/drawing/2014/main" val="1318025886"/>
-                  </a:ext>
-                </a:extLst>
-              </a:tr>
-              <a:tr h="316051">
-                <a:tc>
-                  <a:txBody>
-                    <a:bodyPr/>
-                    <a:lstStyle/>
-                    <a:p>
-                      <a:pPr algn="r" fontAlgn="ctr"/>
-                      <a:r>
-                        <a:rPr lang="en-US" altLang="ko-KR" sz="1100" b="0" i="0" u="none" strike="noStrike" dirty="0">
-                          <a:solidFill>
-                            <a:srgbClr val="000000"/>
-                          </a:solidFill>
-                          <a:effectLst/>
-                          <a:latin typeface="맑은 고딕" panose="020B0503020000020004" pitchFamily="50" charset="-127"/>
-                          <a:ea typeface="맑은 고딕" panose="020B0503020000020004" pitchFamily="50" charset="-127"/>
-                        </a:rPr>
-                        <a:t>10 (11/4)</a:t>
-                      </a:r>
-                    </a:p>
-                  </a:txBody>
-                  <a:tcPr marL="9525" marR="9525" marT="9525" marB="0" anchor="ctr"/>
-                </a:tc>
-                <a:tc>
-                  <a:txBody>
-                    <a:bodyPr/>
-                    <a:lstStyle/>
-                    <a:p>
-                      <a:pPr algn="ctr" fontAlgn="ctr"/>
-                      <a:r>
-                        <a:rPr lang="ko-KR" altLang="en-US" sz="1100" b="0" i="0" u="none" strike="noStrike" dirty="0">
-                          <a:solidFill>
-                            <a:srgbClr val="000000"/>
-                          </a:solidFill>
-                          <a:effectLst/>
-                          <a:latin typeface="맑은 고딕" panose="020B0503020000020004" pitchFamily="50" charset="-127"/>
-                          <a:ea typeface="맑은 고딕" panose="020B0503020000020004" pitchFamily="50" charset="-127"/>
-                        </a:rPr>
-                        <a:t>코드 분석 </a:t>
-                      </a:r>
-                      <a:r>
-                        <a:rPr lang="en-US" altLang="ko-KR" sz="1100" b="0" i="0" u="none" strike="noStrike" dirty="0">
-                          <a:solidFill>
-                            <a:srgbClr val="000000"/>
-                          </a:solidFill>
-                          <a:effectLst/>
-                          <a:latin typeface="맑은 고딕" panose="020B0503020000020004" pitchFamily="50" charset="-127"/>
-                          <a:ea typeface="맑은 고딕" panose="020B0503020000020004" pitchFamily="50" charset="-127"/>
-                        </a:rPr>
-                        <a:t>3</a:t>
-                      </a:r>
-                    </a:p>
-                  </a:txBody>
-                  <a:tcPr marL="9525" marR="9525" marT="9525" marB="0" anchor="ctr"/>
-                </a:tc>
-                <a:tc>
-                  <a:txBody>
-                    <a:bodyPr/>
-                    <a:lstStyle/>
-                    <a:p>
-                      <a:pPr algn="ctr" fontAlgn="ctr"/>
-                      <a:r>
-                        <a:rPr lang="ko-KR" altLang="en-US" sz="1100" b="0" i="0" u="none" strike="noStrike" dirty="0">
-                          <a:solidFill>
-                            <a:srgbClr val="000000"/>
-                          </a:solidFill>
-                          <a:effectLst/>
-                          <a:latin typeface="맑은 고딕" panose="020B0503020000020004" pitchFamily="50" charset="-127"/>
-                          <a:ea typeface="+mn-ea"/>
-                        </a:rPr>
-                        <a:t>코드 리뷰</a:t>
-                      </a:r>
-                      <a:endParaRPr lang="en-US" altLang="ko-KR" sz="1100" b="0" i="0" u="none" strike="noStrike" dirty="0">
-                        <a:solidFill>
-                          <a:srgbClr val="000000"/>
-                        </a:solidFill>
-                        <a:effectLst/>
-                        <a:latin typeface="맑은 고딕" panose="020B0503020000020004" pitchFamily="50" charset="-127"/>
-                        <a:ea typeface="+mn-ea"/>
-                      </a:endParaRPr>
-                    </a:p>
-                  </a:txBody>
-                  <a:tcPr marL="9525" marR="9525" marT="9525" marB="0" anchor="ctr"/>
-                </a:tc>
-                <a:extLst>
-                  <a:ext uri="{0D108BD9-81ED-4DB2-BD59-A6C34878D82A}">
-                    <a16:rowId xmlns:a16="http://schemas.microsoft.com/office/drawing/2014/main" val="2789463766"/>
-                  </a:ext>
-                </a:extLst>
-              </a:tr>
-              <a:tr h="368604">
-                <a:tc>
-                  <a:txBody>
-                    <a:bodyPr/>
-                    <a:lstStyle/>
-                    <a:p>
-                      <a:pPr algn="r" fontAlgn="ctr"/>
-                      <a:r>
-                        <a:rPr lang="en-US" altLang="ko-KR" sz="1100" b="0" i="0" u="none" strike="noStrike" dirty="0">
-                          <a:solidFill>
-                            <a:srgbClr val="000000"/>
-                          </a:solidFill>
-                          <a:effectLst/>
-                          <a:latin typeface="맑은 고딕" panose="020B0503020000020004" pitchFamily="50" charset="-127"/>
-                          <a:ea typeface="맑은 고딕" panose="020B0503020000020004" pitchFamily="50" charset="-127"/>
-                        </a:rPr>
-                        <a:t>11</a:t>
-                      </a:r>
-                    </a:p>
-                  </a:txBody>
-                  <a:tcPr marL="9525" marR="9525" marT="9525" marB="0" anchor="ctr"/>
-                </a:tc>
-                <a:tc gridSpan="2">
-                  <a:txBody>
-                    <a:bodyPr/>
-                    <a:lstStyle/>
-                    <a:p>
-                      <a:pPr algn="ctr" fontAlgn="ctr"/>
-                      <a:r>
-                        <a:rPr lang="ko-KR" altLang="en-US" sz="1100" b="0" i="0" u="none" strike="noStrike" dirty="0">
-                          <a:solidFill>
-                            <a:srgbClr val="000000"/>
-                          </a:solidFill>
-                          <a:effectLst/>
-                          <a:latin typeface="맑은 고딕" panose="020B0503020000020004" pitchFamily="50" charset="-127"/>
-                          <a:ea typeface="+mn-ea"/>
-                        </a:rPr>
-                        <a:t>개인 프로젝트 </a:t>
-                      </a:r>
-                      <a:r>
-                        <a:rPr lang="en-US" altLang="ko-KR" sz="1100" b="0" i="0" u="none" strike="noStrike" dirty="0">
-                          <a:solidFill>
-                            <a:srgbClr val="000000"/>
-                          </a:solidFill>
-                          <a:effectLst/>
-                          <a:latin typeface="맑은 고딕" panose="020B0503020000020004" pitchFamily="50" charset="-127"/>
-                          <a:ea typeface="+mn-ea"/>
-                        </a:rPr>
-                        <a:t>2: </a:t>
-                      </a:r>
-                      <a:r>
-                        <a:rPr lang="ko-KR" altLang="en-US" sz="1100" b="0" i="0" u="none" strike="noStrike" dirty="0">
-                          <a:solidFill>
-                            <a:srgbClr val="000000"/>
-                          </a:solidFill>
-                          <a:effectLst/>
-                          <a:latin typeface="맑은 고딕" panose="020B0503020000020004" pitchFamily="50" charset="-127"/>
-                          <a:ea typeface="+mn-ea"/>
-                        </a:rPr>
-                        <a:t>대상 프로젝트 코드 분석 결과 발표 및 기능 구현 방향</a:t>
-                      </a:r>
-                      <a:r>
-                        <a:rPr lang="en-US" altLang="ko-KR" sz="1100" b="0" i="0" u="none" strike="noStrike" dirty="0">
-                          <a:solidFill>
-                            <a:srgbClr val="000000"/>
-                          </a:solidFill>
-                          <a:effectLst/>
-                          <a:latin typeface="맑은 고딕" panose="020B0503020000020004" pitchFamily="50" charset="-127"/>
-                          <a:ea typeface="+mn-ea"/>
-                        </a:rPr>
-                        <a:t>, </a:t>
-                      </a:r>
-                      <a:r>
-                        <a:rPr lang="ko-KR" altLang="en-US" sz="1100" b="0" i="0" u="none" strike="noStrike" dirty="0">
-                          <a:solidFill>
-                            <a:srgbClr val="000000"/>
-                          </a:solidFill>
-                          <a:effectLst/>
-                          <a:latin typeface="맑은 고딕" panose="020B0503020000020004" pitchFamily="50" charset="-127"/>
-                          <a:ea typeface="+mn-ea"/>
-                        </a:rPr>
-                        <a:t>커뮤니티 참여 방안 발표 및 피드백</a:t>
-                      </a:r>
-                      <a:endParaRPr lang="en-US" altLang="ko-KR" sz="1100" b="0" i="0" u="none" strike="noStrike" dirty="0">
-                        <a:solidFill>
-                          <a:srgbClr val="000000"/>
-                        </a:solidFill>
-                        <a:effectLst/>
-                        <a:latin typeface="맑은 고딕" panose="020B0503020000020004" pitchFamily="50" charset="-127"/>
-                        <a:ea typeface="+mn-ea"/>
-                      </a:endParaRPr>
-                    </a:p>
-                  </a:txBody>
-                  <a:tcPr marL="9525" marR="9525" marT="9525" marB="0" anchor="ctr">
-                    <a:solidFill>
-                      <a:schemeClr val="accent4"/>
-                    </a:solidFill>
-                  </a:tcPr>
-                </a:tc>
-                <a:tc hMerge="1">
-                  <a:txBody>
-                    <a:bodyPr/>
-                    <a:lstStyle/>
-                    <a:p>
-                      <a:pPr algn="ctr" fontAlgn="ctr"/>
-                      <a:endParaRPr lang="en-US" altLang="ko-KR" sz="1100" b="0" i="0" u="none" strike="noStrike" dirty="0">
-                        <a:solidFill>
-                          <a:srgbClr val="000000"/>
-                        </a:solidFill>
-                        <a:effectLst/>
-                        <a:latin typeface="맑은 고딕" panose="020B0503020000020004" pitchFamily="50" charset="-127"/>
-                        <a:ea typeface="+mn-ea"/>
-                      </a:endParaRPr>
-                    </a:p>
-                  </a:txBody>
-                  <a:tcPr marL="9525" marR="9525" marT="9525" marB="0" anchor="ctr">
-                    <a:solidFill>
-                      <a:schemeClr val="accent4"/>
-                    </a:solidFill>
-                  </a:tcPr>
-                </a:tc>
-                <a:extLst>
-                  <a:ext uri="{0D108BD9-81ED-4DB2-BD59-A6C34878D82A}">
-                    <a16:rowId xmlns:a16="http://schemas.microsoft.com/office/drawing/2014/main" val="1308666071"/>
-                  </a:ext>
-                </a:extLst>
-              </a:tr>
-              <a:tr h="316051">
-                <a:tc>
-                  <a:txBody>
-                    <a:bodyPr/>
-                    <a:lstStyle/>
-                    <a:p>
-                      <a:pPr algn="r" fontAlgn="ctr"/>
-                      <a:r>
-                        <a:rPr lang="en-US" altLang="ko-KR" sz="1100" b="0" i="0" u="none" strike="noStrike" dirty="0">
-                          <a:solidFill>
-                            <a:srgbClr val="000000"/>
-                          </a:solidFill>
-                          <a:effectLst/>
-                          <a:latin typeface="맑은 고딕" panose="020B0503020000020004" pitchFamily="50" charset="-127"/>
-                          <a:ea typeface="맑은 고딕" panose="020B0503020000020004" pitchFamily="50" charset="-127"/>
-                        </a:rPr>
-                        <a:t>12</a:t>
-                      </a:r>
-                    </a:p>
-                  </a:txBody>
-                  <a:tcPr marL="9525" marR="9525" marT="9525" marB="0" anchor="ctr"/>
-                </a:tc>
-                <a:tc>
-                  <a:txBody>
-                    <a:bodyPr/>
-                    <a:lstStyle/>
-                    <a:p>
-                      <a:pPr algn="ctr" fontAlgn="ctr"/>
-                      <a:r>
-                        <a:rPr lang="ko-KR" altLang="en-US" sz="1100" b="0" i="0" u="none" strike="noStrike" dirty="0">
-                          <a:solidFill>
-                            <a:srgbClr val="000000"/>
-                          </a:solidFill>
-                          <a:effectLst/>
-                          <a:latin typeface="맑은 고딕" panose="020B0503020000020004" pitchFamily="50" charset="-127"/>
-                          <a:ea typeface="맑은 고딕" panose="020B0503020000020004" pitchFamily="50" charset="-127"/>
-                        </a:rPr>
-                        <a:t>클라우드 기반 개발 환경 구성 </a:t>
-                      </a:r>
-                      <a:r>
-                        <a:rPr lang="en-US" altLang="ko-KR" sz="1100" b="0" i="0" u="none" strike="noStrike" dirty="0">
-                          <a:solidFill>
-                            <a:srgbClr val="000000"/>
-                          </a:solidFill>
-                          <a:effectLst/>
-                          <a:latin typeface="맑은 고딕" panose="020B0503020000020004" pitchFamily="50" charset="-127"/>
-                          <a:ea typeface="맑은 고딕" panose="020B0503020000020004" pitchFamily="50" charset="-127"/>
-                        </a:rPr>
-                        <a:t>1</a:t>
-                      </a:r>
-                      <a:endParaRPr lang="en-US" sz="1100" b="0" i="0" u="none" strike="noStrike" dirty="0">
-                        <a:solidFill>
-                          <a:srgbClr val="000000"/>
-                        </a:solidFill>
-                        <a:effectLst/>
-                        <a:latin typeface="맑은 고딕" panose="020B0503020000020004" pitchFamily="50" charset="-127"/>
-                        <a:ea typeface="맑은 고딕" panose="020B0503020000020004" pitchFamily="50" charset="-127"/>
-                      </a:endParaRPr>
-                    </a:p>
-                  </a:txBody>
-                  <a:tcPr marL="9525" marR="9525" marT="9525" marB="0" anchor="ctr"/>
-                </a:tc>
-                <a:tc>
-                  <a:txBody>
-                    <a:bodyPr/>
-                    <a:lstStyle/>
-                    <a:p>
-                      <a:pPr algn="ctr" fontAlgn="ctr"/>
-                      <a:r>
-                        <a:rPr lang="ko-KR" altLang="en-US" sz="1100" b="0" i="0" u="none" strike="noStrike" dirty="0">
-                          <a:solidFill>
-                            <a:srgbClr val="000000"/>
-                          </a:solidFill>
-                          <a:effectLst/>
-                          <a:latin typeface="맑은 고딕" panose="020B0503020000020004" pitchFamily="50" charset="-127"/>
-                          <a:ea typeface="+mn-ea"/>
-                        </a:rPr>
-                        <a:t>클라우드 기반 개발 환경 구성 </a:t>
-                      </a:r>
-                      <a:r>
-                        <a:rPr lang="en-US" altLang="ko-KR" sz="1100" b="0" i="0" u="none" strike="noStrike" dirty="0">
-                          <a:solidFill>
-                            <a:srgbClr val="000000"/>
-                          </a:solidFill>
-                          <a:effectLst/>
-                          <a:latin typeface="맑은 고딕" panose="020B0503020000020004" pitchFamily="50" charset="-127"/>
-                          <a:ea typeface="+mn-ea"/>
-                        </a:rPr>
-                        <a:t>2</a:t>
-                      </a:r>
-                    </a:p>
-                  </a:txBody>
-                  <a:tcPr marL="9525" marR="9525" marT="9525" marB="0" anchor="ctr"/>
-                </a:tc>
-                <a:extLst>
-                  <a:ext uri="{0D108BD9-81ED-4DB2-BD59-A6C34878D82A}">
-                    <a16:rowId xmlns:a16="http://schemas.microsoft.com/office/drawing/2014/main" val="3193302293"/>
-                  </a:ext>
-                </a:extLst>
-              </a:tr>
-              <a:tr h="316051">
-                <a:tc>
-                  <a:txBody>
-                    <a:bodyPr/>
-                    <a:lstStyle/>
-                    <a:p>
-                      <a:pPr algn="r" fontAlgn="ctr"/>
-                      <a:r>
-                        <a:rPr lang="en-US" altLang="ko-KR" sz="1100" b="0" i="0" u="none" strike="noStrike" dirty="0">
-                          <a:solidFill>
-                            <a:srgbClr val="000000"/>
-                          </a:solidFill>
-                          <a:effectLst/>
-                          <a:latin typeface="맑은 고딕" panose="020B0503020000020004" pitchFamily="50" charset="-127"/>
-                          <a:ea typeface="맑은 고딕" panose="020B0503020000020004" pitchFamily="50" charset="-127"/>
-                        </a:rPr>
-                        <a:t>13 (11/25)</a:t>
-                      </a:r>
-                    </a:p>
-                  </a:txBody>
-                  <a:tcPr marL="9525" marR="9525" marT="9525" marB="0" anchor="ctr"/>
-                </a:tc>
-                <a:tc>
-                  <a:txBody>
-                    <a:bodyPr/>
-                    <a:lstStyle/>
-                    <a:p>
-                      <a:pPr algn="ctr" fontAlgn="ctr"/>
-                      <a:r>
-                        <a:rPr lang="en-US" sz="1100" b="0" i="0" u="none" strike="noStrike" dirty="0">
-                          <a:solidFill>
-                            <a:srgbClr val="000000"/>
-                          </a:solidFill>
-                          <a:effectLst/>
-                          <a:latin typeface="맑은 고딕" panose="020B0503020000020004" pitchFamily="50" charset="-127"/>
-                          <a:ea typeface="맑은 고딕" panose="020B0503020000020004" pitchFamily="50" charset="-127"/>
-                        </a:rPr>
-                        <a:t>CI/CD </a:t>
-                      </a:r>
-                      <a:r>
-                        <a:rPr lang="ko-KR" altLang="en-US" sz="1100" b="0" i="0" u="none" strike="noStrike" dirty="0">
-                          <a:solidFill>
-                            <a:srgbClr val="000000"/>
-                          </a:solidFill>
-                          <a:effectLst/>
-                          <a:latin typeface="맑은 고딕" panose="020B0503020000020004" pitchFamily="50" charset="-127"/>
-                          <a:ea typeface="맑은 고딕" panose="020B0503020000020004" pitchFamily="50" charset="-127"/>
-                        </a:rPr>
-                        <a:t>도구 및 활용</a:t>
-                      </a:r>
-                      <a:endParaRPr lang="en-US" sz="1100" b="0" i="0" u="none" strike="noStrike" dirty="0">
-                        <a:solidFill>
-                          <a:srgbClr val="000000"/>
-                        </a:solidFill>
-                        <a:effectLst/>
-                        <a:latin typeface="맑은 고딕" panose="020B0503020000020004" pitchFamily="50" charset="-127"/>
-                        <a:ea typeface="맑은 고딕" panose="020B0503020000020004" pitchFamily="50" charset="-127"/>
-                      </a:endParaRPr>
-                    </a:p>
-                  </a:txBody>
-                  <a:tcPr marL="9525" marR="9525" marT="9525" marB="0" anchor="ctr"/>
-                </a:tc>
-                <a:tc>
-                  <a:txBody>
-                    <a:bodyPr/>
-                    <a:lstStyle/>
-                    <a:p>
-                      <a:pPr algn="ctr" fontAlgn="ctr"/>
-                      <a:r>
-                        <a:rPr lang="ko-KR" altLang="en-US" sz="1100" b="0" i="0" u="none" strike="noStrike" dirty="0">
-                          <a:solidFill>
-                            <a:srgbClr val="000000"/>
-                          </a:solidFill>
-                          <a:effectLst/>
-                          <a:latin typeface="맑은 고딕" panose="020B0503020000020004" pitchFamily="50" charset="-127"/>
-                          <a:ea typeface="맑은 고딕" panose="020B0503020000020004" pitchFamily="50" charset="-127"/>
-                        </a:rPr>
-                        <a:t>문서화 도구</a:t>
-                      </a:r>
-                      <a:endParaRPr lang="en-US" sz="1100" b="0" i="0" u="none" strike="noStrike" dirty="0">
-                        <a:solidFill>
-                          <a:srgbClr val="000000"/>
-                        </a:solidFill>
-                        <a:effectLst/>
-                        <a:latin typeface="맑은 고딕" panose="020B0503020000020004" pitchFamily="50" charset="-127"/>
-                        <a:ea typeface="맑은 고딕" panose="020B0503020000020004" pitchFamily="50" charset="-127"/>
-                      </a:endParaRPr>
-                    </a:p>
-                  </a:txBody>
-                  <a:tcPr marL="9525" marR="9525" marT="9525" marB="0" anchor="ctr"/>
-                </a:tc>
-                <a:extLst>
-                  <a:ext uri="{0D108BD9-81ED-4DB2-BD59-A6C34878D82A}">
-                    <a16:rowId xmlns:a16="http://schemas.microsoft.com/office/drawing/2014/main" val="1928419577"/>
-                  </a:ext>
-                </a:extLst>
-              </a:tr>
-              <a:tr h="316051">
-                <a:tc>
-                  <a:txBody>
-                    <a:bodyPr/>
-                    <a:lstStyle/>
-                    <a:p>
-                      <a:pPr algn="r" fontAlgn="ctr"/>
-                      <a:r>
-                        <a:rPr lang="en-US" altLang="ko-KR" sz="1100" b="0" i="0" u="none" strike="noStrike" dirty="0">
-                          <a:solidFill>
-                            <a:srgbClr val="000000"/>
-                          </a:solidFill>
-                          <a:effectLst/>
-                          <a:latin typeface="맑은 고딕" panose="020B0503020000020004" pitchFamily="50" charset="-127"/>
-                          <a:ea typeface="맑은 고딕" panose="020B0503020000020004" pitchFamily="50" charset="-127"/>
-                        </a:rPr>
-                        <a:t>14</a:t>
-                      </a:r>
-                    </a:p>
-                  </a:txBody>
-                  <a:tcPr marL="9525" marR="9525" marT="9525" marB="0" anchor="ctr"/>
-                </a:tc>
-                <a:tc gridSpan="2">
-                  <a:txBody>
-                    <a:bodyPr/>
-                    <a:lstStyle/>
-                    <a:p>
-                      <a:pPr algn="ctr" fontAlgn="ctr"/>
-                      <a:r>
-                        <a:rPr lang="ko-KR" altLang="en-US" sz="1100" b="0" i="0" u="none" strike="noStrike" dirty="0">
-                          <a:solidFill>
-                            <a:srgbClr val="000000"/>
-                          </a:solidFill>
-                          <a:effectLst/>
-                          <a:latin typeface="맑은 고딕" panose="020B0503020000020004" pitchFamily="50" charset="-127"/>
-                          <a:ea typeface="+mn-ea"/>
-                        </a:rPr>
-                        <a:t>개별 프로젝트 진행</a:t>
-                      </a:r>
-                    </a:p>
-                  </a:txBody>
-                  <a:tcPr marL="9525" marR="9525" marT="9525" marB="0" anchor="ctr"/>
-                </a:tc>
-                <a:tc hMerge="1">
-                  <a:txBody>
-                    <a:bodyPr/>
-                    <a:lstStyle/>
-                    <a:p>
-                      <a:pPr algn="ctr" fontAlgn="ctr"/>
-                      <a:endParaRPr lang="ko-KR" altLang="en-US" sz="1100" b="0" i="0" u="none" strike="noStrike" dirty="0">
-                        <a:solidFill>
-                          <a:srgbClr val="000000"/>
-                        </a:solidFill>
-                        <a:effectLst/>
-                        <a:latin typeface="맑은 고딕" panose="020B0503020000020004" pitchFamily="50" charset="-127"/>
-                        <a:ea typeface="맑은 고딕" panose="020B0503020000020004" pitchFamily="50" charset="-127"/>
-                      </a:endParaRPr>
-                    </a:p>
-                  </a:txBody>
-                  <a:tcPr marL="9525" marR="9525" marT="9525" marB="0" anchor="ctr"/>
-                </a:tc>
-                <a:extLst>
-                  <a:ext uri="{0D108BD9-81ED-4DB2-BD59-A6C34878D82A}">
-                    <a16:rowId xmlns:a16="http://schemas.microsoft.com/office/drawing/2014/main" val="676618592"/>
-                  </a:ext>
-                </a:extLst>
-              </a:tr>
-              <a:tr h="316051">
-                <a:tc>
-                  <a:txBody>
-                    <a:bodyPr/>
-                    <a:lstStyle/>
-                    <a:p>
-                      <a:pPr algn="r" fontAlgn="ctr"/>
-                      <a:r>
-                        <a:rPr lang="en-US" altLang="ko-KR" sz="1100" b="0" i="0" u="none" strike="noStrike" dirty="0">
-                          <a:solidFill>
-                            <a:srgbClr val="000000"/>
-                          </a:solidFill>
-                          <a:effectLst/>
-                          <a:latin typeface="맑은 고딕" panose="020B0503020000020004" pitchFamily="50" charset="-127"/>
-                          <a:ea typeface="맑은 고딕" panose="020B0503020000020004" pitchFamily="50" charset="-127"/>
-                        </a:rPr>
-                        <a:t>15 (12/9)</a:t>
-                      </a:r>
-                    </a:p>
-                  </a:txBody>
-                  <a:tcPr marL="9525" marR="9525" marT="9525" marB="0" anchor="ctr"/>
-                </a:tc>
-                <a:tc gridSpan="2">
-                  <a:txBody>
-                    <a:bodyPr/>
-                    <a:lstStyle/>
-                    <a:p>
-                      <a:pPr algn="ctr" fontAlgn="ctr"/>
-                      <a:r>
-                        <a:rPr lang="ko-KR" altLang="en-US" sz="1100" b="0" i="0" u="none" strike="noStrike" dirty="0">
-                          <a:solidFill>
-                            <a:srgbClr val="000000"/>
-                          </a:solidFill>
-                          <a:effectLst/>
-                          <a:latin typeface="맑은 고딕" panose="020B0503020000020004" pitchFamily="50" charset="-127"/>
-                          <a:ea typeface="+mn-ea"/>
-                        </a:rPr>
-                        <a:t>개인 프로젝트 </a:t>
-                      </a:r>
-                      <a:r>
-                        <a:rPr lang="en-US" altLang="ko-KR" sz="1100" b="0" i="0" u="none" strike="noStrike" dirty="0">
-                          <a:solidFill>
-                            <a:srgbClr val="000000"/>
-                          </a:solidFill>
-                          <a:effectLst/>
-                          <a:latin typeface="맑은 고딕" panose="020B0503020000020004" pitchFamily="50" charset="-127"/>
-                          <a:ea typeface="+mn-ea"/>
-                        </a:rPr>
-                        <a:t>3: </a:t>
-                      </a:r>
-                      <a:r>
-                        <a:rPr lang="ko-KR" altLang="en-US" sz="1100" b="0" i="0" u="none" strike="noStrike" dirty="0">
-                          <a:solidFill>
-                            <a:srgbClr val="000000"/>
-                          </a:solidFill>
-                          <a:effectLst/>
-                          <a:latin typeface="맑은 고딕" panose="020B0503020000020004" pitchFamily="50" charset="-127"/>
-                          <a:ea typeface="+mn-ea"/>
-                        </a:rPr>
-                        <a:t>최종 프로젝트 발표</a:t>
-                      </a:r>
-                      <a:r>
-                        <a:rPr lang="en-US" altLang="ko-KR" sz="1100" b="0" i="0" u="none" strike="noStrike" dirty="0">
-                          <a:solidFill>
-                            <a:srgbClr val="000000"/>
-                          </a:solidFill>
-                          <a:effectLst/>
-                          <a:latin typeface="맑은 고딕" panose="020B0503020000020004" pitchFamily="50" charset="-127"/>
-                          <a:ea typeface="+mn-ea"/>
-                        </a:rPr>
-                        <a:t>, </a:t>
-                      </a:r>
-                      <a:r>
-                        <a:rPr lang="ko-KR" altLang="en-US" sz="1100" b="0" i="0" u="none" strike="noStrike" dirty="0">
-                          <a:solidFill>
-                            <a:srgbClr val="000000"/>
-                          </a:solidFill>
-                          <a:effectLst/>
-                          <a:latin typeface="맑은 고딕" panose="020B0503020000020004" pitchFamily="50" charset="-127"/>
-                          <a:ea typeface="+mn-ea"/>
-                        </a:rPr>
-                        <a:t>기능 구현 소개 및 시연</a:t>
-                      </a:r>
-                      <a:r>
-                        <a:rPr lang="en-US" altLang="ko-KR" sz="1100" b="0" i="0" u="none" strike="noStrike" dirty="0">
-                          <a:solidFill>
-                            <a:srgbClr val="000000"/>
-                          </a:solidFill>
-                          <a:effectLst/>
-                          <a:latin typeface="맑은 고딕" panose="020B0503020000020004" pitchFamily="50" charset="-127"/>
-                          <a:ea typeface="+mn-ea"/>
-                        </a:rPr>
-                        <a:t>, OSS </a:t>
-                      </a:r>
-                      <a:r>
-                        <a:rPr lang="ko-KR" altLang="en-US" sz="1100" b="0" i="0" u="none" strike="noStrike" dirty="0">
-                          <a:solidFill>
-                            <a:srgbClr val="000000"/>
-                          </a:solidFill>
-                          <a:effectLst/>
-                          <a:latin typeface="맑은 고딕" panose="020B0503020000020004" pitchFamily="50" charset="-127"/>
-                          <a:ea typeface="+mn-ea"/>
-                        </a:rPr>
-                        <a:t>커뮤니티 활동 소개</a:t>
-                      </a:r>
-                      <a:endParaRPr lang="ko-KR" altLang="en-US" sz="1100" b="0" i="0" u="none" strike="noStrike" dirty="0">
-                        <a:solidFill>
-                          <a:srgbClr val="000000"/>
-                        </a:solidFill>
-                        <a:effectLst/>
-                        <a:latin typeface="맑은 고딕" panose="020B0503020000020004" pitchFamily="50" charset="-127"/>
-                        <a:ea typeface="맑은 고딕" panose="020B0503020000020004" pitchFamily="50" charset="-127"/>
-                      </a:endParaRPr>
-                    </a:p>
-                  </a:txBody>
-                  <a:tcPr marL="9525" marR="9525" marT="9525" marB="0" anchor="ctr">
-                    <a:solidFill>
-                      <a:schemeClr val="accent4"/>
-                    </a:solidFill>
-                  </a:tcPr>
-                </a:tc>
-                <a:tc hMerge="1">
-                  <a:txBody>
-                    <a:bodyPr/>
-                    <a:lstStyle/>
-                    <a:p>
-                      <a:pPr algn="ctr" fontAlgn="ctr"/>
-                      <a:endParaRPr lang="ko-KR" altLang="en-US" sz="1100" b="0" i="0" u="none" strike="noStrike" dirty="0">
-                        <a:solidFill>
-                          <a:srgbClr val="000000"/>
-                        </a:solidFill>
-                        <a:effectLst/>
-                        <a:latin typeface="맑은 고딕" panose="020B0503020000020004" pitchFamily="50" charset="-127"/>
-                        <a:ea typeface="맑은 고딕" panose="020B0503020000020004" pitchFamily="50" charset="-127"/>
-                      </a:endParaRPr>
-                    </a:p>
-                  </a:txBody>
-                  <a:tcPr marL="9525" marR="9525" marT="9525" marB="0" anchor="ctr"/>
-                </a:tc>
-                <a:extLst>
-                  <a:ext uri="{0D108BD9-81ED-4DB2-BD59-A6C34878D82A}">
-                    <a16:rowId xmlns:a16="http://schemas.microsoft.com/office/drawing/2014/main" val="131442803"/>
-                  </a:ext>
-                </a:extLst>
-              </a:tr>
-            </a:tbl>
-          </a:graphicData>
-        </a:graphic>
-      </p:graphicFrame>
-      <p:sp>
-        <p:nvSpPr>
-          <p:cNvPr id="3" name="슬라이드 번호 개체 틀 2"/>
-          <p:cNvSpPr>
-            <a:spLocks noGrp="1"/>
-          </p:cNvSpPr>
-          <p:nvPr>
-            <p:ph type="sldNum" sz="quarter" idx="12"/>
-          </p:nvPr>
-        </p:nvSpPr>
-        <p:spPr/>
-        <p:txBody>
-          <a:bodyPr/>
-          <a:lstStyle/>
-          <a:p>
-            <a:fld id="{64F0D409-D3F6-4EEC-8C77-1F5E89989FFB}" type="slidenum">
-              <a:rPr lang="ko-KR" altLang="en-US" smtClean="0"/>
-              <a:t>2</a:t>
-            </a:fld>
-            <a:endParaRPr lang="ko-KR" altLang="en-US"/>
-          </a:p>
-        </p:txBody>
-      </p:sp>
-    </p:spTree>
-    <p:extLst>
-      <p:ext uri="{BB962C8B-B14F-4D97-AF65-F5344CB8AC3E}">
-        <p14:creationId xmlns:p14="http://schemas.microsoft.com/office/powerpoint/2010/main" val="2479531008"/>
-      </p:ext>
-    </p:extLst>
-  </p:cSld>
-  <p:clrMapOvr>
-    <a:masterClrMapping/>
-  </p:clrMapOvr>
-</p:sld>
-</file>
-
-<file path=ppt/slides/slide20.xml><?xml version="1.0" encoding="utf-8"?>
-<p:sld xmlns:a="http://schemas.openxmlformats.org/drawingml/2006/main" xmlns:r="http://schemas.openxmlformats.org/officeDocument/2006/relationships" xmlns:p="http://schemas.openxmlformats.org/presentationml/2006/main">
-  <p:cSld>
-    <p:spTree>
-      <p:nvGrpSpPr>
-        <p:cNvPr id="1" name=""/>
-        <p:cNvGrpSpPr/>
-        <p:nvPr/>
-      </p:nvGrpSpPr>
-      <p:grpSpPr>
-        <a:xfrm>
-          <a:off x="0" y="0"/>
-          <a:ext cx="0" cy="0"/>
-          <a:chOff x="0" y="0"/>
-          <a:chExt cx="0" cy="0"/>
-        </a:xfrm>
-      </p:grpSpPr>
-      <p:sp>
-        <p:nvSpPr>
-          <p:cNvPr id="2" name="제목 1">
-            <a:extLst>
-              <a:ext uri="{FF2B5EF4-FFF2-40B4-BE49-F238E27FC236}">
                 <a16:creationId xmlns:a16="http://schemas.microsoft.com/office/drawing/2014/main" id="{9DC09DAA-989B-47E9-A38A-2D825E111A09}"/>
               </a:ext>
             </a:extLst>
@@ -7657,7 +5690,7 @@
           <a:p>
             <a:fld id="{64F0D409-D3F6-4EEC-8C77-1F5E89989FFB}" type="slidenum">
               <a:rPr lang="ko-KR" altLang="en-US" smtClean="0"/>
-              <a:t>20</a:t>
+              <a:t>19</a:t>
             </a:fld>
             <a:endParaRPr lang="ko-KR" altLang="en-US"/>
           </a:p>
@@ -7706,6 +5739,268 @@
 </p:sld>
 </file>
 
+<file path=ppt/slides/slide2.xml><?xml version="1.0" encoding="utf-8"?>
+<p:sld xmlns:a="http://schemas.openxmlformats.org/drawingml/2006/main" xmlns:r="http://schemas.openxmlformats.org/officeDocument/2006/relationships" xmlns:p="http://schemas.openxmlformats.org/presentationml/2006/main">
+  <p:cSld>
+    <p:spTree>
+      <p:nvGrpSpPr>
+        <p:cNvPr id="1" name=""/>
+        <p:cNvGrpSpPr/>
+        <p:nvPr/>
+      </p:nvGrpSpPr>
+      <p:grpSpPr>
+        <a:xfrm>
+          <a:off x="0" y="0"/>
+          <a:ext cx="0" cy="0"/>
+          <a:chOff x="0" y="0"/>
+          <a:chExt cx="0" cy="0"/>
+        </a:xfrm>
+      </p:grpSpPr>
+      <p:sp>
+        <p:nvSpPr>
+          <p:cNvPr id="2" name="제목 1">
+            <a:extLst>
+              <a:ext uri="{FF2B5EF4-FFF2-40B4-BE49-F238E27FC236}">
+                <a16:creationId xmlns:a16="http://schemas.microsoft.com/office/drawing/2014/main" id="{D96EB526-298F-4E13-B138-2592BEEEE443}"/>
+              </a:ext>
+            </a:extLst>
+          </p:cNvPr>
+          <p:cNvSpPr>
+            <a:spLocks noGrp="1"/>
+          </p:cNvSpPr>
+          <p:nvPr>
+            <p:ph type="title"/>
+          </p:nvPr>
+        </p:nvSpPr>
+        <p:spPr/>
+        <p:txBody>
+          <a:bodyPr/>
+          <a:lstStyle/>
+          <a:p>
+            <a:r>
+              <a:rPr lang="en-US" altLang="ko-KR" dirty="0"/>
+              <a:t>Agenda</a:t>
+            </a:r>
+            <a:endParaRPr lang="ko-KR" altLang="en-US" dirty="0"/>
+          </a:p>
+        </p:txBody>
+      </p:sp>
+      <p:sp>
+        <p:nvSpPr>
+          <p:cNvPr id="3" name="내용 개체 틀 2">
+            <a:extLst>
+              <a:ext uri="{FF2B5EF4-FFF2-40B4-BE49-F238E27FC236}">
+                <a16:creationId xmlns:a16="http://schemas.microsoft.com/office/drawing/2014/main" id="{F66EA859-E2C6-42B3-809A-80C24FCBDE63}"/>
+              </a:ext>
+            </a:extLst>
+          </p:cNvPr>
+          <p:cNvSpPr>
+            <a:spLocks noGrp="1"/>
+          </p:cNvSpPr>
+          <p:nvPr>
+            <p:ph idx="1"/>
+          </p:nvPr>
+        </p:nvSpPr>
+        <p:spPr/>
+        <p:txBody>
+          <a:bodyPr/>
+          <a:lstStyle/>
+          <a:p>
+            <a:r>
+              <a:rPr lang="en-US" altLang="ko-KR" dirty="0"/>
+              <a:t>Development with OSS</a:t>
+            </a:r>
+          </a:p>
+          <a:p>
+            <a:r>
+              <a:rPr lang="en-US" altLang="ko-KR" dirty="0"/>
+              <a:t>What can we do?</a:t>
+            </a:r>
+          </a:p>
+        </p:txBody>
+      </p:sp>
+      <p:sp>
+        <p:nvSpPr>
+          <p:cNvPr id="4" name="슬라이드 번호 개체 틀 3">
+            <a:extLst>
+              <a:ext uri="{FF2B5EF4-FFF2-40B4-BE49-F238E27FC236}">
+                <a16:creationId xmlns:a16="http://schemas.microsoft.com/office/drawing/2014/main" id="{4D728C70-4ADA-41EC-B72B-08C5FE9C7C9F}"/>
+              </a:ext>
+            </a:extLst>
+          </p:cNvPr>
+          <p:cNvSpPr>
+            <a:spLocks noGrp="1"/>
+          </p:cNvSpPr>
+          <p:nvPr>
+            <p:ph type="sldNum" sz="quarter" idx="12"/>
+          </p:nvPr>
+        </p:nvSpPr>
+        <p:spPr/>
+        <p:txBody>
+          <a:bodyPr/>
+          <a:lstStyle/>
+          <a:p>
+            <a:fld id="{64F0D409-D3F6-4EEC-8C77-1F5E89989FFB}" type="slidenum">
+              <a:rPr lang="ko-KR" altLang="en-US" smtClean="0"/>
+              <a:t>2</a:t>
+            </a:fld>
+            <a:endParaRPr lang="ko-KR" altLang="en-US"/>
+          </a:p>
+        </p:txBody>
+      </p:sp>
+    </p:spTree>
+    <p:extLst>
+      <p:ext uri="{BB962C8B-B14F-4D97-AF65-F5344CB8AC3E}">
+        <p14:creationId xmlns:p14="http://schemas.microsoft.com/office/powerpoint/2010/main" val="714341413"/>
+      </p:ext>
+    </p:extLst>
+  </p:cSld>
+  <p:clrMapOvr>
+    <a:masterClrMapping/>
+  </p:clrMapOvr>
+</p:sld>
+</file>
+
+<file path=ppt/slides/slide20.xml><?xml version="1.0" encoding="utf-8"?>
+<p:sld xmlns:a="http://schemas.openxmlformats.org/drawingml/2006/main" xmlns:r="http://schemas.openxmlformats.org/officeDocument/2006/relationships" xmlns:p="http://schemas.openxmlformats.org/presentationml/2006/main">
+  <p:cSld>
+    <p:spTree>
+      <p:nvGrpSpPr>
+        <p:cNvPr id="1" name=""/>
+        <p:cNvGrpSpPr/>
+        <p:nvPr/>
+      </p:nvGrpSpPr>
+      <p:grpSpPr>
+        <a:xfrm>
+          <a:off x="0" y="0"/>
+          <a:ext cx="0" cy="0"/>
+          <a:chOff x="0" y="0"/>
+          <a:chExt cx="0" cy="0"/>
+        </a:xfrm>
+      </p:grpSpPr>
+      <p:sp>
+        <p:nvSpPr>
+          <p:cNvPr id="2" name="제목 1">
+            <a:extLst>
+              <a:ext uri="{FF2B5EF4-FFF2-40B4-BE49-F238E27FC236}">
+                <a16:creationId xmlns:a16="http://schemas.microsoft.com/office/drawing/2014/main" id="{237CABAD-57A4-4CCB-9D8B-A0C28F03A0BC}"/>
+              </a:ext>
+            </a:extLst>
+          </p:cNvPr>
+          <p:cNvSpPr>
+            <a:spLocks noGrp="1"/>
+          </p:cNvSpPr>
+          <p:nvPr>
+            <p:ph type="title"/>
+          </p:nvPr>
+        </p:nvSpPr>
+        <p:spPr/>
+        <p:txBody>
+          <a:bodyPr/>
+          <a:lstStyle/>
+          <a:p>
+            <a:r>
+              <a:rPr lang="ko-KR" altLang="en-US" dirty="0"/>
+              <a:t>새로운 </a:t>
+            </a:r>
+            <a:r>
+              <a:rPr lang="en-US" altLang="ko-KR" dirty="0"/>
+              <a:t>OSS </a:t>
+            </a:r>
+            <a:r>
+              <a:rPr lang="ko-KR" altLang="en-US" dirty="0"/>
+              <a:t>운영</a:t>
+            </a:r>
+            <a:r>
+              <a:rPr lang="en-US" altLang="ko-KR" dirty="0"/>
+              <a:t>: </a:t>
+            </a:r>
+            <a:r>
+              <a:rPr lang="ko-KR" altLang="en-US" dirty="0"/>
+              <a:t>난이도 </a:t>
+            </a:r>
+            <a:r>
+              <a:rPr lang="en-US" altLang="ko-KR" dirty="0"/>
+              <a:t>A</a:t>
+            </a:r>
+            <a:endParaRPr lang="ko-KR" altLang="en-US" dirty="0"/>
+          </a:p>
+        </p:txBody>
+      </p:sp>
+      <p:pic>
+        <p:nvPicPr>
+          <p:cNvPr id="5" name="내용 개체 틀 4">
+            <a:extLst>
+              <a:ext uri="{FF2B5EF4-FFF2-40B4-BE49-F238E27FC236}">
+                <a16:creationId xmlns:a16="http://schemas.microsoft.com/office/drawing/2014/main" id="{ABDB5819-5520-433F-A96C-6362AD8536B6}"/>
+              </a:ext>
+            </a:extLst>
+          </p:cNvPr>
+          <p:cNvPicPr>
+            <a:picLocks noGrp="1" noChangeAspect="1"/>
+          </p:cNvPicPr>
+          <p:nvPr>
+            <p:ph idx="1"/>
+          </p:nvPr>
+        </p:nvPicPr>
+        <p:blipFill>
+          <a:blip r:embed="rId2"/>
+          <a:stretch>
+            <a:fillRect/>
+          </a:stretch>
+        </p:blipFill>
+        <p:spPr>
+          <a:xfrm>
+            <a:off x="47584" y="1228725"/>
+            <a:ext cx="9048834" cy="4929188"/>
+          </a:xfrm>
+          <a:prstGeom prst="rect">
+            <a:avLst/>
+          </a:prstGeom>
+        </p:spPr>
+      </p:pic>
+      <p:sp>
+        <p:nvSpPr>
+          <p:cNvPr id="4" name="슬라이드 번호 개체 틀 3">
+            <a:extLst>
+              <a:ext uri="{FF2B5EF4-FFF2-40B4-BE49-F238E27FC236}">
+                <a16:creationId xmlns:a16="http://schemas.microsoft.com/office/drawing/2014/main" id="{02A3774A-C444-4DCF-A263-C32B6B6D52CF}"/>
+              </a:ext>
+            </a:extLst>
+          </p:cNvPr>
+          <p:cNvSpPr>
+            <a:spLocks noGrp="1"/>
+          </p:cNvSpPr>
+          <p:nvPr>
+            <p:ph type="sldNum" sz="quarter" idx="12"/>
+          </p:nvPr>
+        </p:nvSpPr>
+        <p:spPr/>
+        <p:txBody>
+          <a:bodyPr/>
+          <a:lstStyle/>
+          <a:p>
+            <a:fld id="{64F0D409-D3F6-4EEC-8C77-1F5E89989FFB}" type="slidenum">
+              <a:rPr lang="ko-KR" altLang="en-US" smtClean="0"/>
+              <a:t>20</a:t>
+            </a:fld>
+            <a:endParaRPr lang="ko-KR" altLang="en-US"/>
+          </a:p>
+        </p:txBody>
+      </p:sp>
+    </p:spTree>
+    <p:extLst>
+      <p:ext uri="{BB962C8B-B14F-4D97-AF65-F5344CB8AC3E}">
+        <p14:creationId xmlns:p14="http://schemas.microsoft.com/office/powerpoint/2010/main" val="565930759"/>
+      </p:ext>
+    </p:extLst>
+  </p:cSld>
+  <p:clrMapOvr>
+    <a:masterClrMapping/>
+  </p:clrMapOvr>
+</p:sld>
+</file>
+
 <file path=ppt/slides/slide21.xml><?xml version="1.0" encoding="utf-8"?>
 <p:sld xmlns:a="http://schemas.openxmlformats.org/drawingml/2006/main" xmlns:r="http://schemas.openxmlformats.org/officeDocument/2006/relationships" xmlns:p="http://schemas.openxmlformats.org/presentationml/2006/main">
   <p:cSld>
@@ -7728,7 +6023,7 @@
           <p:cNvPr id="2" name="제목 1">
             <a:extLst>
               <a:ext uri="{FF2B5EF4-FFF2-40B4-BE49-F238E27FC236}">
-                <a16:creationId xmlns:a16="http://schemas.microsoft.com/office/drawing/2014/main" id="{237CABAD-57A4-4CCB-9D8B-A0C28F03A0BC}"/>
+                <a16:creationId xmlns:a16="http://schemas.microsoft.com/office/drawing/2014/main" id="{D8227517-3DDD-4778-9207-D2E71683B43D}"/>
               </a:ext>
             </a:extLst>
           </p:cNvPr>
@@ -7777,7 +6072,7 @@
           <p:cNvPr id="5" name="내용 개체 틀 4">
             <a:extLst>
               <a:ext uri="{FF2B5EF4-FFF2-40B4-BE49-F238E27FC236}">
-                <a16:creationId xmlns:a16="http://schemas.microsoft.com/office/drawing/2014/main" id="{ABDB5819-5520-433F-A96C-6362AD8536B6}"/>
+                <a16:creationId xmlns:a16="http://schemas.microsoft.com/office/drawing/2014/main" id="{1355BF98-6BE4-4F78-BFE5-C95E77E4007E}"/>
               </a:ext>
             </a:extLst>
           </p:cNvPr>
@@ -7796,8 +6091,8 @@
         </p:blipFill>
         <p:spPr>
           <a:xfrm>
-            <a:off x="47584" y="1228725"/>
-            <a:ext cx="9048834" cy="4929188"/>
+            <a:off x="1" y="1189628"/>
+            <a:ext cx="9144000" cy="5007382"/>
           </a:xfrm>
           <a:prstGeom prst="rect">
             <a:avLst/>
@@ -7809,7 +6104,7 @@
           <p:cNvPr id="4" name="슬라이드 번호 개체 틀 3">
             <a:extLst>
               <a:ext uri="{FF2B5EF4-FFF2-40B4-BE49-F238E27FC236}">
-                <a16:creationId xmlns:a16="http://schemas.microsoft.com/office/drawing/2014/main" id="{02A3774A-C444-4DCF-A263-C32B6B6D52CF}"/>
+                <a16:creationId xmlns:a16="http://schemas.microsoft.com/office/drawing/2014/main" id="{8DDDBD60-5D05-4047-85AE-07496E61E993}"/>
               </a:ext>
             </a:extLst>
           </p:cNvPr>
@@ -7836,7 +6131,7 @@
     </p:spTree>
     <p:extLst>
       <p:ext uri="{BB962C8B-B14F-4D97-AF65-F5344CB8AC3E}">
-        <p14:creationId xmlns:p14="http://schemas.microsoft.com/office/powerpoint/2010/main" val="565930759"/>
+        <p14:creationId xmlns:p14="http://schemas.microsoft.com/office/powerpoint/2010/main" val="2420152818"/>
       </p:ext>
     </p:extLst>
   </p:cSld>
@@ -7868,146 +6163,6 @@
           <p:cNvPr id="2" name="제목 1">
             <a:extLst>
               <a:ext uri="{FF2B5EF4-FFF2-40B4-BE49-F238E27FC236}">
-                <a16:creationId xmlns:a16="http://schemas.microsoft.com/office/drawing/2014/main" id="{D8227517-3DDD-4778-9207-D2E71683B43D}"/>
-              </a:ext>
-            </a:extLst>
-          </p:cNvPr>
-          <p:cNvSpPr>
-            <a:spLocks noGrp="1"/>
-          </p:cNvSpPr>
-          <p:nvPr>
-            <p:ph type="title"/>
-          </p:nvPr>
-        </p:nvSpPr>
-        <p:spPr/>
-        <p:txBody>
-          <a:bodyPr/>
-          <a:lstStyle/>
-          <a:p>
-            <a:r>
-              <a:rPr lang="ko-KR" altLang="en-US" dirty="0"/>
-              <a:t>새로운 </a:t>
-            </a:r>
-            <a:r>
-              <a:rPr lang="en-US" altLang="ko-KR" dirty="0"/>
-              <a:t>OSS </a:t>
-            </a:r>
-            <a:r>
-              <a:rPr lang="ko-KR" altLang="en-US" dirty="0"/>
-              <a:t>운영</a:t>
-            </a:r>
-            <a:r>
-              <a:rPr lang="en-US" altLang="ko-KR" dirty="0"/>
-              <a:t>: </a:t>
-            </a:r>
-            <a:r>
-              <a:rPr lang="ko-KR" altLang="en-US" dirty="0"/>
-              <a:t>난이도 </a:t>
-            </a:r>
-            <a:r>
-              <a:rPr lang="en-US" altLang="ko-KR" dirty="0"/>
-              <a:t>A</a:t>
-            </a:r>
-            <a:endParaRPr lang="ko-KR" altLang="en-US" dirty="0"/>
-          </a:p>
-        </p:txBody>
-      </p:sp>
-      <p:pic>
-        <p:nvPicPr>
-          <p:cNvPr id="5" name="내용 개체 틀 4">
-            <a:extLst>
-              <a:ext uri="{FF2B5EF4-FFF2-40B4-BE49-F238E27FC236}">
-                <a16:creationId xmlns:a16="http://schemas.microsoft.com/office/drawing/2014/main" id="{1355BF98-6BE4-4F78-BFE5-C95E77E4007E}"/>
-              </a:ext>
-            </a:extLst>
-          </p:cNvPr>
-          <p:cNvPicPr>
-            <a:picLocks noGrp="1" noChangeAspect="1"/>
-          </p:cNvPicPr>
-          <p:nvPr>
-            <p:ph idx="1"/>
-          </p:nvPr>
-        </p:nvPicPr>
-        <p:blipFill>
-          <a:blip r:embed="rId2"/>
-          <a:stretch>
-            <a:fillRect/>
-          </a:stretch>
-        </p:blipFill>
-        <p:spPr>
-          <a:xfrm>
-            <a:off x="1" y="1189628"/>
-            <a:ext cx="9144000" cy="5007382"/>
-          </a:xfrm>
-          <a:prstGeom prst="rect">
-            <a:avLst/>
-          </a:prstGeom>
-        </p:spPr>
-      </p:pic>
-      <p:sp>
-        <p:nvSpPr>
-          <p:cNvPr id="4" name="슬라이드 번호 개체 틀 3">
-            <a:extLst>
-              <a:ext uri="{FF2B5EF4-FFF2-40B4-BE49-F238E27FC236}">
-                <a16:creationId xmlns:a16="http://schemas.microsoft.com/office/drawing/2014/main" id="{8DDDBD60-5D05-4047-85AE-07496E61E993}"/>
-              </a:ext>
-            </a:extLst>
-          </p:cNvPr>
-          <p:cNvSpPr>
-            <a:spLocks noGrp="1"/>
-          </p:cNvSpPr>
-          <p:nvPr>
-            <p:ph type="sldNum" sz="quarter" idx="12"/>
-          </p:nvPr>
-        </p:nvSpPr>
-        <p:spPr/>
-        <p:txBody>
-          <a:bodyPr/>
-          <a:lstStyle/>
-          <a:p>
-            <a:fld id="{64F0D409-D3F6-4EEC-8C77-1F5E89989FFB}" type="slidenum">
-              <a:rPr lang="ko-KR" altLang="en-US" smtClean="0"/>
-              <a:t>22</a:t>
-            </a:fld>
-            <a:endParaRPr lang="ko-KR" altLang="en-US"/>
-          </a:p>
-        </p:txBody>
-      </p:sp>
-    </p:spTree>
-    <p:extLst>
-      <p:ext uri="{BB962C8B-B14F-4D97-AF65-F5344CB8AC3E}">
-        <p14:creationId xmlns:p14="http://schemas.microsoft.com/office/powerpoint/2010/main" val="2420152818"/>
-      </p:ext>
-    </p:extLst>
-  </p:cSld>
-  <p:clrMapOvr>
-    <a:masterClrMapping/>
-  </p:clrMapOvr>
-</p:sld>
-</file>
-
-<file path=ppt/slides/slide23.xml><?xml version="1.0" encoding="utf-8"?>
-<p:sld xmlns:a="http://schemas.openxmlformats.org/drawingml/2006/main" xmlns:r="http://schemas.openxmlformats.org/officeDocument/2006/relationships" xmlns:p="http://schemas.openxmlformats.org/presentationml/2006/main">
-  <p:cSld>
-    <p:spTree>
-      <p:nvGrpSpPr>
-        <p:cNvPr id="1" name=""/>
-        <p:cNvGrpSpPr/>
-        <p:nvPr/>
-      </p:nvGrpSpPr>
-      <p:grpSpPr>
-        <a:xfrm>
-          <a:off x="0" y="0"/>
-          <a:ext cx="0" cy="0"/>
-          <a:chOff x="0" y="0"/>
-          <a:chExt cx="0" cy="0"/>
-        </a:xfrm>
-      </p:grpSpPr>
-      <p:sp>
-        <p:nvSpPr>
-          <p:cNvPr id="2" name="제목 1">
-            <a:extLst>
-              <a:ext uri="{FF2B5EF4-FFF2-40B4-BE49-F238E27FC236}">
                 <a16:creationId xmlns:a16="http://schemas.microsoft.com/office/drawing/2014/main" id="{B3A55D83-17FD-4584-B188-03E01F468C5F}"/>
               </a:ext>
             </a:extLst>
@@ -8187,7 +6342,7 @@
             </a:r>
             <a:r>
               <a:rPr lang="ko-KR" altLang="en-US" sz="1800" dirty="0"/>
-              <a:t>장 분량 정리</a:t>
+              <a:t>장 이내 분량 정리</a:t>
             </a:r>
             <a:endParaRPr lang="en-US" altLang="ko-KR" sz="1800" dirty="0"/>
           </a:p>
@@ -8198,11 +6353,11 @@
             </a:r>
             <a:r>
               <a:rPr lang="en-US" altLang="ko-KR" sz="2000" dirty="0"/>
-              <a:t>: 10/6 (</a:t>
+              <a:t>: 9/28 (</a:t>
             </a:r>
             <a:r>
               <a:rPr lang="ko-KR" altLang="en-US" sz="2000" dirty="0"/>
-              <a:t>일</a:t>
+              <a:t>월</a:t>
             </a:r>
             <a:r>
               <a:rPr lang="en-US" altLang="ko-KR" sz="2000" dirty="0"/>
@@ -8225,18 +6380,18 @@
             </a:r>
             <a:r>
               <a:rPr lang="en-US" altLang="ko-KR" sz="1800" dirty="0"/>
-              <a:t>: 5%p / day</a:t>
+              <a:t>: 5%p / 12H</a:t>
             </a:r>
           </a:p>
           <a:p>
             <a:pPr lvl="1"/>
             <a:r>
               <a:rPr lang="en-US" altLang="ko-KR" sz="1800" dirty="0"/>
-              <a:t>3</a:t>
+              <a:t>1</a:t>
             </a:r>
             <a:r>
               <a:rPr lang="ko-KR" altLang="en-US" sz="1800" dirty="0"/>
-              <a:t>주 내 제출해야 함</a:t>
+              <a:t>주 이후 제출 차단</a:t>
             </a:r>
             <a:endParaRPr lang="en-US" altLang="ko-KR" sz="1800" dirty="0"/>
           </a:p>
@@ -8251,7 +6406,15 @@
             </a:r>
             <a:r>
               <a:rPr lang="ko-KR" altLang="en-US" sz="2000" dirty="0"/>
-              <a:t> 시스템</a:t>
+              <a:t> </a:t>
+            </a:r>
+            <a:r>
+              <a:rPr lang="en-US" altLang="ko-KR" sz="2000" dirty="0"/>
+              <a:t>(old) </a:t>
+            </a:r>
+            <a:r>
+              <a:rPr lang="ko-KR" altLang="en-US" sz="2000" dirty="0"/>
+              <a:t>시스템</a:t>
             </a:r>
             <a:endParaRPr lang="en-US" altLang="ko-KR" sz="2000" dirty="0"/>
           </a:p>
@@ -8305,7 +6468,7 @@
             <a:fld id="{64F0D409-D3F6-4EEC-8C77-1F5E89989FFB}" type="slidenum">
               <a:rPr lang="ko-KR" altLang="en-US" smtClean="0"/>
               <a:pPr/>
-              <a:t>23</a:t>
+              <a:t>22</a:t>
             </a:fld>
             <a:endParaRPr lang="ko-KR" altLang="en-US"/>
           </a:p>
@@ -8343,10 +6506,10 @@
       </p:grpSpPr>
       <p:sp>
         <p:nvSpPr>
-          <p:cNvPr id="2" name="제목 1">
+          <p:cNvPr id="5" name="제목 4">
             <a:extLst>
               <a:ext uri="{FF2B5EF4-FFF2-40B4-BE49-F238E27FC236}">
-                <a16:creationId xmlns:a16="http://schemas.microsoft.com/office/drawing/2014/main" id="{D96EB526-298F-4E13-B138-2592BEEEE443}"/>
+                <a16:creationId xmlns:a16="http://schemas.microsoft.com/office/drawing/2014/main" id="{A5056656-DA7D-470F-9E11-AA15C0863931}"/>
               </a:ext>
             </a:extLst>
           </p:cNvPr>
@@ -8364,7 +6527,7 @@
           <a:p>
             <a:r>
               <a:rPr lang="en-US" altLang="ko-KR" dirty="0"/>
-              <a:t>Agenda</a:t>
+              <a:t>Development with OSS</a:t>
             </a:r>
             <a:endParaRPr lang="ko-KR" altLang="en-US" dirty="0"/>
           </a:p>
@@ -8372,10 +6535,10 @@
       </p:sp>
       <p:sp>
         <p:nvSpPr>
-          <p:cNvPr id="3" name="내용 개체 틀 2">
+          <p:cNvPr id="6" name="텍스트 개체 틀 5">
             <a:extLst>
               <a:ext uri="{FF2B5EF4-FFF2-40B4-BE49-F238E27FC236}">
-                <a16:creationId xmlns:a16="http://schemas.microsoft.com/office/drawing/2014/main" id="{F66EA859-E2C6-42B3-809A-80C24FCBDE63}"/>
+                <a16:creationId xmlns:a16="http://schemas.microsoft.com/office/drawing/2014/main" id="{92DD2413-1CF2-4E02-B94A-2191A7722B8E}"/>
               </a:ext>
             </a:extLst>
           </p:cNvPr>
@@ -8383,24 +6546,15 @@
             <a:spLocks noGrp="1"/>
           </p:cNvSpPr>
           <p:nvPr>
-            <p:ph idx="1"/>
-          </p:nvPr>
-        </p:nvSpPr>
-        <p:spPr/>
-        <p:txBody>
-          <a:bodyPr/>
-          <a:lstStyle/>
-          <a:p>
-            <a:r>
-              <a:rPr lang="en-US" altLang="ko-KR" dirty="0"/>
-              <a:t>Development with OSS</a:t>
-            </a:r>
-          </a:p>
-          <a:p>
-            <a:r>
-              <a:rPr lang="en-US" altLang="ko-KR" dirty="0"/>
-              <a:t>What can we do?</a:t>
-            </a:r>
+            <p:ph type="body" idx="1"/>
+          </p:nvPr>
+        </p:nvSpPr>
+        <p:spPr/>
+        <p:txBody>
+          <a:bodyPr/>
+          <a:lstStyle/>
+          <a:p>
+            <a:endParaRPr lang="ko-KR" altLang="en-US"/>
           </a:p>
         </p:txBody>
       </p:sp>
@@ -8409,7 +6563,7 @@
           <p:cNvPr id="4" name="슬라이드 번호 개체 틀 3">
             <a:extLst>
               <a:ext uri="{FF2B5EF4-FFF2-40B4-BE49-F238E27FC236}">
-                <a16:creationId xmlns:a16="http://schemas.microsoft.com/office/drawing/2014/main" id="{4D728C70-4ADA-41EC-B72B-08C5FE9C7C9F}"/>
+                <a16:creationId xmlns:a16="http://schemas.microsoft.com/office/drawing/2014/main" id="{7EFE3AB7-A7ED-4FBD-8DA5-562EBB3C1987}"/>
               </a:ext>
             </a:extLst>
           </p:cNvPr>
@@ -8436,7 +6590,7 @@
     </p:spTree>
     <p:extLst>
       <p:ext uri="{BB962C8B-B14F-4D97-AF65-F5344CB8AC3E}">
-        <p14:creationId xmlns:p14="http://schemas.microsoft.com/office/powerpoint/2010/main" val="714341413"/>
+        <p14:creationId xmlns:p14="http://schemas.microsoft.com/office/powerpoint/2010/main" val="124292282"/>
       </p:ext>
     </p:extLst>
   </p:cSld>
@@ -8465,10 +6619,32 @@
       </p:grpSpPr>
       <p:sp>
         <p:nvSpPr>
-          <p:cNvPr id="5" name="제목 4">
+          <p:cNvPr id="4" name="Title 3"/>
+          <p:cNvSpPr>
+            <a:spLocks noGrp="1"/>
+          </p:cNvSpPr>
+          <p:nvPr>
+            <p:ph type="title"/>
+          </p:nvPr>
+        </p:nvSpPr>
+        <p:spPr/>
+        <p:txBody>
+          <a:bodyPr/>
+          <a:lstStyle/>
+          <a:p>
+            <a:r>
+              <a:rPr lang="en-US" dirty="0"/>
+              <a:t>Typical ALM with Open Source</a:t>
+            </a:r>
+          </a:p>
+        </p:txBody>
+      </p:sp>
+      <p:sp>
+        <p:nvSpPr>
+          <p:cNvPr id="3" name="내용 개체 틀 2">
             <a:extLst>
               <a:ext uri="{FF2B5EF4-FFF2-40B4-BE49-F238E27FC236}">
-                <a16:creationId xmlns:a16="http://schemas.microsoft.com/office/drawing/2014/main" id="{A5056656-DA7D-470F-9E11-AA15C0863931}"/>
+                <a16:creationId xmlns:a16="http://schemas.microsoft.com/office/drawing/2014/main" id="{1554557C-2317-44AC-9FCA-05405A1FC7E3}"/>
               </a:ext>
             </a:extLst>
           </p:cNvPr>
@@ -8476,80 +6652,115 @@
             <a:spLocks noGrp="1"/>
           </p:cNvSpPr>
           <p:nvPr>
-            <p:ph type="title"/>
-          </p:nvPr>
-        </p:nvSpPr>
-        <p:spPr/>
-        <p:txBody>
-          <a:bodyPr/>
-          <a:lstStyle/>
-          <a:p>
-            <a:r>
-              <a:rPr lang="en-US" altLang="ko-KR" dirty="0"/>
-              <a:t>Development with OSS</a:t>
-            </a:r>
-            <a:endParaRPr lang="ko-KR" altLang="en-US" dirty="0"/>
-          </a:p>
-        </p:txBody>
-      </p:sp>
-      <p:sp>
-        <p:nvSpPr>
-          <p:cNvPr id="6" name="텍스트 개체 틀 5">
+            <p:ph idx="1"/>
+          </p:nvPr>
+        </p:nvSpPr>
+        <p:spPr/>
+        <p:txBody>
+          <a:bodyPr/>
+          <a:lstStyle/>
+          <a:p>
+            <a:endParaRPr lang="ko-KR" altLang="en-US"/>
+          </a:p>
+        </p:txBody>
+      </p:sp>
+      <p:pic>
+        <p:nvPicPr>
+          <p:cNvPr id="8" name="Picture 7"/>
+          <p:cNvPicPr>
+            <a:picLocks noChangeAspect="1"/>
+          </p:cNvPicPr>
+          <p:nvPr/>
+        </p:nvPicPr>
+        <p:blipFill>
+          <a:blip r:embed="rId2"/>
+          <a:stretch>
+            <a:fillRect/>
+          </a:stretch>
+        </p:blipFill>
+        <p:spPr>
+          <a:xfrm>
+            <a:off x="0" y="1124744"/>
+            <a:ext cx="9144000" cy="4907032"/>
+          </a:xfrm>
+          <a:prstGeom prst="rect">
+            <a:avLst/>
+          </a:prstGeom>
+        </p:spPr>
+      </p:pic>
+      <p:sp>
+        <p:nvSpPr>
+          <p:cNvPr id="9" name="Rectangle 8"/>
+          <p:cNvSpPr/>
+          <p:nvPr/>
+        </p:nvSpPr>
+        <p:spPr>
+          <a:xfrm>
+            <a:off x="6012160" y="6405331"/>
+            <a:ext cx="2647200" cy="338554"/>
+          </a:xfrm>
+          <a:prstGeom prst="rect">
+            <a:avLst/>
+          </a:prstGeom>
+        </p:spPr>
+        <p:txBody>
+          <a:bodyPr wrap="none">
+            <a:spAutoFit/>
+          </a:bodyPr>
+          <a:lstStyle/>
+          <a:p>
+            <a:r>
+              <a:rPr lang="en-US" sz="1600" dirty="0">
+                <a:hlinkClick r:id="rId3"/>
+              </a:rPr>
+              <a:t>http://pseg.or.kr/pseg/osalm</a:t>
+            </a:r>
+            <a:r>
+              <a:rPr lang="en-US" sz="1600" dirty="0"/>
+              <a:t> </a:t>
+            </a:r>
+          </a:p>
+        </p:txBody>
+      </p:sp>
+      <p:sp>
+        <p:nvSpPr>
+          <p:cNvPr id="2" name="직사각형 1">
             <a:extLst>
               <a:ext uri="{FF2B5EF4-FFF2-40B4-BE49-F238E27FC236}">
-                <a16:creationId xmlns:a16="http://schemas.microsoft.com/office/drawing/2014/main" id="{92DD2413-1CF2-4E02-B94A-2191A7722B8E}"/>
+                <a16:creationId xmlns:a16="http://schemas.microsoft.com/office/drawing/2014/main" id="{B150D113-4DA9-48A0-8C6C-5BC0F26D1DC8}"/>
               </a:ext>
             </a:extLst>
           </p:cNvPr>
-          <p:cNvSpPr>
-            <a:spLocks noGrp="1"/>
-          </p:cNvSpPr>
-          <p:nvPr>
-            <p:ph type="body" idx="1"/>
-          </p:nvPr>
-        </p:nvSpPr>
-        <p:spPr/>
-        <p:txBody>
-          <a:bodyPr/>
-          <a:lstStyle/>
-          <a:p>
-            <a:endParaRPr lang="ko-KR" altLang="en-US"/>
-          </a:p>
-        </p:txBody>
-      </p:sp>
-      <p:sp>
-        <p:nvSpPr>
-          <p:cNvPr id="4" name="슬라이드 번호 개체 틀 3">
-            <a:extLst>
-              <a:ext uri="{FF2B5EF4-FFF2-40B4-BE49-F238E27FC236}">
-                <a16:creationId xmlns:a16="http://schemas.microsoft.com/office/drawing/2014/main" id="{7EFE3AB7-A7ED-4FBD-8DA5-562EBB3C1987}"/>
-              </a:ext>
-            </a:extLst>
-          </p:cNvPr>
-          <p:cNvSpPr>
-            <a:spLocks noGrp="1"/>
-          </p:cNvSpPr>
-          <p:nvPr>
-            <p:ph type="sldNum" sz="quarter" idx="12"/>
-          </p:nvPr>
-        </p:nvSpPr>
-        <p:spPr/>
-        <p:txBody>
-          <a:bodyPr/>
-          <a:lstStyle/>
-          <a:p>
-            <a:fld id="{64F0D409-D3F6-4EEC-8C77-1F5E89989FFB}" type="slidenum">
-              <a:rPr lang="ko-KR" altLang="en-US" smtClean="0"/>
-              <a:t>4</a:t>
-            </a:fld>
-            <a:endParaRPr lang="ko-KR" altLang="en-US"/>
+          <p:cNvSpPr/>
+          <p:nvPr/>
+        </p:nvSpPr>
+        <p:spPr>
+          <a:xfrm>
+            <a:off x="278322" y="5949434"/>
+            <a:ext cx="4196213" cy="369332"/>
+          </a:xfrm>
+          <a:prstGeom prst="rect">
+            <a:avLst/>
+          </a:prstGeom>
+        </p:spPr>
+        <p:txBody>
+          <a:bodyPr wrap="none">
+            <a:spAutoFit/>
+          </a:bodyPr>
+          <a:lstStyle/>
+          <a:p>
+            <a:r>
+              <a:rPr lang="en-US" altLang="ko-KR" dirty="0"/>
+              <a:t>* ALM (Application Lifecycle Management)</a:t>
+            </a:r>
+            <a:endParaRPr lang="ko-KR" altLang="en-US" dirty="0"/>
           </a:p>
         </p:txBody>
       </p:sp>
     </p:spTree>
     <p:extLst>
       <p:ext uri="{BB962C8B-B14F-4D97-AF65-F5344CB8AC3E}">
-        <p14:creationId xmlns:p14="http://schemas.microsoft.com/office/powerpoint/2010/main" val="124292282"/>
+        <p14:creationId xmlns:p14="http://schemas.microsoft.com/office/powerpoint/2010/main" val="1066390174"/>
       </p:ext>
     </p:extLst>
   </p:cSld>
@@ -8578,7 +6789,7 @@
       </p:grpSpPr>
       <p:sp>
         <p:nvSpPr>
-          <p:cNvPr id="4" name="Title 3"/>
+          <p:cNvPr id="2" name="Title 1"/>
           <p:cNvSpPr>
             <a:spLocks noGrp="1"/>
           </p:cNvSpPr>
@@ -8593,20 +6804,14 @@
           <a:p>
             <a:r>
               <a:rPr lang="en-US" dirty="0"/>
-              <a:t>Typical ALM with Open Source</a:t>
-            </a:r>
-          </a:p>
-        </p:txBody>
-      </p:sp>
-      <p:sp>
-        <p:nvSpPr>
-          <p:cNvPr id="3" name="내용 개체 틀 2">
-            <a:extLst>
-              <a:ext uri="{FF2B5EF4-FFF2-40B4-BE49-F238E27FC236}">
-                <a16:creationId xmlns:a16="http://schemas.microsoft.com/office/drawing/2014/main" id="{1554557C-2317-44AC-9FCA-05405A1FC7E3}"/>
-              </a:ext>
-            </a:extLst>
-          </p:cNvPr>
+              <a:t>Typical ALM Workflow</a:t>
+            </a:r>
+          </a:p>
+        </p:txBody>
+      </p:sp>
+      <p:sp>
+        <p:nvSpPr>
+          <p:cNvPr id="3" name="Content Placeholder 2"/>
           <p:cNvSpPr>
             <a:spLocks noGrp="1"/>
           </p:cNvSpPr>
@@ -8616,40 +6821,313 @@
         </p:nvSpPr>
         <p:spPr/>
         <p:txBody>
-          <a:bodyPr/>
-          <a:lstStyle/>
-          <a:p>
-            <a:endParaRPr lang="ko-KR" altLang="en-US"/>
-          </a:p>
-        </p:txBody>
-      </p:sp>
-      <p:pic>
-        <p:nvPicPr>
-          <p:cNvPr id="8" name="Picture 7"/>
-          <p:cNvPicPr>
-            <a:picLocks noChangeAspect="1"/>
-          </p:cNvPicPr>
-          <p:nvPr/>
-        </p:nvPicPr>
-        <p:blipFill>
-          <a:blip r:embed="rId2"/>
-          <a:stretch>
-            <a:fillRect/>
-          </a:stretch>
-        </p:blipFill>
-        <p:spPr>
-          <a:xfrm>
-            <a:off x="0" y="1124744"/>
-            <a:ext cx="9144000" cy="4907032"/>
-          </a:xfrm>
-          <a:prstGeom prst="rect">
-            <a:avLst/>
-          </a:prstGeom>
-        </p:spPr>
-      </p:pic>
-      <p:sp>
-        <p:nvSpPr>
-          <p:cNvPr id="9" name="Rectangle 8"/>
+          <a:bodyPr>
+            <a:normAutofit fontScale="85000" lnSpcReduction="20000"/>
+          </a:bodyPr>
+          <a:lstStyle/>
+          <a:p>
+            <a:pPr marL="609585" indent="-609585">
+              <a:buFont typeface="+mj-lt"/>
+              <a:buAutoNum type="arabicPeriod"/>
+            </a:pPr>
+            <a:r>
+              <a:rPr lang="ko-KR" altLang="en-US" dirty="0"/>
+              <a:t>개발자는 </a:t>
+            </a:r>
+            <a:r>
+              <a:rPr lang="en-US" altLang="ko-KR" dirty="0" err="1"/>
+              <a:t>Redmine</a:t>
+            </a:r>
+            <a:r>
+              <a:rPr lang="ko-KR" altLang="en-US" dirty="0"/>
+              <a:t>에 작성되어 있는 요구사항</a:t>
+            </a:r>
+            <a:r>
+              <a:rPr lang="en-US" altLang="ko-KR" dirty="0"/>
+              <a:t>, </a:t>
+            </a:r>
+            <a:r>
+              <a:rPr lang="ko-KR" altLang="en-US" dirty="0"/>
+              <a:t>업무</a:t>
+            </a:r>
+            <a:r>
+              <a:rPr lang="en-US" altLang="ko-KR" dirty="0"/>
+              <a:t>, </a:t>
+            </a:r>
+            <a:r>
+              <a:rPr lang="ko-KR" altLang="en-US" dirty="0"/>
+              <a:t>이슈들을</a:t>
+            </a:r>
+            <a:br>
+              <a:rPr lang="en-US" altLang="ko-KR" dirty="0"/>
+            </a:br>
+            <a:r>
+              <a:rPr lang="ko-KR" altLang="en-US" dirty="0"/>
+              <a:t>이클립스의 작업 리스트에서 확인</a:t>
+            </a:r>
+            <a:r>
+              <a:rPr lang="en-US" altLang="ko-KR" dirty="0"/>
+              <a:t>			</a:t>
+            </a:r>
+            <a:endParaRPr lang="en-US" altLang="ko-KR" dirty="0">
+              <a:solidFill>
+                <a:srgbClr val="FF0000"/>
+              </a:solidFill>
+            </a:endParaRPr>
+          </a:p>
+          <a:p>
+            <a:pPr marL="609585" indent="-609585">
+              <a:buFont typeface="+mj-lt"/>
+              <a:buAutoNum type="arabicPeriod"/>
+            </a:pPr>
+            <a:r>
+              <a:rPr lang="ko-KR" altLang="en-US" dirty="0"/>
+              <a:t>개발자는 자신의 업무와 관련 있는 소스 코드를 </a:t>
+            </a:r>
+            <a:br>
+              <a:rPr lang="en-US" altLang="ko-KR" dirty="0"/>
+            </a:br>
+            <a:r>
+              <a:rPr lang="en-US" altLang="ko-KR" dirty="0" err="1"/>
+              <a:t>Git</a:t>
+            </a:r>
+            <a:r>
+              <a:rPr lang="en-US" altLang="ko-KR" dirty="0"/>
+              <a:t> + </a:t>
+            </a:r>
+            <a:r>
+              <a:rPr lang="en-US" altLang="ko-KR" dirty="0" err="1"/>
+              <a:t>Gerrit</a:t>
+            </a:r>
+            <a:r>
+              <a:rPr lang="ko-KR" altLang="en-US" dirty="0"/>
+              <a:t> 으로부터 </a:t>
+            </a:r>
+            <a:r>
+              <a:rPr lang="en-US" altLang="ko-KR" dirty="0"/>
+              <a:t>Fetch </a:t>
+            </a:r>
+            <a:r>
+              <a:rPr lang="ko-KR" altLang="en-US" dirty="0"/>
+              <a:t>받음</a:t>
+            </a:r>
+            <a:r>
+              <a:rPr lang="en-US" altLang="ko-KR" dirty="0"/>
+              <a:t> 			</a:t>
+            </a:r>
+          </a:p>
+          <a:p>
+            <a:pPr marL="609585" indent="-609585">
+              <a:buFont typeface="+mj-lt"/>
+              <a:buAutoNum type="arabicPeriod"/>
+            </a:pPr>
+            <a:r>
+              <a:rPr lang="ko-KR" altLang="en-US" dirty="0"/>
+              <a:t>개발자가 코딩과 </a:t>
+            </a:r>
+            <a:r>
+              <a:rPr lang="en-US" altLang="ko-KR" dirty="0"/>
+              <a:t>Local Test</a:t>
+            </a:r>
+            <a:r>
+              <a:rPr lang="ko-KR" altLang="en-US" dirty="0"/>
+              <a:t>를 마친 자신의 소스 코드를</a:t>
+            </a:r>
+            <a:br>
+              <a:rPr lang="en-US" altLang="ko-KR" dirty="0"/>
+            </a:br>
+            <a:r>
+              <a:rPr lang="ko-KR" altLang="en-US" dirty="0"/>
+              <a:t>리뷰 요청을 위해 </a:t>
+            </a:r>
+            <a:r>
+              <a:rPr lang="en-US" altLang="ko-KR" dirty="0"/>
+              <a:t>Gerrit</a:t>
+            </a:r>
+            <a:r>
+              <a:rPr lang="ko-KR" altLang="en-US" dirty="0"/>
+              <a:t> 에 </a:t>
+            </a:r>
+            <a:r>
+              <a:rPr lang="en-US" altLang="ko-KR" dirty="0"/>
+              <a:t>Push</a:t>
+            </a:r>
+            <a:r>
+              <a:rPr lang="ko-KR" altLang="en-US" dirty="0"/>
+              <a:t> 함</a:t>
+            </a:r>
+            <a:r>
+              <a:rPr lang="en-US" altLang="ko-KR" dirty="0"/>
+              <a:t>			</a:t>
+            </a:r>
+          </a:p>
+          <a:p>
+            <a:pPr marL="609585" indent="-609585">
+              <a:buFont typeface="+mj-lt"/>
+              <a:buAutoNum type="arabicPeriod"/>
+            </a:pPr>
+            <a:r>
+              <a:rPr lang="en-US" altLang="ko-KR" dirty="0"/>
+              <a:t>Jenkins</a:t>
+            </a:r>
+            <a:r>
+              <a:rPr lang="ko-KR" altLang="en-US" dirty="0"/>
+              <a:t>는 빌드</a:t>
+            </a:r>
+            <a:r>
+              <a:rPr lang="en-US" altLang="ko-KR" dirty="0"/>
+              <a:t>, </a:t>
+            </a:r>
+            <a:r>
+              <a:rPr lang="ko-KR" altLang="en-US" dirty="0"/>
+              <a:t>정적분석</a:t>
+            </a:r>
+            <a:r>
+              <a:rPr lang="en-US" altLang="ko-KR" dirty="0"/>
+              <a:t>, </a:t>
+            </a:r>
+            <a:r>
+              <a:rPr lang="ko-KR" altLang="en-US" dirty="0"/>
+              <a:t>단위 테스트를 위해</a:t>
+            </a:r>
+            <a:br>
+              <a:rPr lang="en-US" altLang="ko-KR" dirty="0"/>
+            </a:br>
+            <a:r>
+              <a:rPr lang="en-US" altLang="ko-KR" dirty="0" err="1"/>
+              <a:t>Gerrit</a:t>
+            </a:r>
+            <a:r>
+              <a:rPr lang="ko-KR" altLang="en-US" dirty="0"/>
+              <a:t>에 </a:t>
+            </a:r>
+            <a:r>
+              <a:rPr lang="en-US" altLang="ko-KR" dirty="0"/>
+              <a:t>Push</a:t>
+            </a:r>
+            <a:r>
+              <a:rPr lang="ko-KR" altLang="en-US" dirty="0"/>
+              <a:t>된 소스 코드를 </a:t>
+            </a:r>
+            <a:r>
+              <a:rPr lang="en-US" altLang="ko-KR" dirty="0"/>
+              <a:t>Fetch</a:t>
+            </a:r>
+            <a:r>
+              <a:rPr lang="ko-KR" altLang="en-US" dirty="0"/>
+              <a:t> 함</a:t>
+            </a:r>
+            <a:r>
+              <a:rPr lang="en-US" altLang="ko-KR" dirty="0"/>
+              <a:t>		</a:t>
+            </a:r>
+          </a:p>
+          <a:p>
+            <a:pPr marL="609585" indent="-609585">
+              <a:buFont typeface="+mj-lt"/>
+              <a:buAutoNum type="arabicPeriod"/>
+            </a:pPr>
+            <a:r>
+              <a:rPr lang="en-US" altLang="ko-KR" dirty="0"/>
+              <a:t>Jenkins</a:t>
+            </a:r>
+            <a:r>
+              <a:rPr lang="ko-KR" altLang="en-US" dirty="0"/>
+              <a:t>는 확인 결과를 </a:t>
+            </a:r>
+            <a:r>
+              <a:rPr lang="en-US" altLang="ko-KR" dirty="0"/>
+              <a:t>Gerrit</a:t>
+            </a:r>
+            <a:r>
+              <a:rPr lang="ko-KR" altLang="en-US" dirty="0"/>
+              <a:t>에 등록</a:t>
+            </a:r>
+            <a:endParaRPr lang="en-US" altLang="ko-KR" dirty="0"/>
+          </a:p>
+          <a:p>
+            <a:pPr marL="609585" indent="-609585">
+              <a:buFont typeface="+mj-lt"/>
+              <a:buAutoNum type="arabicPeriod"/>
+            </a:pPr>
+            <a:r>
+              <a:rPr lang="ko-KR" altLang="en-US" dirty="0" err="1"/>
+              <a:t>리뷰어들은</a:t>
+            </a:r>
+            <a:r>
+              <a:rPr lang="ko-KR" altLang="en-US" dirty="0"/>
+              <a:t> 개발자가 개발한 소스 코드의 리뷰를 수행</a:t>
+            </a:r>
+            <a:endParaRPr lang="en-US" altLang="ko-KR" dirty="0"/>
+          </a:p>
+          <a:p>
+            <a:pPr marL="609585" indent="-609585">
+              <a:buFont typeface="+mj-lt"/>
+              <a:buAutoNum type="arabicPeriod"/>
+            </a:pPr>
+            <a:r>
+              <a:rPr lang="ko-KR" altLang="en-US" dirty="0"/>
+              <a:t>리뷰어들은 검증 결과를 </a:t>
+            </a:r>
+            <a:r>
+              <a:rPr lang="en-US" altLang="ko-KR" dirty="0" err="1"/>
+              <a:t>Gerrit</a:t>
+            </a:r>
+            <a:r>
+              <a:rPr lang="ko-KR" altLang="en-US" dirty="0"/>
+              <a:t>에 등록</a:t>
+            </a:r>
+            <a:endParaRPr lang="en-US" altLang="ko-KR" dirty="0"/>
+          </a:p>
+          <a:p>
+            <a:pPr marL="609585" indent="-609585">
+              <a:buFont typeface="+mj-lt"/>
+              <a:buAutoNum type="arabicPeriod"/>
+            </a:pPr>
+            <a:r>
+              <a:rPr lang="en-US" altLang="ko-KR" dirty="0" err="1"/>
+              <a:t>Gerrit</a:t>
+            </a:r>
+            <a:r>
+              <a:rPr lang="ko-KR" altLang="en-US" dirty="0"/>
+              <a:t>은 코드 리뷰 결과와 빌드 검증 결과를 바탕으로</a:t>
+            </a:r>
+            <a:br>
+              <a:rPr lang="en-US" altLang="ko-KR" dirty="0"/>
+            </a:br>
+            <a:r>
+              <a:rPr lang="ko-KR" altLang="en-US" dirty="0"/>
+              <a:t>소스를</a:t>
+            </a:r>
+            <a:r>
+              <a:rPr lang="en-US" altLang="ko-KR" dirty="0"/>
+              <a:t> </a:t>
+            </a:r>
+            <a:r>
+              <a:rPr lang="en-US" altLang="ko-KR" dirty="0" err="1"/>
+              <a:t>Git</a:t>
+            </a:r>
+            <a:r>
+              <a:rPr lang="ko-KR" altLang="en-US" dirty="0"/>
+              <a:t>에 </a:t>
+            </a:r>
+            <a:r>
+              <a:rPr lang="en-US" altLang="ko-KR" dirty="0"/>
+              <a:t>submit</a:t>
+            </a:r>
+          </a:p>
+          <a:p>
+            <a:pPr marL="609585" indent="-609585">
+              <a:buFont typeface="+mj-lt"/>
+              <a:buAutoNum type="arabicPeriod"/>
+            </a:pPr>
+            <a:endParaRPr lang="en-US" dirty="0"/>
+          </a:p>
+        </p:txBody>
+      </p:sp>
+      <p:sp>
+        <p:nvSpPr>
+          <p:cNvPr id="4" name="Rectangle 3"/>
           <p:cNvSpPr/>
           <p:nvPr/>
         </p:nvSpPr>
@@ -8670,7 +7148,7 @@
           <a:p>
             <a:r>
               <a:rPr lang="en-US" sz="1600" dirty="0">
-                <a:hlinkClick r:id="rId3"/>
+                <a:hlinkClick r:id="rId2"/>
               </a:rPr>
               <a:t>http://pseg.or.kr/pseg/osalm</a:t>
             </a:r>
@@ -8678,48 +7156,13 @@
               <a:rPr lang="en-US" sz="1600" dirty="0"/>
               <a:t> </a:t>
             </a:r>
-          </a:p>
-        </p:txBody>
-      </p:sp>
-      <p:sp>
-        <p:nvSpPr>
-          <p:cNvPr id="2" name="직사각형 1">
-            <a:extLst>
-              <a:ext uri="{FF2B5EF4-FFF2-40B4-BE49-F238E27FC236}">
-                <a16:creationId xmlns:a16="http://schemas.microsoft.com/office/drawing/2014/main" id="{B150D113-4DA9-48A0-8C6C-5BC0F26D1DC8}"/>
-              </a:ext>
-            </a:extLst>
-          </p:cNvPr>
-          <p:cNvSpPr/>
-          <p:nvPr/>
-        </p:nvSpPr>
-        <p:spPr>
-          <a:xfrm>
-            <a:off x="278322" y="5949434"/>
-            <a:ext cx="4196213" cy="369332"/>
-          </a:xfrm>
-          <a:prstGeom prst="rect">
-            <a:avLst/>
-          </a:prstGeom>
-        </p:spPr>
-        <p:txBody>
-          <a:bodyPr wrap="none">
-            <a:spAutoFit/>
-          </a:bodyPr>
-          <a:lstStyle/>
-          <a:p>
-            <a:r>
-              <a:rPr lang="en-US" altLang="ko-KR" dirty="0"/>
-              <a:t>* ALM (Application Lifecycle Management)</a:t>
-            </a:r>
-            <a:endParaRPr lang="ko-KR" altLang="en-US" dirty="0"/>
           </a:p>
         </p:txBody>
       </p:sp>
     </p:spTree>
     <p:extLst>
       <p:ext uri="{BB962C8B-B14F-4D97-AF65-F5344CB8AC3E}">
-        <p14:creationId xmlns:p14="http://schemas.microsoft.com/office/powerpoint/2010/main" val="1066390174"/>
+        <p14:creationId xmlns:p14="http://schemas.microsoft.com/office/powerpoint/2010/main" val="407182110"/>
       </p:ext>
     </p:extLst>
   </p:cSld>
@@ -8748,7 +7191,13 @@
       </p:grpSpPr>
       <p:sp>
         <p:nvSpPr>
-          <p:cNvPr id="2" name="Title 1"/>
+          <p:cNvPr id="2" name="제목 1">
+            <a:extLst>
+              <a:ext uri="{FF2B5EF4-FFF2-40B4-BE49-F238E27FC236}">
+                <a16:creationId xmlns:a16="http://schemas.microsoft.com/office/drawing/2014/main" id="{9159E64A-04DA-4A02-B072-F9C98474539F}"/>
+              </a:ext>
+            </a:extLst>
+          </p:cNvPr>
           <p:cNvSpPr>
             <a:spLocks noGrp="1"/>
           </p:cNvSpPr>
@@ -8762,366 +7211,286 @@
           <a:lstStyle/>
           <a:p>
             <a:r>
-              <a:rPr lang="en-US" dirty="0"/>
-              <a:t>Typical ALM Workflow</a:t>
-            </a:r>
-          </a:p>
-        </p:txBody>
-      </p:sp>
-      <p:sp>
-        <p:nvSpPr>
-          <p:cNvPr id="3" name="Content Placeholder 2"/>
+              <a:rPr lang="en-US" altLang="ko-KR" dirty="0"/>
+              <a:t>OSS </a:t>
+            </a:r>
+            <a:r>
+              <a:rPr lang="ko-KR" altLang="en-US" dirty="0"/>
+              <a:t>용어</a:t>
+            </a:r>
+          </a:p>
+        </p:txBody>
+      </p:sp>
+      <p:sp>
+        <p:nvSpPr>
+          <p:cNvPr id="3" name="내용 개체 틀 2">
+            <a:extLst>
+              <a:ext uri="{FF2B5EF4-FFF2-40B4-BE49-F238E27FC236}">
+                <a16:creationId xmlns:a16="http://schemas.microsoft.com/office/drawing/2014/main" id="{0A635E78-CEE1-4710-A6DD-E38C4EBE8577}"/>
+              </a:ext>
+            </a:extLst>
+          </p:cNvPr>
           <p:cNvSpPr>
             <a:spLocks noGrp="1"/>
           </p:cNvSpPr>
           <p:nvPr>
             <p:ph idx="1"/>
           </p:nvPr>
-        </p:nvSpPr>
-        <p:spPr/>
-        <p:txBody>
-          <a:bodyPr>
-            <a:normAutofit fontScale="85000" lnSpcReduction="20000"/>
-          </a:bodyPr>
-          <a:lstStyle/>
-          <a:p>
-            <a:pPr marL="609585" indent="-609585">
-              <a:buFont typeface="+mj-lt"/>
-              <a:buAutoNum type="arabicPeriod"/>
-            </a:pPr>
-            <a:r>
-              <a:rPr lang="ko-KR" altLang="en-US" dirty="0"/>
-              <a:t>개발자는 </a:t>
-            </a:r>
-            <a:r>
-              <a:rPr lang="en-US" altLang="ko-KR" dirty="0" err="1"/>
-              <a:t>Redmine</a:t>
-            </a:r>
-            <a:r>
-              <a:rPr lang="ko-KR" altLang="en-US" dirty="0"/>
-              <a:t>에 작성되어 있는 요구사항</a:t>
-            </a:r>
-            <a:r>
-              <a:rPr lang="en-US" altLang="ko-KR" dirty="0"/>
-              <a:t>, </a:t>
-            </a:r>
-            <a:r>
-              <a:rPr lang="ko-KR" altLang="en-US" dirty="0"/>
-              <a:t>업무</a:t>
-            </a:r>
-            <a:r>
-              <a:rPr lang="en-US" altLang="ko-KR" dirty="0"/>
-              <a:t>, </a:t>
-            </a:r>
-            <a:r>
-              <a:rPr lang="ko-KR" altLang="en-US" dirty="0"/>
-              <a:t>이슈들을</a:t>
-            </a:r>
-            <a:br>
-              <a:rPr lang="en-US" altLang="ko-KR" dirty="0"/>
-            </a:br>
-            <a:r>
-              <a:rPr lang="ko-KR" altLang="en-US" dirty="0"/>
-              <a:t>이클립스의 작업 리스트에서 확인</a:t>
-            </a:r>
-            <a:r>
-              <a:rPr lang="en-US" altLang="ko-KR" dirty="0"/>
-              <a:t>			</a:t>
-            </a:r>
-            <a:endParaRPr lang="en-US" altLang="ko-KR" dirty="0">
-              <a:solidFill>
-                <a:srgbClr val="FF0000"/>
-              </a:solidFill>
-            </a:endParaRPr>
-          </a:p>
-          <a:p>
-            <a:pPr marL="609585" indent="-609585">
-              <a:buFont typeface="+mj-lt"/>
-              <a:buAutoNum type="arabicPeriod"/>
-            </a:pPr>
-            <a:r>
-              <a:rPr lang="ko-KR" altLang="en-US" dirty="0"/>
-              <a:t>개발자는 자신의 업무와 관련 있는 소스 코드를 </a:t>
-            </a:r>
-            <a:br>
-              <a:rPr lang="en-US" altLang="ko-KR" dirty="0"/>
-            </a:br>
-            <a:r>
-              <a:rPr lang="en-US" altLang="ko-KR" dirty="0" err="1"/>
-              <a:t>Git</a:t>
-            </a:r>
-            <a:r>
-              <a:rPr lang="en-US" altLang="ko-KR" dirty="0"/>
-              <a:t> + </a:t>
-            </a:r>
-            <a:r>
-              <a:rPr lang="en-US" altLang="ko-KR" dirty="0" err="1"/>
-              <a:t>Gerrit</a:t>
-            </a:r>
-            <a:r>
-              <a:rPr lang="ko-KR" altLang="en-US" dirty="0"/>
-              <a:t> 으로부터 </a:t>
-            </a:r>
-            <a:r>
-              <a:rPr lang="en-US" altLang="ko-KR" dirty="0"/>
-              <a:t>Fetch </a:t>
-            </a:r>
-            <a:r>
-              <a:rPr lang="ko-KR" altLang="en-US" dirty="0"/>
-              <a:t>받음</a:t>
-            </a:r>
-            <a:r>
-              <a:rPr lang="en-US" altLang="ko-KR" dirty="0"/>
-              <a:t> 			</a:t>
-            </a:r>
-          </a:p>
-          <a:p>
-            <a:pPr marL="609585" indent="-609585">
-              <a:buFont typeface="+mj-lt"/>
-              <a:buAutoNum type="arabicPeriod"/>
-            </a:pPr>
-            <a:r>
-              <a:rPr lang="ko-KR" altLang="en-US" dirty="0"/>
-              <a:t>개발자가 코딩과 </a:t>
-            </a:r>
-            <a:r>
-              <a:rPr lang="en-US" altLang="ko-KR" dirty="0"/>
-              <a:t>Local Test</a:t>
-            </a:r>
-            <a:r>
-              <a:rPr lang="ko-KR" altLang="en-US" dirty="0"/>
-              <a:t>를 마친 자신의 소스 코드를</a:t>
-            </a:r>
-            <a:br>
-              <a:rPr lang="en-US" altLang="ko-KR" dirty="0"/>
-            </a:br>
-            <a:r>
-              <a:rPr lang="ko-KR" altLang="en-US" dirty="0"/>
-              <a:t>리뷰 요청을 위해 </a:t>
-            </a:r>
-            <a:r>
-              <a:rPr lang="en-US" altLang="ko-KR" dirty="0"/>
-              <a:t>Gerrit</a:t>
-            </a:r>
-            <a:r>
-              <a:rPr lang="ko-KR" altLang="en-US" dirty="0"/>
-              <a:t> 에 </a:t>
-            </a:r>
-            <a:r>
-              <a:rPr lang="en-US" altLang="ko-KR" dirty="0"/>
-              <a:t>Push</a:t>
-            </a:r>
-            <a:r>
-              <a:rPr lang="ko-KR" altLang="en-US" dirty="0"/>
-              <a:t> 함</a:t>
-            </a:r>
-            <a:r>
-              <a:rPr lang="en-US" altLang="ko-KR" dirty="0"/>
-              <a:t>			</a:t>
-            </a:r>
-          </a:p>
-          <a:p>
-            <a:pPr marL="609585" indent="-609585">
-              <a:buFont typeface="+mj-lt"/>
-              <a:buAutoNum type="arabicPeriod"/>
-            </a:pPr>
-            <a:r>
-              <a:rPr lang="en-US" altLang="ko-KR" dirty="0"/>
-              <a:t>Jenkins</a:t>
-            </a:r>
-            <a:r>
-              <a:rPr lang="ko-KR" altLang="en-US" dirty="0"/>
-              <a:t>는 빌드</a:t>
-            </a:r>
-            <a:r>
-              <a:rPr lang="en-US" altLang="ko-KR" dirty="0"/>
-              <a:t>, </a:t>
-            </a:r>
-            <a:r>
-              <a:rPr lang="ko-KR" altLang="en-US" dirty="0"/>
-              <a:t>정적분석</a:t>
-            </a:r>
-            <a:r>
-              <a:rPr lang="en-US" altLang="ko-KR" dirty="0"/>
-              <a:t>, </a:t>
-            </a:r>
-            <a:r>
-              <a:rPr lang="ko-KR" altLang="en-US" dirty="0"/>
-              <a:t>단위 테스트를 위해</a:t>
-            </a:r>
-            <a:br>
-              <a:rPr lang="en-US" altLang="ko-KR" dirty="0"/>
-            </a:br>
-            <a:r>
-              <a:rPr lang="en-US" altLang="ko-KR" dirty="0" err="1"/>
-              <a:t>Gerrit</a:t>
-            </a:r>
-            <a:r>
-              <a:rPr lang="ko-KR" altLang="en-US" dirty="0"/>
-              <a:t>에 </a:t>
-            </a:r>
-            <a:r>
-              <a:rPr lang="en-US" altLang="ko-KR" dirty="0"/>
-              <a:t>Push</a:t>
-            </a:r>
-            <a:r>
-              <a:rPr lang="ko-KR" altLang="en-US" dirty="0"/>
-              <a:t>된 소스 코드를 </a:t>
-            </a:r>
-            <a:r>
-              <a:rPr lang="en-US" altLang="ko-KR" dirty="0"/>
-              <a:t>Fetch</a:t>
-            </a:r>
-            <a:r>
-              <a:rPr lang="ko-KR" altLang="en-US" dirty="0"/>
-              <a:t> 함</a:t>
-            </a:r>
-            <a:r>
-              <a:rPr lang="en-US" altLang="ko-KR" dirty="0"/>
-              <a:t>		</a:t>
-            </a:r>
-          </a:p>
-          <a:p>
-            <a:pPr marL="609585" indent="-609585">
-              <a:buFont typeface="+mj-lt"/>
-              <a:buAutoNum type="arabicPeriod"/>
-            </a:pPr>
-            <a:r>
-              <a:rPr lang="en-US" altLang="ko-KR" dirty="0"/>
-              <a:t>Jenkins</a:t>
-            </a:r>
-            <a:r>
-              <a:rPr lang="ko-KR" altLang="en-US" dirty="0"/>
-              <a:t>는 확인 결과를 </a:t>
-            </a:r>
-            <a:r>
-              <a:rPr lang="en-US" altLang="ko-KR" dirty="0"/>
-              <a:t>Gerrit</a:t>
-            </a:r>
-            <a:r>
-              <a:rPr lang="ko-KR" altLang="en-US" dirty="0"/>
-              <a:t>에 등록</a:t>
-            </a:r>
-            <a:endParaRPr lang="en-US" altLang="ko-KR" dirty="0"/>
-          </a:p>
-          <a:p>
-            <a:pPr marL="609585" indent="-609585">
-              <a:buFont typeface="+mj-lt"/>
-              <a:buAutoNum type="arabicPeriod"/>
-            </a:pPr>
-            <a:r>
-              <a:rPr lang="ko-KR" altLang="en-US" dirty="0" err="1"/>
-              <a:t>리뷰어들은</a:t>
-            </a:r>
-            <a:r>
-              <a:rPr lang="ko-KR" altLang="en-US" dirty="0"/>
-              <a:t> 개발자가 개발한 소스 코드의 리뷰를 수행</a:t>
-            </a:r>
-            <a:endParaRPr lang="en-US" altLang="ko-KR" dirty="0"/>
-          </a:p>
-          <a:p>
-            <a:pPr marL="609585" indent="-609585">
-              <a:buFont typeface="+mj-lt"/>
-              <a:buAutoNum type="arabicPeriod"/>
-            </a:pPr>
-            <a:r>
-              <a:rPr lang="ko-KR" altLang="en-US" dirty="0"/>
-              <a:t>리뷰어들은 검증 결과를 </a:t>
-            </a:r>
-            <a:r>
-              <a:rPr lang="en-US" altLang="ko-KR" dirty="0" err="1"/>
-              <a:t>Gerrit</a:t>
-            </a:r>
-            <a:r>
-              <a:rPr lang="ko-KR" altLang="en-US" dirty="0"/>
-              <a:t>에 등록</a:t>
-            </a:r>
-            <a:endParaRPr lang="en-US" altLang="ko-KR" dirty="0"/>
-          </a:p>
-          <a:p>
-            <a:pPr marL="609585" indent="-609585">
-              <a:buFont typeface="+mj-lt"/>
-              <a:buAutoNum type="arabicPeriod"/>
-            </a:pPr>
-            <a:r>
-              <a:rPr lang="en-US" altLang="ko-KR" dirty="0" err="1"/>
-              <a:t>Gerrit</a:t>
-            </a:r>
-            <a:r>
-              <a:rPr lang="ko-KR" altLang="en-US" dirty="0"/>
-              <a:t>은 코드 리뷰 결과와 빌드 검증 결과를 바탕으로</a:t>
-            </a:r>
-            <a:br>
-              <a:rPr lang="en-US" altLang="ko-KR" dirty="0"/>
-            </a:br>
-            <a:r>
-              <a:rPr lang="ko-KR" altLang="en-US" dirty="0"/>
-              <a:t>소스를</a:t>
-            </a:r>
-            <a:r>
-              <a:rPr lang="en-US" altLang="ko-KR" dirty="0"/>
-              <a:t> </a:t>
-            </a:r>
-            <a:r>
-              <a:rPr lang="en-US" altLang="ko-KR" dirty="0" err="1"/>
-              <a:t>Git</a:t>
-            </a:r>
-            <a:r>
-              <a:rPr lang="ko-KR" altLang="en-US" dirty="0"/>
-              <a:t>에 </a:t>
-            </a:r>
-            <a:r>
-              <a:rPr lang="en-US" altLang="ko-KR" dirty="0"/>
-              <a:t>submit</a:t>
-            </a:r>
-          </a:p>
-          <a:p>
-            <a:pPr marL="609585" indent="-609585">
-              <a:buFont typeface="+mj-lt"/>
-              <a:buAutoNum type="arabicPeriod"/>
-            </a:pPr>
-            <a:endParaRPr lang="en-US" dirty="0"/>
-          </a:p>
-        </p:txBody>
-      </p:sp>
-      <p:sp>
-        <p:nvSpPr>
-          <p:cNvPr id="4" name="Rectangle 3"/>
-          <p:cNvSpPr/>
-          <p:nvPr/>
         </p:nvSpPr>
         <p:spPr>
           <a:xfrm>
-            <a:off x="6012160" y="6405331"/>
-            <a:ext cx="2647200" cy="338554"/>
+            <a:off x="395536" y="1058566"/>
+            <a:ext cx="8653214" cy="5269953"/>
           </a:xfrm>
-          <a:prstGeom prst="rect">
-            <a:avLst/>
-          </a:prstGeom>
         </p:spPr>
         <p:txBody>
-          <a:bodyPr wrap="none">
-            <a:spAutoFit/>
+          <a:bodyPr>
+            <a:normAutofit lnSpcReduction="10000"/>
           </a:bodyPr>
           <a:lstStyle/>
           <a:p>
             <a:r>
-              <a:rPr lang="en-US" sz="1600" dirty="0">
-                <a:hlinkClick r:id="rId2"/>
-              </a:rPr>
-              <a:t>http://pseg.or.kr/pseg/osalm</a:t>
-            </a:r>
-            <a:r>
-              <a:rPr lang="en-US" sz="1600" dirty="0"/>
+              <a:rPr lang="en-US" altLang="ko-KR" sz="2000" dirty="0"/>
+              <a:t>Issue tracking</a:t>
+            </a:r>
+          </a:p>
+          <a:p>
+            <a:pPr lvl="1"/>
+            <a:r>
+              <a:rPr lang="ko-KR" altLang="en-US" sz="1800" dirty="0"/>
+              <a:t>프로젝트의 이슈를 생성</a:t>
+            </a:r>
+            <a:r>
+              <a:rPr lang="en-US" altLang="ko-KR" sz="1800" dirty="0"/>
+              <a:t>, </a:t>
+            </a:r>
+            <a:r>
+              <a:rPr lang="ko-KR" altLang="en-US" sz="1800" dirty="0"/>
+              <a:t>해결하기까지의 과정을 추적하고 공유하는 시스템</a:t>
+            </a:r>
+            <a:endParaRPr lang="en-US" altLang="ko-KR" sz="1800" dirty="0"/>
+          </a:p>
+          <a:p>
+            <a:pPr lvl="1"/>
+            <a:r>
+              <a:rPr lang="ko-KR" altLang="en-US" sz="1800" dirty="0"/>
+              <a:t>기능의 수정</a:t>
+            </a:r>
+            <a:r>
+              <a:rPr lang="en-US" altLang="ko-KR" sz="1800" dirty="0"/>
+              <a:t>, </a:t>
+            </a:r>
+            <a:r>
+              <a:rPr lang="ko-KR" altLang="en-US" sz="1800" dirty="0"/>
+              <a:t>개선</a:t>
+            </a:r>
+            <a:r>
+              <a:rPr lang="en-US" altLang="ko-KR" sz="1800" dirty="0"/>
+              <a:t>, </a:t>
+            </a:r>
+            <a:r>
+              <a:rPr lang="ko-KR" altLang="en-US" sz="1800" dirty="0"/>
+              <a:t>추가 기능 등 프로젝트에 대한 논의가 이슈로 진행됨</a:t>
+            </a:r>
+            <a:endParaRPr lang="en-US" altLang="ko-KR" sz="1800" dirty="0"/>
+          </a:p>
+          <a:p>
+            <a:pPr lvl="1"/>
+            <a:r>
+              <a:rPr lang="en-US" altLang="ko-KR" sz="1800" dirty="0"/>
+              <a:t>Issue ticketing </a:t>
+            </a:r>
+            <a:r>
+              <a:rPr lang="ko-KR" altLang="en-US" sz="1800" dirty="0"/>
+              <a:t>이라고도 하며</a:t>
+            </a:r>
+            <a:r>
+              <a:rPr lang="en-US" altLang="ko-KR" sz="1800" dirty="0"/>
+              <a:t>, </a:t>
+            </a:r>
+            <a:r>
+              <a:rPr lang="ko-KR" altLang="en-US" sz="1800" dirty="0"/>
+              <a:t>이슈를 발행</a:t>
+            </a:r>
+            <a:r>
+              <a:rPr lang="en-US" altLang="ko-KR" sz="1800" dirty="0"/>
+              <a:t>(ticket)</a:t>
+            </a:r>
+            <a:r>
+              <a:rPr lang="ko-KR" altLang="en-US" sz="1800" dirty="0"/>
+              <a:t>한다고 표현함</a:t>
+            </a:r>
+            <a:endParaRPr lang="en-US" altLang="ko-KR" sz="1800" dirty="0"/>
+          </a:p>
+          <a:p>
+            <a:pPr lvl="1"/>
+            <a:r>
+              <a:rPr lang="ko-KR" altLang="en-US" sz="1800" dirty="0"/>
+              <a:t>예</a:t>
+            </a:r>
+            <a:r>
+              <a:rPr lang="en-US" altLang="ko-KR" sz="1800" dirty="0"/>
+              <a:t>) Jira, Redmine, GitHub </a:t>
+            </a:r>
+          </a:p>
+          <a:p>
+            <a:r>
+              <a:rPr lang="en-US" altLang="ko-KR" sz="2000" dirty="0"/>
+              <a:t>Bug tracking</a:t>
+            </a:r>
+          </a:p>
+          <a:p>
+            <a:pPr lvl="1"/>
+            <a:r>
+              <a:rPr lang="ko-KR" altLang="en-US" sz="1800" dirty="0"/>
+              <a:t>버그의 보고</a:t>
+            </a:r>
+            <a:r>
+              <a:rPr lang="en-US" altLang="ko-KR" sz="1800" dirty="0"/>
+              <a:t>, </a:t>
+            </a:r>
+            <a:r>
+              <a:rPr lang="ko-KR" altLang="en-US" sz="1800" dirty="0"/>
+              <a:t>수정 작업</a:t>
+            </a:r>
+            <a:r>
+              <a:rPr lang="en-US" altLang="ko-KR" sz="1800" dirty="0"/>
+              <a:t>, </a:t>
+            </a:r>
+            <a:r>
+              <a:rPr lang="ko-KR" altLang="en-US" sz="1800" dirty="0"/>
+              <a:t>완료 보고 등 버그의 생성과 최종 해결까지의 과정을 추적하고 공유하는 시스템</a:t>
+            </a:r>
+            <a:endParaRPr lang="en-US" altLang="ko-KR" sz="1800" dirty="0"/>
+          </a:p>
+          <a:p>
+            <a:pPr lvl="1"/>
+            <a:r>
+              <a:rPr lang="en-US" altLang="ko-KR" sz="1800" dirty="0"/>
+              <a:t>Issue</a:t>
+            </a:r>
+            <a:r>
+              <a:rPr lang="ko-KR" altLang="en-US" sz="1800" dirty="0"/>
               <a:t> </a:t>
             </a:r>
+            <a:r>
+              <a:rPr lang="en-US" altLang="ko-KR" sz="1800" dirty="0"/>
+              <a:t>tracking </a:t>
+            </a:r>
+            <a:r>
+              <a:rPr lang="ko-KR" altLang="en-US" sz="1800" dirty="0"/>
+              <a:t>에 통합되는 경우도 많음</a:t>
+            </a:r>
+            <a:endParaRPr lang="en-US" altLang="ko-KR" sz="1800" dirty="0"/>
+          </a:p>
+          <a:p>
+            <a:pPr lvl="1"/>
+            <a:r>
+              <a:rPr lang="ko-KR" altLang="en-US" sz="1800" dirty="0"/>
+              <a:t>예</a:t>
+            </a:r>
+            <a:r>
+              <a:rPr lang="en-US" altLang="ko-KR" sz="1800" dirty="0"/>
+              <a:t>) Bugzilla, Redmine, Trac, Mantis</a:t>
+            </a:r>
+            <a:endParaRPr lang="en-US" altLang="ko-KR" sz="2000" dirty="0"/>
+          </a:p>
+          <a:p>
+            <a:r>
+              <a:rPr lang="en-US" altLang="ko-KR" sz="2000" dirty="0"/>
+              <a:t>Repository</a:t>
+            </a:r>
+          </a:p>
+          <a:p>
+            <a:pPr lvl="1"/>
+            <a:r>
+              <a:rPr lang="ko-KR" altLang="en-US" sz="1800" dirty="0"/>
+              <a:t>프로젝트의 소스 코드 보관소</a:t>
+            </a:r>
+            <a:endParaRPr lang="en-US" altLang="ko-KR" sz="1800" dirty="0"/>
+          </a:p>
+          <a:p>
+            <a:pPr lvl="1"/>
+            <a:r>
+              <a:rPr lang="ko-KR" altLang="en-US" sz="1800" dirty="0"/>
+              <a:t>여러 사람이 동시에 작업하므로 소스 관리 </a:t>
+            </a:r>
+            <a:r>
+              <a:rPr lang="en-US" altLang="ko-KR" sz="1800" dirty="0"/>
+              <a:t>(source control) </a:t>
+            </a:r>
+            <a:r>
+              <a:rPr lang="ko-KR" altLang="en-US" sz="1800" dirty="0"/>
+              <a:t>기능이 필수적</a:t>
+            </a:r>
+            <a:r>
+              <a:rPr lang="en-US" altLang="ko-KR" sz="1800" dirty="0"/>
+              <a:t>. Version, branch control </a:t>
+            </a:r>
+            <a:r>
+              <a:rPr lang="ko-KR" altLang="en-US" sz="1800" dirty="0"/>
+              <a:t>이 주된 관리 기능</a:t>
+            </a:r>
+            <a:r>
+              <a:rPr lang="en-US" altLang="ko-KR" sz="1800" dirty="0"/>
+              <a:t>.</a:t>
+            </a:r>
+          </a:p>
+          <a:p>
+            <a:endParaRPr lang="en-US" altLang="ko-KR" sz="1600" dirty="0"/>
+          </a:p>
+          <a:p>
+            <a:pPr lvl="2"/>
+            <a:endParaRPr lang="en-US" altLang="ko-KR" sz="1600" dirty="0"/>
+          </a:p>
+          <a:p>
+            <a:pPr lvl="1"/>
+            <a:endParaRPr lang="en-US" altLang="ko-KR" sz="1800" dirty="0"/>
+          </a:p>
+          <a:p>
+            <a:pPr lvl="1"/>
+            <a:endParaRPr lang="en-US" altLang="ko-KR" sz="1800" dirty="0"/>
+          </a:p>
+          <a:p>
+            <a:pPr lvl="1"/>
+            <a:endParaRPr lang="ko-KR" altLang="en-US" sz="1800" dirty="0"/>
+          </a:p>
+        </p:txBody>
+      </p:sp>
+      <p:sp>
+        <p:nvSpPr>
+          <p:cNvPr id="4" name="슬라이드 번호 개체 틀 3">
+            <a:extLst>
+              <a:ext uri="{FF2B5EF4-FFF2-40B4-BE49-F238E27FC236}">
+                <a16:creationId xmlns:a16="http://schemas.microsoft.com/office/drawing/2014/main" id="{67BFA84A-5532-4EC4-8E06-366E36C1E641}"/>
+              </a:ext>
+            </a:extLst>
+          </p:cNvPr>
+          <p:cNvSpPr>
+            <a:spLocks noGrp="1"/>
+          </p:cNvSpPr>
+          <p:nvPr>
+            <p:ph type="sldNum" sz="quarter" idx="12"/>
+          </p:nvPr>
+        </p:nvSpPr>
+        <p:spPr/>
+        <p:txBody>
+          <a:bodyPr/>
+          <a:lstStyle/>
+          <a:p>
+            <a:fld id="{64F0D409-D3F6-4EEC-8C77-1F5E89989FFB}" type="slidenum">
+              <a:rPr lang="ko-KR" altLang="en-US" smtClean="0"/>
+              <a:pPr/>
+              <a:t>6</a:t>
+            </a:fld>
+            <a:endParaRPr lang="ko-KR" altLang="en-US"/>
           </a:p>
         </p:txBody>
       </p:sp>
     </p:spTree>
     <p:extLst>
       <p:ext uri="{BB962C8B-B14F-4D97-AF65-F5344CB8AC3E}">
-        <p14:creationId xmlns:p14="http://schemas.microsoft.com/office/powerpoint/2010/main" val="407182110"/>
+        <p14:creationId xmlns:p14="http://schemas.microsoft.com/office/powerpoint/2010/main" val="3066105038"/>
       </p:ext>
     </p:extLst>
   </p:cSld>
@@ -9153,7 +7522,7 @@
           <p:cNvPr id="2" name="제목 1">
             <a:extLst>
               <a:ext uri="{FF2B5EF4-FFF2-40B4-BE49-F238E27FC236}">
-                <a16:creationId xmlns:a16="http://schemas.microsoft.com/office/drawing/2014/main" id="{9159E64A-04DA-4A02-B072-F9C98474539F}"/>
+                <a16:creationId xmlns:a16="http://schemas.microsoft.com/office/drawing/2014/main" id="{EA94FF71-E732-4E27-A926-F057EFB31734}"/>
               </a:ext>
             </a:extLst>
           </p:cNvPr>
@@ -9185,7 +7554,7 @@
           <p:cNvPr id="3" name="내용 개체 틀 2">
             <a:extLst>
               <a:ext uri="{FF2B5EF4-FFF2-40B4-BE49-F238E27FC236}">
-                <a16:creationId xmlns:a16="http://schemas.microsoft.com/office/drawing/2014/main" id="{0A635E78-CEE1-4710-A6DD-E38C4EBE8577}"/>
+                <a16:creationId xmlns:a16="http://schemas.microsoft.com/office/drawing/2014/main" id="{8FCBD237-56B7-4B31-A435-2D1DB16CB1F7}"/>
               </a:ext>
             </a:extLst>
           </p:cNvPr>
@@ -9196,28 +7565,55 @@
             <p:ph idx="1"/>
           </p:nvPr>
         </p:nvSpPr>
-        <p:spPr>
-          <a:xfrm>
-            <a:off x="395536" y="1058566"/>
-            <a:ext cx="8653214" cy="5269953"/>
-          </a:xfrm>
-        </p:spPr>
-        <p:txBody>
-          <a:bodyPr>
-            <a:normAutofit lnSpcReduction="10000"/>
-          </a:bodyPr>
+        <p:spPr/>
+        <p:txBody>
+          <a:bodyPr/>
           <a:lstStyle/>
           <a:p>
             <a:r>
               <a:rPr lang="en-US" altLang="ko-KR" sz="2000" dirty="0"/>
-              <a:t>Issue tracking</a:t>
+              <a:t>Code review</a:t>
             </a:r>
           </a:p>
           <a:p>
             <a:pPr lvl="1"/>
             <a:r>
               <a:rPr lang="ko-KR" altLang="en-US" sz="1800" dirty="0"/>
-              <a:t>프로젝트의 이슈를 생성</a:t>
+              <a:t>여러 개발자가 함께 코드를 상호 검토하여 코드의 질을 향상시키는 작업</a:t>
+            </a:r>
+            <a:endParaRPr lang="en-US" altLang="ko-KR" sz="1800" dirty="0"/>
+          </a:p>
+          <a:p>
+            <a:pPr lvl="1"/>
+            <a:r>
+              <a:rPr lang="en-US" altLang="ko-KR" sz="1800" dirty="0"/>
+              <a:t>Gerrit </a:t>
+            </a:r>
+            <a:r>
+              <a:rPr lang="ko-KR" altLang="en-US" sz="1800" dirty="0"/>
+              <a:t>과 같은 코드 리뷰 지원 도구가 유명함</a:t>
+            </a:r>
+            <a:endParaRPr lang="en-US" altLang="ko-KR" sz="1800" dirty="0"/>
+          </a:p>
+          <a:p>
+            <a:r>
+              <a:rPr lang="en-US" altLang="ko-KR" sz="2000" dirty="0"/>
+              <a:t>Quality Assurance</a:t>
+            </a:r>
+          </a:p>
+          <a:p>
+            <a:pPr lvl="1"/>
+            <a:r>
+              <a:rPr lang="ko-KR" altLang="en-US" sz="1800" dirty="0"/>
+              <a:t>코드 품질 관리</a:t>
+            </a:r>
+            <a:r>
+              <a:rPr lang="en-US" altLang="ko-KR" sz="1800" dirty="0"/>
+              <a:t>. </a:t>
+            </a:r>
+            <a:r>
+              <a:rPr lang="ko-KR" altLang="en-US" sz="1800" dirty="0"/>
+              <a:t>일반적으로 정형화된 정적 테스트를 자동으로 수행하여 코드의 문법</a:t>
             </a:r>
             <a:r>
               <a:rPr lang="en-US" altLang="ko-KR" sz="1800" dirty="0"/>
@@ -9225,15 +7621,7 @@
             </a:r>
             <a:r>
               <a:rPr lang="ko-KR" altLang="en-US" sz="1800" dirty="0"/>
-              <a:t>해결하기까지의 과정을 추적하고 공유하는 시스템</a:t>
-            </a:r>
-            <a:endParaRPr lang="en-US" altLang="ko-KR" sz="1800" dirty="0"/>
-          </a:p>
-          <a:p>
-            <a:pPr lvl="1"/>
-            <a:r>
-              <a:rPr lang="ko-KR" altLang="en-US" sz="1800" dirty="0"/>
-              <a:t>기능의 수정</a:t>
+              <a:t>스타일</a:t>
             </a:r>
             <a:r>
               <a:rPr lang="en-US" altLang="ko-KR" sz="1800" dirty="0"/>
@@ -9241,178 +7629,132 @@
             </a:r>
             <a:r>
               <a:rPr lang="ko-KR" altLang="en-US" sz="1800" dirty="0"/>
-              <a:t>개선</a:t>
+              <a:t>보안 등의 오류를 탐지함</a:t>
+            </a:r>
+            <a:endParaRPr lang="en-US" altLang="ko-KR" sz="1800" dirty="0"/>
+          </a:p>
+          <a:p>
+            <a:pPr lvl="1"/>
+            <a:r>
+              <a:rPr lang="ko-KR" altLang="en-US" sz="1800" dirty="0"/>
+              <a:t>예</a:t>
+            </a:r>
+            <a:r>
+              <a:rPr lang="en-US" altLang="ko-KR" sz="1800" dirty="0"/>
+              <a:t>) SonarQube, PMD, </a:t>
+            </a:r>
+            <a:r>
+              <a:rPr lang="en-US" altLang="ko-KR" sz="1800" dirty="0" err="1"/>
+              <a:t>FindBugs</a:t>
             </a:r>
             <a:r>
               <a:rPr lang="en-US" altLang="ko-KR" sz="1800" dirty="0"/>
               <a:t>, </a:t>
             </a:r>
             <a:r>
-              <a:rPr lang="ko-KR" altLang="en-US" sz="1800" dirty="0"/>
-              <a:t>추가 기능 등 프로젝트에 대한 논의가 이슈로 진행됨</a:t>
-            </a:r>
-            <a:endParaRPr lang="en-US" altLang="ko-KR" sz="1800" dirty="0"/>
-          </a:p>
-          <a:p>
-            <a:pPr lvl="1"/>
-            <a:r>
-              <a:rPr lang="en-US" altLang="ko-KR" sz="1800" dirty="0"/>
-              <a:t>Issue ticketing </a:t>
-            </a:r>
-            <a:r>
-              <a:rPr lang="ko-KR" altLang="en-US" sz="1800" dirty="0"/>
-              <a:t>이라고도 하며</a:t>
+              <a:rPr lang="en-US" altLang="ko-KR" sz="1800" dirty="0" err="1"/>
+              <a:t>CheckStyle</a:t>
             </a:r>
             <a:r>
               <a:rPr lang="en-US" altLang="ko-KR" sz="1800" dirty="0"/>
               <a:t>, </a:t>
             </a:r>
             <a:r>
+              <a:rPr lang="en-US" altLang="ko-KR" sz="1800" dirty="0" err="1"/>
+              <a:t>SCALe</a:t>
+            </a:r>
+            <a:endParaRPr lang="en-US" altLang="ko-KR" sz="1800" dirty="0"/>
+          </a:p>
+          <a:p>
+            <a:r>
+              <a:rPr lang="en-US" altLang="ko-KR" sz="2000" dirty="0"/>
+              <a:t>CI/CD</a:t>
+            </a:r>
+          </a:p>
+          <a:p>
+            <a:pPr lvl="1"/>
+            <a:r>
+              <a:rPr lang="en-US" altLang="ko-KR" sz="1800" dirty="0"/>
+              <a:t>CI: continuous integration (</a:t>
+            </a:r>
+            <a:r>
               <a:rPr lang="ko-KR" altLang="en-US" sz="1800" dirty="0"/>
-              <a:t>이슈를 발행</a:t>
+              <a:t>지속적 통합</a:t>
             </a:r>
             <a:r>
               <a:rPr lang="en-US" altLang="ko-KR" sz="1800" dirty="0"/>
-              <a:t>(ticket)</a:t>
+              <a:t>)</a:t>
+            </a:r>
+          </a:p>
+          <a:p>
+            <a:pPr lvl="2"/>
+            <a:r>
+              <a:rPr lang="ko-KR" altLang="en-US" sz="1600" dirty="0"/>
+              <a:t>소스 코드의 빌드</a:t>
+            </a:r>
+            <a:r>
+              <a:rPr lang="en-US" altLang="ko-KR" sz="1600" dirty="0"/>
+              <a:t>,  </a:t>
+            </a:r>
+            <a:r>
+              <a:rPr lang="ko-KR" altLang="en-US" sz="1600" dirty="0"/>
+              <a:t>품질 관리를 위한 테스트를 자동으로 수행하여</a:t>
+            </a:r>
+            <a:r>
+              <a:rPr lang="en-US" altLang="ko-KR" sz="1600" dirty="0"/>
+              <a:t>,</a:t>
+            </a:r>
+            <a:br>
+              <a:rPr lang="en-US" altLang="ko-KR" sz="1600" dirty="0"/>
+            </a:br>
+            <a:r>
+              <a:rPr lang="en-US" altLang="ko-KR" sz="1600" dirty="0"/>
+              <a:t>QA (Quality Assurance)</a:t>
+            </a:r>
+            <a:r>
+              <a:rPr lang="ko-KR" altLang="en-US" sz="1600" dirty="0"/>
+              <a:t>가 완료된 통합본을 생성하는 프로세스</a:t>
+            </a:r>
+            <a:endParaRPr lang="en-US" altLang="ko-KR" sz="1600" dirty="0"/>
+          </a:p>
+          <a:p>
+            <a:pPr lvl="1"/>
+            <a:r>
+              <a:rPr lang="en-US" altLang="ko-KR" sz="1800" dirty="0"/>
+              <a:t>CD: continuous delivery (</a:t>
             </a:r>
             <a:r>
               <a:rPr lang="ko-KR" altLang="en-US" sz="1800" dirty="0"/>
-              <a:t>한다고 표현함</a:t>
+              <a:t>지속적 배포</a:t>
+            </a:r>
+            <a:r>
+              <a:rPr lang="en-US" altLang="ko-KR" sz="1800" dirty="0"/>
+              <a:t>)</a:t>
+            </a:r>
+          </a:p>
+          <a:p>
+            <a:pPr lvl="2"/>
+            <a:r>
+              <a:rPr lang="en-US" altLang="ko-KR" sz="1600" dirty="0"/>
+              <a:t>CI </a:t>
+            </a:r>
+            <a:r>
+              <a:rPr lang="ko-KR" altLang="en-US" sz="1600" dirty="0"/>
+              <a:t>를 통과한 새로운 통합본을 자동으로 서비스 환경에 즉시 배포하는 것</a:t>
+            </a:r>
+            <a:endParaRPr lang="en-US" altLang="ko-KR" sz="1600" dirty="0"/>
+          </a:p>
+          <a:p>
+            <a:pPr lvl="1"/>
+            <a:r>
+              <a:rPr lang="en-US" altLang="ko-KR" sz="1800" dirty="0"/>
+              <a:t>Jenkins</a:t>
+            </a:r>
+            <a:r>
+              <a:rPr lang="ko-KR" altLang="en-US" sz="1800" dirty="0"/>
+              <a:t> 가 가장 유명</a:t>
             </a:r>
             <a:endParaRPr lang="en-US" altLang="ko-KR" sz="1800" dirty="0"/>
-          </a:p>
-          <a:p>
-            <a:pPr lvl="1"/>
-            <a:r>
-              <a:rPr lang="ko-KR" altLang="en-US" sz="1800" dirty="0"/>
-              <a:t>예</a:t>
-            </a:r>
-            <a:r>
-              <a:rPr lang="en-US" altLang="ko-KR" sz="1800" dirty="0"/>
-              <a:t>) Jira, Redmine, GitHub </a:t>
-            </a:r>
-          </a:p>
-          <a:p>
-            <a:r>
-              <a:rPr lang="en-US" altLang="ko-KR" sz="2000" dirty="0"/>
-              <a:t>Bug tracking</a:t>
-            </a:r>
-          </a:p>
-          <a:p>
-            <a:pPr lvl="1"/>
-            <a:r>
-              <a:rPr lang="ko-KR" altLang="en-US" sz="1800" dirty="0"/>
-              <a:t>버그의 보고</a:t>
-            </a:r>
-            <a:r>
-              <a:rPr lang="en-US" altLang="ko-KR" sz="1800" dirty="0"/>
-              <a:t>, </a:t>
-            </a:r>
-            <a:r>
-              <a:rPr lang="ko-KR" altLang="en-US" sz="1800" dirty="0"/>
-              <a:t>수정 작업</a:t>
-            </a:r>
-            <a:r>
-              <a:rPr lang="en-US" altLang="ko-KR" sz="1800" dirty="0"/>
-              <a:t>, </a:t>
-            </a:r>
-            <a:r>
-              <a:rPr lang="ko-KR" altLang="en-US" sz="1800" dirty="0"/>
-              <a:t>완료 보고 등 버그의 생성과 최종 해결까지의 과정을 추적하고 공유하는 시스템</a:t>
-            </a:r>
-            <a:endParaRPr lang="en-US" altLang="ko-KR" sz="1800" dirty="0"/>
-          </a:p>
-          <a:p>
-            <a:pPr lvl="1"/>
-            <a:r>
-              <a:rPr lang="en-US" altLang="ko-KR" sz="1800" dirty="0"/>
-              <a:t>Issue</a:t>
-            </a:r>
-            <a:r>
-              <a:rPr lang="ko-KR" altLang="en-US" sz="1800" dirty="0"/>
-              <a:t> </a:t>
-            </a:r>
-            <a:r>
-              <a:rPr lang="en-US" altLang="ko-KR" sz="1800" dirty="0"/>
-              <a:t>tracking </a:t>
-            </a:r>
-            <a:r>
-              <a:rPr lang="ko-KR" altLang="en-US" sz="1800" dirty="0"/>
-              <a:t>에 통합되는 경우도 많음</a:t>
-            </a:r>
-            <a:endParaRPr lang="en-US" altLang="ko-KR" sz="1800" dirty="0"/>
-          </a:p>
-          <a:p>
-            <a:pPr lvl="1"/>
-            <a:r>
-              <a:rPr lang="ko-KR" altLang="en-US" sz="1800" dirty="0"/>
-              <a:t>예</a:t>
-            </a:r>
-            <a:r>
-              <a:rPr lang="en-US" altLang="ko-KR" sz="1800" dirty="0"/>
-              <a:t>) Bugzilla, Redmine, Trac, Mantis</a:t>
-            </a:r>
-            <a:endParaRPr lang="en-US" altLang="ko-KR" sz="2000" dirty="0"/>
-          </a:p>
-          <a:p>
-            <a:r>
-              <a:rPr lang="en-US" altLang="ko-KR" sz="2000" dirty="0"/>
-              <a:t>Repository</a:t>
-            </a:r>
-          </a:p>
-          <a:p>
-            <a:pPr lvl="1"/>
-            <a:r>
-              <a:rPr lang="ko-KR" altLang="en-US" sz="1800" dirty="0"/>
-              <a:t>프로젝트의 소스 코드 보관소</a:t>
-            </a:r>
-            <a:endParaRPr lang="en-US" altLang="ko-KR" sz="1800" dirty="0"/>
-          </a:p>
-          <a:p>
-            <a:pPr lvl="1"/>
-            <a:r>
-              <a:rPr lang="ko-KR" altLang="en-US" sz="1800" dirty="0"/>
-              <a:t>여러 사람이 동시에 작업하므로 소스 관리 </a:t>
-            </a:r>
-            <a:r>
-              <a:rPr lang="en-US" altLang="ko-KR" sz="1800" dirty="0"/>
-              <a:t>(source control) </a:t>
-            </a:r>
-            <a:r>
-              <a:rPr lang="ko-KR" altLang="en-US" sz="1800" dirty="0"/>
-              <a:t>기능이 필수적</a:t>
-            </a:r>
-            <a:r>
-              <a:rPr lang="en-US" altLang="ko-KR" sz="1800" dirty="0"/>
-              <a:t>. Version, branch control </a:t>
-            </a:r>
-            <a:r>
-              <a:rPr lang="ko-KR" altLang="en-US" sz="1800" dirty="0"/>
-              <a:t>이 주된 관리 기능</a:t>
-            </a:r>
-            <a:r>
-              <a:rPr lang="en-US" altLang="ko-KR" sz="1800" dirty="0"/>
-              <a:t>.</a:t>
-            </a:r>
-          </a:p>
-          <a:p>
-            <a:endParaRPr lang="en-US" altLang="ko-KR" sz="1600" dirty="0"/>
-          </a:p>
-          <a:p>
-            <a:pPr lvl="2"/>
-            <a:endParaRPr lang="en-US" altLang="ko-KR" sz="1600" dirty="0"/>
-          </a:p>
-          <a:p>
-            <a:pPr lvl="1"/>
-            <a:endParaRPr lang="en-US" altLang="ko-KR" sz="1800" dirty="0"/>
-          </a:p>
-          <a:p>
-            <a:pPr lvl="1"/>
-            <a:endParaRPr lang="en-US" altLang="ko-KR" sz="1800" dirty="0"/>
-          </a:p>
-          <a:p>
-            <a:pPr lvl="1"/>
-            <a:endParaRPr lang="ko-KR" altLang="en-US" sz="1800" dirty="0"/>
           </a:p>
         </p:txBody>
       </p:sp>
@@ -9421,7 +7763,7 @@
           <p:cNvPr id="4" name="슬라이드 번호 개체 틀 3">
             <a:extLst>
               <a:ext uri="{FF2B5EF4-FFF2-40B4-BE49-F238E27FC236}">
-                <a16:creationId xmlns:a16="http://schemas.microsoft.com/office/drawing/2014/main" id="{67BFA84A-5532-4EC4-8E06-366E36C1E641}"/>
+                <a16:creationId xmlns:a16="http://schemas.microsoft.com/office/drawing/2014/main" id="{321156FF-406C-4760-AC42-BC51BFF4E76B}"/>
               </a:ext>
             </a:extLst>
           </p:cNvPr>
@@ -9449,7 +7791,7 @@
     </p:spTree>
     <p:extLst>
       <p:ext uri="{BB962C8B-B14F-4D97-AF65-F5344CB8AC3E}">
-        <p14:creationId xmlns:p14="http://schemas.microsoft.com/office/powerpoint/2010/main" val="3066105038"/>
+        <p14:creationId xmlns:p14="http://schemas.microsoft.com/office/powerpoint/2010/main" val="2941132892"/>
       </p:ext>
     </p:extLst>
   </p:cSld>
@@ -9478,10 +7820,10 @@
       </p:grpSpPr>
       <p:sp>
         <p:nvSpPr>
-          <p:cNvPr id="2" name="제목 1">
+          <p:cNvPr id="4" name="제목 3">
             <a:extLst>
               <a:ext uri="{FF2B5EF4-FFF2-40B4-BE49-F238E27FC236}">
-                <a16:creationId xmlns:a16="http://schemas.microsoft.com/office/drawing/2014/main" id="{EA94FF71-E732-4E27-A926-F057EFB31734}"/>
+                <a16:creationId xmlns:a16="http://schemas.microsoft.com/office/drawing/2014/main" id="{077A4DFD-F607-4B7F-9EF9-8D62A7E3B0BF}"/>
               </a:ext>
             </a:extLst>
           </p:cNvPr>
@@ -9510,10 +7852,10 @@
       </p:sp>
       <p:sp>
         <p:nvSpPr>
-          <p:cNvPr id="3" name="내용 개체 틀 2">
+          <p:cNvPr id="5" name="내용 개체 틀 4">
             <a:extLst>
               <a:ext uri="{FF2B5EF4-FFF2-40B4-BE49-F238E27FC236}">
-                <a16:creationId xmlns:a16="http://schemas.microsoft.com/office/drawing/2014/main" id="{8FCBD237-56B7-4B31-A435-2D1DB16CB1F7}"/>
+                <a16:creationId xmlns:a16="http://schemas.microsoft.com/office/drawing/2014/main" id="{4EB3165E-BB32-419B-A635-32ABD1EAD1B9}"/>
               </a:ext>
             </a:extLst>
           </p:cNvPr>
@@ -9531,40 +7873,106 @@
           <a:p>
             <a:r>
               <a:rPr lang="en-US" altLang="ko-KR" sz="2000" dirty="0"/>
-              <a:t>Code review</a:t>
+              <a:t>Contributor</a:t>
             </a:r>
           </a:p>
           <a:p>
             <a:pPr lvl="1"/>
             <a:r>
+              <a:rPr lang="en-US" altLang="ko-KR" sz="1800" dirty="0"/>
+              <a:t>OSS</a:t>
+            </a:r>
+            <a:r>
               <a:rPr lang="ko-KR" altLang="en-US" sz="1800" dirty="0"/>
-              <a:t>여러 개발자가 함께 코드를 상호 검토하여 코드의 질을 향상시키는 작업</a:t>
+              <a:t> 프로젝트에 기여 </a:t>
+            </a:r>
+            <a:r>
+              <a:rPr lang="en-US" altLang="ko-KR" sz="1800" dirty="0"/>
+              <a:t>(contribution)</a:t>
+            </a:r>
+            <a:r>
+              <a:rPr lang="ko-KR" altLang="en-US" sz="1800" dirty="0"/>
+              <a:t>한 사람</a:t>
             </a:r>
             <a:endParaRPr lang="en-US" altLang="ko-KR" sz="1800" dirty="0"/>
           </a:p>
           <a:p>
             <a:pPr lvl="1"/>
             <a:r>
+              <a:rPr lang="ko-KR" altLang="en-US" sz="1800" dirty="0"/>
+              <a:t>기능 추가</a:t>
+            </a:r>
+            <a:r>
               <a:rPr lang="en-US" altLang="ko-KR" sz="1800" dirty="0"/>
-              <a:t>Gerrit </a:t>
+              <a:t>, </a:t>
             </a:r>
             <a:r>
               <a:rPr lang="ko-KR" altLang="en-US" sz="1800" dirty="0"/>
-              <a:t>과 같은 코드 리뷰 지원 도구가 유명함</a:t>
+              <a:t>문서 작성 등 모든 형태의 기여가 가능</a:t>
             </a:r>
             <a:endParaRPr lang="en-US" altLang="ko-KR" sz="1800" dirty="0"/>
           </a:p>
           <a:p>
             <a:r>
               <a:rPr lang="en-US" altLang="ko-KR" sz="2000" dirty="0"/>
-              <a:t>Quality Assurance</a:t>
+              <a:t>Committer</a:t>
             </a:r>
           </a:p>
           <a:p>
             <a:pPr lvl="1"/>
             <a:r>
+              <a:rPr lang="en-US" altLang="ko-KR" sz="1800" dirty="0"/>
+              <a:t>OSS </a:t>
+            </a:r>
+            <a:r>
               <a:rPr lang="ko-KR" altLang="en-US" sz="1800" dirty="0"/>
-              <a:t>코드 품질 관리</a:t>
+              <a:t>프로젝트의 코드 관리자</a:t>
+            </a:r>
+            <a:endParaRPr lang="en-US" altLang="ko-KR" sz="1800" dirty="0"/>
+          </a:p>
+          <a:p>
+            <a:pPr lvl="1"/>
+            <a:r>
+              <a:rPr lang="ko-KR" altLang="en-US" sz="1800" dirty="0"/>
+              <a:t>코드를 직접 수정하거나</a:t>
+            </a:r>
+            <a:r>
+              <a:rPr lang="en-US" altLang="ko-KR" sz="1800" dirty="0"/>
+              <a:t>, contributor</a:t>
+            </a:r>
+            <a:r>
+              <a:rPr lang="ko-KR" altLang="en-US" sz="1800" dirty="0"/>
+              <a:t>의 수정 요청 </a:t>
+            </a:r>
+            <a:r>
+              <a:rPr lang="en-US" altLang="ko-KR" sz="1800" dirty="0"/>
+              <a:t>(PR)</a:t>
+            </a:r>
+            <a:r>
+              <a:rPr lang="ko-KR" altLang="en-US" sz="1800" dirty="0"/>
+              <a:t>을 수락 </a:t>
+            </a:r>
+            <a:r>
+              <a:rPr lang="en-US" altLang="ko-KR" sz="1800" dirty="0"/>
+              <a:t>or </a:t>
+            </a:r>
+            <a:r>
+              <a:rPr lang="ko-KR" altLang="en-US" sz="1800" dirty="0"/>
+              <a:t>거절</a:t>
+            </a:r>
+            <a:endParaRPr lang="en-US" altLang="ko-KR" sz="1800" dirty="0"/>
+          </a:p>
+          <a:p>
+            <a:r>
+              <a:rPr lang="en-US" altLang="ko-KR" sz="2000" dirty="0"/>
+              <a:t>Fork</a:t>
+            </a:r>
+          </a:p>
+          <a:p>
+            <a:pPr lvl="1"/>
+            <a:r>
+              <a:rPr lang="ko-KR" altLang="en-US" sz="1800" dirty="0"/>
+              <a:t>저장소를 복제하는 것</a:t>
             </a:r>
             <a:r>
               <a:rPr lang="en-US" altLang="ko-KR" sz="1800" dirty="0"/>
@@ -9572,7 +7980,7 @@
             </a:r>
             <a:r>
               <a:rPr lang="ko-KR" altLang="en-US" sz="1800" dirty="0"/>
-              <a:t>일반적으로 정형화된 정적 테스트를 자동으로 수행하여 코드의 문법</a:t>
+              <a:t>기존 저장소에 영향을 주지 않고</a:t>
             </a:r>
             <a:r>
               <a:rPr lang="en-US" altLang="ko-KR" sz="1800" dirty="0"/>
@@ -9580,177 +7988,49 @@
             </a:r>
             <a:r>
               <a:rPr lang="ko-KR" altLang="en-US" sz="1800" dirty="0"/>
-              <a:t>스타일</a:t>
+              <a:t>추가 수정 작업을 하기 위해 사용하는 동작</a:t>
             </a:r>
             <a:r>
               <a:rPr lang="en-US" altLang="ko-KR" sz="1800" dirty="0"/>
-              <a:t>, </a:t>
+              <a:t>. </a:t>
+            </a:r>
+          </a:p>
+          <a:p>
+            <a:r>
+              <a:rPr lang="en-US" altLang="ko-KR" sz="2000" dirty="0"/>
+              <a:t>Pull Request</a:t>
+            </a:r>
+            <a:r>
+              <a:rPr lang="ko-KR" altLang="en-US" sz="2000" dirty="0"/>
+              <a:t> </a:t>
+            </a:r>
+            <a:r>
+              <a:rPr lang="en-US" altLang="ko-KR" sz="2000" dirty="0"/>
+              <a:t>(PR)</a:t>
+            </a:r>
+          </a:p>
+          <a:p>
+            <a:pPr lvl="1"/>
+            <a:r>
+              <a:rPr lang="en-US" altLang="ko-KR" sz="1800" dirty="0"/>
+              <a:t>Fork </a:t>
             </a:r>
             <a:r>
               <a:rPr lang="ko-KR" altLang="en-US" sz="1800" dirty="0"/>
-              <a:t>보안 등의 오류를 탐지함</a:t>
+              <a:t>해서 수행한 변경 내용을 다시 기존 저장소에 적용하고자 요청하는 것</a:t>
             </a:r>
             <a:endParaRPr lang="en-US" altLang="ko-KR" sz="1800" dirty="0"/>
           </a:p>
           <a:p>
             <a:pPr lvl="1"/>
-            <a:r>
-              <a:rPr lang="ko-KR" altLang="en-US" sz="1800" dirty="0"/>
-              <a:t>예</a:t>
-            </a:r>
-            <a:r>
-              <a:rPr lang="en-US" altLang="ko-KR" sz="1800" dirty="0"/>
-              <a:t>) SonarQube, PMD, </a:t>
-            </a:r>
-            <a:r>
-              <a:rPr lang="en-US" altLang="ko-KR" sz="1800" dirty="0" err="1"/>
-              <a:t>FindBugs</a:t>
-            </a:r>
-            <a:r>
-              <a:rPr lang="en-US" altLang="ko-KR" sz="1800" dirty="0"/>
-              <a:t>, </a:t>
-            </a:r>
-            <a:r>
-              <a:rPr lang="en-US" altLang="ko-KR" sz="1800" dirty="0" err="1"/>
-              <a:t>CheckStyle</a:t>
-            </a:r>
-            <a:r>
-              <a:rPr lang="en-US" altLang="ko-KR" sz="1800" dirty="0"/>
-              <a:t>, </a:t>
-            </a:r>
-            <a:r>
-              <a:rPr lang="en-US" altLang="ko-KR" sz="1800" dirty="0" err="1"/>
-              <a:t>SCALe</a:t>
-            </a:r>
             <a:endParaRPr lang="en-US" altLang="ko-KR" sz="1800" dirty="0"/>
-          </a:p>
-          <a:p>
-            <a:r>
-              <a:rPr lang="en-US" altLang="ko-KR" sz="2000" dirty="0"/>
-              <a:t>CI/CD</a:t>
-            </a:r>
-          </a:p>
-          <a:p>
-            <a:pPr lvl="1"/>
-            <a:r>
-              <a:rPr lang="en-US" altLang="ko-KR" sz="1800" dirty="0"/>
-              <a:t>CI: continuous integration (</a:t>
-            </a:r>
-            <a:r>
-              <a:rPr lang="ko-KR" altLang="en-US" sz="1800" dirty="0"/>
-              <a:t>지속적 통합</a:t>
-            </a:r>
-            <a:r>
-              <a:rPr lang="en-US" altLang="ko-KR" sz="1800" dirty="0"/>
-              <a:t>)</a:t>
-            </a:r>
-          </a:p>
-          <a:p>
-            <a:pPr lvl="2"/>
-            <a:r>
-              <a:rPr lang="ko-KR" altLang="en-US" sz="1600" dirty="0"/>
-              <a:t>소스 코드의 빌드</a:t>
-            </a:r>
-            <a:r>
-              <a:rPr lang="en-US" altLang="ko-KR" sz="1600" dirty="0"/>
-              <a:t>,  </a:t>
-            </a:r>
-            <a:r>
-              <a:rPr lang="ko-KR" altLang="en-US" sz="1600" dirty="0"/>
-              <a:t>품질 관리를 위한 테스트를 자동으로 수행하여</a:t>
-            </a:r>
-            <a:r>
-              <a:rPr lang="en-US" altLang="ko-KR" sz="1600" dirty="0"/>
-              <a:t>,</a:t>
-            </a:r>
-            <a:br>
-              <a:rPr lang="en-US" altLang="ko-KR" sz="1600" dirty="0"/>
-            </a:br>
-            <a:r>
-              <a:rPr lang="en-US" altLang="ko-KR" sz="1600" dirty="0"/>
-              <a:t>QA (Quality Assurance)</a:t>
-            </a:r>
-            <a:r>
-              <a:rPr lang="ko-KR" altLang="en-US" sz="1600" dirty="0"/>
-              <a:t>가 완료된 통합본을 생성하는 프로세스</a:t>
-            </a:r>
-            <a:endParaRPr lang="en-US" altLang="ko-KR" sz="1600" dirty="0"/>
-          </a:p>
-          <a:p>
-            <a:pPr lvl="1"/>
-            <a:r>
-              <a:rPr lang="en-US" altLang="ko-KR" sz="1800" dirty="0"/>
-              <a:t>CD: continuous delivery (</a:t>
-            </a:r>
-            <a:r>
-              <a:rPr lang="ko-KR" altLang="en-US" sz="1800" dirty="0"/>
-              <a:t>지속적 배포</a:t>
-            </a:r>
-            <a:r>
-              <a:rPr lang="en-US" altLang="ko-KR" sz="1800" dirty="0"/>
-              <a:t>)</a:t>
-            </a:r>
-          </a:p>
-          <a:p>
-            <a:pPr lvl="2"/>
-            <a:r>
-              <a:rPr lang="en-US" altLang="ko-KR" sz="1600" dirty="0"/>
-              <a:t>CI </a:t>
-            </a:r>
-            <a:r>
-              <a:rPr lang="ko-KR" altLang="en-US" sz="1600" dirty="0"/>
-              <a:t>를 통과한 새로운 통합본을 자동으로 서비스 환경에 즉시 배포하는 것</a:t>
-            </a:r>
-            <a:endParaRPr lang="en-US" altLang="ko-KR" sz="1600" dirty="0"/>
-          </a:p>
-          <a:p>
-            <a:pPr lvl="1"/>
-            <a:r>
-              <a:rPr lang="en-US" altLang="ko-KR" sz="1800" dirty="0"/>
-              <a:t>Jenkins</a:t>
-            </a:r>
-            <a:r>
-              <a:rPr lang="ko-KR" altLang="en-US" sz="1800" dirty="0"/>
-              <a:t> 가 가장 유명</a:t>
-            </a:r>
-            <a:endParaRPr lang="en-US" altLang="ko-KR" sz="1800" dirty="0"/>
-          </a:p>
-        </p:txBody>
-      </p:sp>
-      <p:sp>
-        <p:nvSpPr>
-          <p:cNvPr id="4" name="슬라이드 번호 개체 틀 3">
-            <a:extLst>
-              <a:ext uri="{FF2B5EF4-FFF2-40B4-BE49-F238E27FC236}">
-                <a16:creationId xmlns:a16="http://schemas.microsoft.com/office/drawing/2014/main" id="{321156FF-406C-4760-AC42-BC51BFF4E76B}"/>
-              </a:ext>
-            </a:extLst>
-          </p:cNvPr>
-          <p:cNvSpPr>
-            <a:spLocks noGrp="1"/>
-          </p:cNvSpPr>
-          <p:nvPr>
-            <p:ph type="sldNum" sz="quarter" idx="12"/>
-          </p:nvPr>
-        </p:nvSpPr>
-        <p:spPr/>
-        <p:txBody>
-          <a:bodyPr/>
-          <a:lstStyle/>
-          <a:p>
-            <a:fld id="{64F0D409-D3F6-4EEC-8C77-1F5E89989FFB}" type="slidenum">
-              <a:rPr lang="ko-KR" altLang="en-US" smtClean="0"/>
-              <a:pPr/>
-              <a:t>8</a:t>
-            </a:fld>
-            <a:endParaRPr lang="ko-KR" altLang="en-US"/>
           </a:p>
         </p:txBody>
       </p:sp>
     </p:spTree>
     <p:extLst>
       <p:ext uri="{BB962C8B-B14F-4D97-AF65-F5344CB8AC3E}">
-        <p14:creationId xmlns:p14="http://schemas.microsoft.com/office/powerpoint/2010/main" val="2941132892"/>
+        <p14:creationId xmlns:p14="http://schemas.microsoft.com/office/powerpoint/2010/main" val="1468118731"/>
       </p:ext>
     </p:extLst>
   </p:cSld>
@@ -9779,10 +8059,10 @@
       </p:grpSpPr>
       <p:sp>
         <p:nvSpPr>
-          <p:cNvPr id="4" name="제목 3">
+          <p:cNvPr id="2" name="제목 1">
             <a:extLst>
               <a:ext uri="{FF2B5EF4-FFF2-40B4-BE49-F238E27FC236}">
-                <a16:creationId xmlns:a16="http://schemas.microsoft.com/office/drawing/2014/main" id="{077A4DFD-F607-4B7F-9EF9-8D62A7E3B0BF}"/>
+                <a16:creationId xmlns:a16="http://schemas.microsoft.com/office/drawing/2014/main" id="{59C3126F-57CF-4FD3-B30D-A75167A96AD4}"/>
               </a:ext>
             </a:extLst>
           </p:cNvPr>
@@ -9799,22 +8079,18 @@
           <a:lstStyle/>
           <a:p>
             <a:r>
-              <a:rPr lang="en-US" altLang="ko-KR" dirty="0"/>
-              <a:t>OSS </a:t>
-            </a:r>
-            <a:r>
               <a:rPr lang="ko-KR" altLang="en-US" dirty="0"/>
-              <a:t>용어</a:t>
-            </a:r>
-          </a:p>
-        </p:txBody>
-      </p:sp>
-      <p:sp>
-        <p:nvSpPr>
-          <p:cNvPr id="5" name="내용 개체 틀 4">
+              <a:t>수업에서 실습할 내용</a:t>
+            </a:r>
+          </a:p>
+        </p:txBody>
+      </p:sp>
+      <p:sp>
+        <p:nvSpPr>
+          <p:cNvPr id="3" name="내용 개체 틀 2">
             <a:extLst>
               <a:ext uri="{FF2B5EF4-FFF2-40B4-BE49-F238E27FC236}">
-                <a16:creationId xmlns:a16="http://schemas.microsoft.com/office/drawing/2014/main" id="{4EB3165E-BB32-419B-A635-32ABD1EAD1B9}"/>
+                <a16:creationId xmlns:a16="http://schemas.microsoft.com/office/drawing/2014/main" id="{09A4B9FC-EB3E-451D-8B75-EA97CCD0D71A}"/>
               </a:ext>
             </a:extLst>
           </p:cNvPr>
@@ -9831,165 +8107,111 @@
           <a:lstStyle/>
           <a:p>
             <a:r>
-              <a:rPr lang="en-US" altLang="ko-KR" sz="2000" dirty="0"/>
-              <a:t>Contributor</a:t>
-            </a:r>
+              <a:rPr lang="en-US" altLang="ko-KR" dirty="0"/>
+              <a:t>OSS </a:t>
+            </a:r>
+            <a:r>
+              <a:rPr lang="ko-KR" altLang="en-US" dirty="0"/>
+              <a:t>관련</a:t>
+            </a:r>
+            <a:endParaRPr lang="en-US" altLang="ko-KR" dirty="0"/>
           </a:p>
           <a:p>
             <a:pPr lvl="1"/>
             <a:r>
-              <a:rPr lang="en-US" altLang="ko-KR" sz="1800" dirty="0"/>
-              <a:t>OSS</a:t>
-            </a:r>
-            <a:r>
-              <a:rPr lang="ko-KR" altLang="en-US" sz="1800" dirty="0"/>
-              <a:t> 프로젝트에 기여 </a:t>
-            </a:r>
-            <a:r>
-              <a:rPr lang="en-US" altLang="ko-KR" sz="1800" dirty="0"/>
-              <a:t>(contribution)</a:t>
-            </a:r>
-            <a:r>
-              <a:rPr lang="ko-KR" altLang="en-US" sz="1800" dirty="0"/>
-              <a:t>한 사람</a:t>
-            </a:r>
-            <a:endParaRPr lang="en-US" altLang="ko-KR" sz="1800" dirty="0"/>
+              <a:rPr lang="en-US" altLang="ko-KR" dirty="0"/>
+              <a:t>Git &amp; GitHub</a:t>
+            </a:r>
           </a:p>
           <a:p>
             <a:pPr lvl="1"/>
             <a:r>
-              <a:rPr lang="ko-KR" altLang="en-US" sz="1800" dirty="0"/>
-              <a:t>기능 추가</a:t>
-            </a:r>
-            <a:r>
-              <a:rPr lang="en-US" altLang="ko-KR" sz="1800" dirty="0"/>
-              <a:t>, </a:t>
-            </a:r>
-            <a:r>
-              <a:rPr lang="ko-KR" altLang="en-US" sz="1800" dirty="0"/>
-              <a:t>문서 작성 등 모든 형태의 기여가 가능</a:t>
-            </a:r>
-            <a:endParaRPr lang="en-US" altLang="ko-KR" sz="1800" dirty="0"/>
-          </a:p>
-          <a:p>
-            <a:r>
-              <a:rPr lang="en-US" altLang="ko-KR" sz="2000" dirty="0"/>
-              <a:t>Committer</a:t>
-            </a:r>
+              <a:rPr lang="en-US" altLang="ko-KR" dirty="0"/>
+              <a:t>Community &amp; Participation</a:t>
+            </a:r>
+          </a:p>
+          <a:p>
+            <a:r>
+              <a:rPr lang="ko-KR" altLang="en-US" dirty="0"/>
+              <a:t>개발 관련</a:t>
+            </a:r>
+            <a:endParaRPr lang="en-US" altLang="ko-KR" dirty="0"/>
           </a:p>
           <a:p>
             <a:pPr lvl="1"/>
             <a:r>
-              <a:rPr lang="en-US" altLang="ko-KR" sz="1800" dirty="0"/>
-              <a:t>OSS </a:t>
-            </a:r>
-            <a:r>
-              <a:rPr lang="ko-KR" altLang="en-US" sz="1800" dirty="0"/>
-              <a:t>프로젝트의 코드 관리자</a:t>
-            </a:r>
-            <a:endParaRPr lang="en-US" altLang="ko-KR" sz="1800" dirty="0"/>
+              <a:rPr lang="en-US" altLang="ko-KR" dirty="0"/>
+              <a:t>Code analysis</a:t>
+            </a:r>
           </a:p>
           <a:p>
             <a:pPr lvl="1"/>
             <a:r>
-              <a:rPr lang="ko-KR" altLang="en-US" sz="1800" dirty="0"/>
-              <a:t>코드를 직접 수정하거나</a:t>
-            </a:r>
-            <a:r>
-              <a:rPr lang="en-US" altLang="ko-KR" sz="1800" dirty="0"/>
-              <a:t>, contributor</a:t>
-            </a:r>
-            <a:r>
-              <a:rPr lang="ko-KR" altLang="en-US" sz="1800" dirty="0"/>
-              <a:t>의 수정 요청 </a:t>
-            </a:r>
-            <a:r>
-              <a:rPr lang="en-US" altLang="ko-KR" sz="1800" dirty="0"/>
-              <a:t>(PR)</a:t>
-            </a:r>
-            <a:r>
-              <a:rPr lang="ko-KR" altLang="en-US" sz="1800" dirty="0"/>
-              <a:t>을 수락 </a:t>
-            </a:r>
-            <a:r>
-              <a:rPr lang="en-US" altLang="ko-KR" sz="1800" dirty="0"/>
-              <a:t>or </a:t>
-            </a:r>
-            <a:r>
-              <a:rPr lang="ko-KR" altLang="en-US" sz="1800" dirty="0"/>
-              <a:t>거절</a:t>
-            </a:r>
-            <a:endParaRPr lang="en-US" altLang="ko-KR" sz="1800" dirty="0"/>
-          </a:p>
-          <a:p>
-            <a:r>
-              <a:rPr lang="en-US" altLang="ko-KR" sz="2000" dirty="0"/>
-              <a:t>Fork</a:t>
+              <a:rPr lang="en-US" altLang="ko-KR" dirty="0"/>
+              <a:t>Code review with GitHub</a:t>
             </a:r>
           </a:p>
           <a:p>
             <a:pPr lvl="1"/>
-            <a:r>
-              <a:rPr lang="ko-KR" altLang="en-US" sz="1800" dirty="0"/>
-              <a:t>저장소를 복제하는 것</a:t>
-            </a:r>
-            <a:r>
-              <a:rPr lang="en-US" altLang="ko-KR" sz="1800" dirty="0"/>
-              <a:t>. </a:t>
-            </a:r>
-            <a:r>
-              <a:rPr lang="ko-KR" altLang="en-US" sz="1800" dirty="0"/>
-              <a:t>기존 저장소에 영향을 주지 않고</a:t>
-            </a:r>
-            <a:r>
-              <a:rPr lang="en-US" altLang="ko-KR" sz="1800" dirty="0"/>
-              <a:t>, </a:t>
-            </a:r>
-            <a:r>
-              <a:rPr lang="ko-KR" altLang="en-US" sz="1800" dirty="0"/>
-              <a:t>추가 수정 작업을 하기 위해 사용하는 동작</a:t>
-            </a:r>
-            <a:r>
-              <a:rPr lang="en-US" altLang="ko-KR" sz="1800" dirty="0"/>
-              <a:t>. </a:t>
-            </a:r>
-          </a:p>
-          <a:p>
-            <a:r>
-              <a:rPr lang="en-US" altLang="ko-KR" sz="2000" dirty="0"/>
-              <a:t>Pull Request</a:t>
-            </a:r>
-            <a:r>
-              <a:rPr lang="ko-KR" altLang="en-US" sz="2000" dirty="0"/>
-              <a:t> </a:t>
-            </a:r>
-            <a:r>
-              <a:rPr lang="en-US" altLang="ko-KR" sz="2000" dirty="0"/>
-              <a:t>(PR)</a:t>
-            </a:r>
+            <a:endParaRPr lang="en-US" altLang="ko-KR" dirty="0"/>
+          </a:p>
+          <a:p>
+            <a:r>
+              <a:rPr lang="ko-KR" altLang="en-US" dirty="0"/>
+              <a:t>빠진 내용</a:t>
+            </a:r>
+            <a:endParaRPr lang="en-US" altLang="ko-KR" dirty="0"/>
           </a:p>
           <a:p>
             <a:pPr lvl="1"/>
             <a:r>
-              <a:rPr lang="en-US" altLang="ko-KR" sz="1800" dirty="0"/>
-              <a:t>Fork </a:t>
-            </a:r>
-            <a:r>
-              <a:rPr lang="ko-KR" altLang="en-US" sz="1800" dirty="0"/>
-              <a:t>해서 수행한 변경 내용을 다시 기존 저장소에 적용하고자 요청하는 것</a:t>
-            </a:r>
-            <a:endParaRPr lang="en-US" altLang="ko-KR" sz="1800" dirty="0"/>
+              <a:rPr lang="en-US" altLang="ko-KR" dirty="0"/>
+              <a:t>Issue/Bug tracking</a:t>
+            </a:r>
           </a:p>
           <a:p>
             <a:pPr lvl="1"/>
-            <a:endParaRPr lang="en-US" altLang="ko-KR" sz="1800" dirty="0"/>
+            <a:r>
+              <a:rPr lang="en-US" altLang="ko-KR" dirty="0"/>
+              <a:t>CI/CD, QA</a:t>
+            </a:r>
+          </a:p>
+        </p:txBody>
+      </p:sp>
+      <p:sp>
+        <p:nvSpPr>
+          <p:cNvPr id="4" name="슬라이드 번호 개체 틀 3">
+            <a:extLst>
+              <a:ext uri="{FF2B5EF4-FFF2-40B4-BE49-F238E27FC236}">
+                <a16:creationId xmlns:a16="http://schemas.microsoft.com/office/drawing/2014/main" id="{5BBA0532-4C08-42C8-98F1-0569B9F34636}"/>
+              </a:ext>
+            </a:extLst>
+          </p:cNvPr>
+          <p:cNvSpPr>
+            <a:spLocks noGrp="1"/>
+          </p:cNvSpPr>
+          <p:nvPr>
+            <p:ph type="sldNum" sz="quarter" idx="12"/>
+          </p:nvPr>
+        </p:nvSpPr>
+        <p:spPr/>
+        <p:txBody>
+          <a:bodyPr/>
+          <a:lstStyle/>
+          <a:p>
+            <a:fld id="{64F0D409-D3F6-4EEC-8C77-1F5E89989FFB}" type="slidenum">
+              <a:rPr lang="ko-KR" altLang="en-US" smtClean="0"/>
+              <a:pPr/>
+              <a:t>9</a:t>
+            </a:fld>
+            <a:endParaRPr lang="ko-KR" altLang="en-US"/>
           </a:p>
         </p:txBody>
       </p:sp>
     </p:spTree>
     <p:extLst>
       <p:ext uri="{BB962C8B-B14F-4D97-AF65-F5344CB8AC3E}">
-        <p14:creationId xmlns:p14="http://schemas.microsoft.com/office/powerpoint/2010/main" val="1468118731"/>
+        <p14:creationId xmlns:p14="http://schemas.microsoft.com/office/powerpoint/2010/main" val="1627854004"/>
       </p:ext>
     </p:extLst>
   </p:cSld>

--- a/Slides 2020/4. Using Open Source SW.pptx
+++ b/Slides 2020/4. Using Open Source SW.pptx
@@ -218,7 +218,7 @@
           <a:p>
             <a:fld id="{3A51E6CB-1B67-49CD-819C-CBD1F8F15839}" type="datetimeFigureOut">
               <a:rPr lang="ko-KR" altLang="en-US" smtClean="0"/>
-              <a:t>2020-09-16</a:t>
+              <a:t>2020-09-29</a:t>
             </a:fld>
             <a:endParaRPr lang="ko-KR" altLang="en-US"/>
           </a:p>
@@ -700,7 +700,7 @@
           <a:p>
             <a:fld id="{1EA80F27-E9B9-4A8E-9A59-01CCB3F43850}" type="datetime1">
               <a:rPr lang="ko-KR" altLang="en-US" smtClean="0"/>
-              <a:t>2020-09-16</a:t>
+              <a:t>2020-09-29</a:t>
             </a:fld>
             <a:endParaRPr lang="ko-KR" altLang="en-US"/>
           </a:p>
@@ -916,7 +916,7 @@
           <a:p>
             <a:fld id="{7E5363F8-22A8-407F-82B0-EFC1D1C22895}" type="datetime1">
               <a:rPr lang="ko-KR" altLang="en-US" smtClean="0"/>
-              <a:t>2020-09-16</a:t>
+              <a:t>2020-09-29</a:t>
             </a:fld>
             <a:endParaRPr lang="ko-KR" altLang="en-US"/>
           </a:p>
@@ -1096,7 +1096,7 @@
           <a:p>
             <a:fld id="{8187739B-8E74-4F06-BBD0-F6D670C1F7A1}" type="datetime1">
               <a:rPr lang="ko-KR" altLang="en-US" smtClean="0"/>
-              <a:t>2020-09-16</a:t>
+              <a:t>2020-09-29</a:t>
             </a:fld>
             <a:endParaRPr lang="ko-KR" altLang="en-US"/>
           </a:p>
@@ -1533,7 +1533,7 @@
           <a:p>
             <a:fld id="{170798F3-F6A9-4876-8D5A-30BE2843F4A2}" type="datetime1">
               <a:rPr lang="ko-KR" altLang="en-US" smtClean="0"/>
-              <a:t>2020-09-16</a:t>
+              <a:t>2020-09-29</a:t>
             </a:fld>
             <a:endParaRPr lang="ko-KR" altLang="en-US"/>
           </a:p>
@@ -1715,7 +1715,7 @@
           <a:p>
             <a:fld id="{947C39E4-F1C0-46F5-93CB-857C8C3AEB8D}" type="datetime1">
               <a:rPr lang="ko-KR" altLang="en-US" smtClean="0"/>
-              <a:t>2020-09-16</a:t>
+              <a:t>2020-09-29</a:t>
             </a:fld>
             <a:endParaRPr lang="ko-KR" altLang="en-US"/>
           </a:p>
@@ -1959,7 +1959,7 @@
           <a:p>
             <a:fld id="{7818271D-E6C7-4286-B2FD-D9AA53F1E428}" type="datetime1">
               <a:rPr lang="ko-KR" altLang="en-US" smtClean="0"/>
-              <a:t>2020-09-16</a:t>
+              <a:t>2020-09-29</a:t>
             </a:fld>
             <a:endParaRPr lang="ko-KR" altLang="en-US"/>
           </a:p>
@@ -2191,7 +2191,7 @@
           <a:p>
             <a:fld id="{8CE3C26B-F624-420D-BF9D-391E2E695B27}" type="datetime1">
               <a:rPr lang="ko-KR" altLang="en-US" smtClean="0"/>
-              <a:t>2020-09-16</a:t>
+              <a:t>2020-09-29</a:t>
             </a:fld>
             <a:endParaRPr lang="ko-KR" altLang="en-US"/>
           </a:p>
@@ -2558,7 +2558,7 @@
           <a:p>
             <a:fld id="{A1FC83CE-7AD5-4A20-9998-54C7F9F05545}" type="datetime1">
               <a:rPr lang="ko-KR" altLang="en-US" smtClean="0"/>
-              <a:t>2020-09-16</a:t>
+              <a:t>2020-09-29</a:t>
             </a:fld>
             <a:endParaRPr lang="ko-KR" altLang="en-US"/>
           </a:p>
@@ -2676,7 +2676,7 @@
           <a:p>
             <a:fld id="{3A3E22EA-EB96-4ADF-ABA9-A693E5F7BB1E}" type="datetime1">
               <a:rPr lang="ko-KR" altLang="en-US" smtClean="0"/>
-              <a:t>2020-09-16</a:t>
+              <a:t>2020-09-29</a:t>
             </a:fld>
             <a:endParaRPr lang="ko-KR" altLang="en-US"/>
           </a:p>
@@ -2771,7 +2771,7 @@
           <a:p>
             <a:fld id="{0D5BD961-86A8-440A-8C4E-52B6CA6FECED}" type="datetime1">
               <a:rPr lang="ko-KR" altLang="en-US" smtClean="0"/>
-              <a:t>2020-09-16</a:t>
+              <a:t>2020-09-29</a:t>
             </a:fld>
             <a:endParaRPr lang="ko-KR" altLang="en-US"/>
           </a:p>
@@ -3048,7 +3048,7 @@
           <a:p>
             <a:fld id="{CD151CC0-1347-483B-8708-01772054FA68}" type="datetime1">
               <a:rPr lang="ko-KR" altLang="en-US" smtClean="0"/>
-              <a:t>2020-09-16</a:t>
+              <a:t>2020-09-29</a:t>
             </a:fld>
             <a:endParaRPr lang="ko-KR" altLang="en-US"/>
           </a:p>
@@ -3305,7 +3305,7 @@
           <a:p>
             <a:fld id="{57185993-49E6-4096-BF26-930E741DA796}" type="datetime1">
               <a:rPr lang="ko-KR" altLang="en-US" smtClean="0"/>
-              <a:t>2020-09-16</a:t>
+              <a:t>2020-09-29</a:t>
             </a:fld>
             <a:endParaRPr lang="ko-KR" altLang="en-US"/>
           </a:p>
@@ -3521,7 +3521,7 @@
           <a:p>
             <a:fld id="{170798F3-F6A9-4876-8D5A-30BE2843F4A2}" type="datetime1">
               <a:rPr lang="ko-KR" altLang="en-US" smtClean="0"/>
-              <a:t>2020-09-16</a:t>
+              <a:t>2020-09-29</a:t>
             </a:fld>
             <a:endParaRPr lang="ko-KR" altLang="en-US"/>
           </a:p>
@@ -6345,6 +6345,33 @@
               <a:t>장 이내 분량 정리</a:t>
             </a:r>
             <a:endParaRPr lang="en-US" altLang="ko-KR" sz="1800" dirty="0"/>
+          </a:p>
+          <a:p>
+            <a:pPr lvl="1"/>
+            <a:r>
+              <a:rPr lang="en-US" altLang="ko-KR" sz="1800" dirty="0">
+                <a:solidFill>
+                  <a:srgbClr val="FF0000"/>
+                </a:solidFill>
+              </a:rPr>
+              <a:t>PDF</a:t>
+            </a:r>
+            <a:r>
+              <a:rPr lang="ko-KR" altLang="en-US" sz="1800" dirty="0">
+                <a:solidFill>
+                  <a:srgbClr val="FF0000"/>
+                </a:solidFill>
+              </a:rPr>
+              <a:t>로 변환하여 제출</a:t>
+            </a:r>
+            <a:r>
+              <a:rPr lang="en-US" altLang="ko-KR" sz="1800" dirty="0">
+                <a:solidFill>
+                  <a:srgbClr val="FF0000"/>
+                </a:solidFill>
+              </a:rPr>
+              <a:t>!</a:t>
+            </a:r>
           </a:p>
           <a:p>
             <a:r>
